--- a/documents/presentations/2013/ELSEweb-EDAC-PROV.pptx
+++ b/documents/presentations/2013/ELSEweb-EDAC-PROV.pptx
@@ -5,15 +5,16 @@
     <p:sldMasterId id="2147483648" r:id="rId1"/>
   </p:sldMasterIdLst>
   <p:notesMasterIdLst>
-    <p:notesMasterId r:id="rId8"/>
+    <p:notesMasterId r:id="rId9"/>
   </p:notesMasterIdLst>
   <p:sldIdLst>
     <p:sldId id="256" r:id="rId2"/>
     <p:sldId id="259" r:id="rId3"/>
     <p:sldId id="262" r:id="rId4"/>
-    <p:sldId id="257" r:id="rId5"/>
-    <p:sldId id="260" r:id="rId6"/>
-    <p:sldId id="261" r:id="rId7"/>
+    <p:sldId id="263" r:id="rId5"/>
+    <p:sldId id="257" r:id="rId6"/>
+    <p:sldId id="260" r:id="rId7"/>
+    <p:sldId id="261" r:id="rId8"/>
   </p:sldIdLst>
   <p:sldSz cx="9144000" cy="6858000" type="screen4x3"/>
   <p:notesSz cx="6858000" cy="9144000"/>
@@ -530,7 +531,7 @@
           <a:p>
             <a:fld id="{850082F7-6A96-6342-BC39-5A2CF5FDAFF6}" type="slidenum">
               <a:rPr lang="en-US" smtClean="0"/>
-              <a:t>6</a:t>
+              <a:t>7</a:t>
             </a:fld>
             <a:endParaRPr lang="en-US"/>
           </a:p>
@@ -3669,8 +3670,17 @@
           <a:p>
             <a:r>
               <a:rPr lang="en-US" dirty="0" smtClean="0"/>
-              <a:t>Context</a:t>
-            </a:r>
+              <a:t>Background</a:t>
+            </a:r>
+            <a:endParaRPr lang="en-US" dirty="0" smtClean="0"/>
+          </a:p>
+          <a:p>
+            <a:pPr lvl="1"/>
+            <a:r>
+              <a:rPr lang="en-US" dirty="0" smtClean="0"/>
+              <a:t>OBOE</a:t>
+            </a:r>
+            <a:endParaRPr lang="en-US" dirty="0" smtClean="0"/>
           </a:p>
           <a:p>
             <a:pPr lvl="1"/>
@@ -3680,20 +3690,8 @@
             </a:r>
             <a:r>
               <a:rPr lang="en-US" dirty="0" smtClean="0"/>
-              <a:t>Data </a:t>
-            </a:r>
-            <a:r>
-              <a:rPr lang="en-US" dirty="0" smtClean="0"/>
-              <a:t>Model (Graphical + actual RDF from slides)</a:t>
-            </a:r>
-          </a:p>
-          <a:p>
-            <a:pPr lvl="1"/>
-            <a:r>
-              <a:rPr lang="en-US" dirty="0" smtClean="0"/>
-              <a:t>OBOE</a:t>
-            </a:r>
-            <a:endParaRPr lang="en-US" dirty="0" smtClean="0"/>
+              <a:t>Data Model (Graphical + actual RDF from slides)</a:t>
+            </a:r>
           </a:p>
           <a:p>
             <a:pPr lvl="1"/>
@@ -3707,11 +3705,7 @@
             </a:r>
             <a:r>
               <a:rPr lang="en-US" dirty="0" smtClean="0"/>
-              <a:t>Scenario Data </a:t>
-            </a:r>
-            <a:r>
-              <a:rPr lang="en-US" dirty="0" smtClean="0"/>
-              <a:t>Model</a:t>
+              <a:t>Scenario Data Model</a:t>
             </a:r>
           </a:p>
           <a:p>
@@ -3738,11 +3732,7 @@
             <a:pPr lvl="1"/>
             <a:r>
               <a:rPr lang="en-US" dirty="0" smtClean="0"/>
-              <a:t>PROV and </a:t>
-            </a:r>
-            <a:r>
-              <a:rPr lang="en-US" dirty="0" smtClean="0"/>
-              <a:t>Example RDF</a:t>
+              <a:t>PROV and Example RDF</a:t>
             </a:r>
           </a:p>
           <a:p>
@@ -3786,13 +3776,8 @@
           <a:p>
             <a:r>
               <a:rPr lang="en-US" dirty="0" smtClean="0"/>
-              <a:t>How to generate it</a:t>
-            </a:r>
-            <a:r>
-              <a:rPr lang="en-US" smtClean="0"/>
-              <a:t>: Provo King</a:t>
-            </a:r>
-            <a:endParaRPr lang="en-US" dirty="0" smtClean="0"/>
+              <a:t>How to generate it: Provo King</a:t>
+            </a:r>
           </a:p>
         </p:txBody>
       </p:sp>
@@ -3841,7 +3826,11 @@
           <a:bodyPr/>
           <a:lstStyle/>
           <a:p>
-            <a:endParaRPr lang="en-US"/>
+            <a:r>
+              <a:rPr lang="en-US" dirty="0" smtClean="0"/>
+              <a:t>OBOE: Observational Ontology</a:t>
+            </a:r>
+            <a:endParaRPr lang="en-US" dirty="0"/>
           </a:p>
         </p:txBody>
       </p:sp>
@@ -3911,6 +3900,78 @@
           <a:p>
             <a:r>
               <a:rPr lang="en-US" dirty="0" smtClean="0"/>
+              <a:t>DCAT: Data Catalog</a:t>
+            </a:r>
+            <a:endParaRPr lang="en-US" dirty="0"/>
+          </a:p>
+        </p:txBody>
+      </p:sp>
+      <p:sp>
+        <p:nvSpPr>
+          <p:cNvPr id="3" name="Content Placeholder 2"/>
+          <p:cNvSpPr>
+            <a:spLocks noGrp="1"/>
+          </p:cNvSpPr>
+          <p:nvPr>
+            <p:ph idx="1"/>
+          </p:nvPr>
+        </p:nvSpPr>
+        <p:spPr/>
+        <p:txBody>
+          <a:bodyPr/>
+          <a:lstStyle/>
+          <a:p>
+            <a:endParaRPr lang="en-US" dirty="0"/>
+          </a:p>
+        </p:txBody>
+      </p:sp>
+    </p:spTree>
+    <p:extLst>
+      <p:ext uri="{BB962C8B-B14F-4D97-AF65-F5344CB8AC3E}">
+        <p14:creationId xmlns:p14="http://schemas.microsoft.com/office/powerpoint/2010/main" val="665048687"/>
+      </p:ext>
+    </p:extLst>
+  </p:cSld>
+  <p:clrMapOvr>
+    <a:masterClrMapping/>
+  </p:clrMapOvr>
+</p:sld>
+</file>
+
+<file path=ppt/slides/slide5.xml><?xml version="1.0" encoding="utf-8"?>
+<p:sld xmlns:a="http://schemas.openxmlformats.org/drawingml/2006/main" xmlns:r="http://schemas.openxmlformats.org/officeDocument/2006/relationships" xmlns:p="http://schemas.openxmlformats.org/presentationml/2006/main">
+  <p:cSld>
+    <p:spTree>
+      <p:nvGrpSpPr>
+        <p:cNvPr id="1" name=""/>
+        <p:cNvGrpSpPr/>
+        <p:nvPr/>
+      </p:nvGrpSpPr>
+      <p:grpSpPr>
+        <a:xfrm>
+          <a:off x="0" y="0"/>
+          <a:ext cx="0" cy="0"/>
+          <a:chOff x="0" y="0"/>
+          <a:chExt cx="0" cy="0"/>
+        </a:xfrm>
+      </p:grpSpPr>
+      <p:sp>
+        <p:nvSpPr>
+          <p:cNvPr id="2" name="Title 1"/>
+          <p:cNvSpPr>
+            <a:spLocks noGrp="1"/>
+          </p:cNvSpPr>
+          <p:nvPr>
+            <p:ph type="title"/>
+          </p:nvPr>
+        </p:nvSpPr>
+        <p:spPr/>
+        <p:txBody>
+          <a:bodyPr/>
+          <a:lstStyle/>
+          <a:p>
+            <a:r>
+              <a:rPr lang="en-US" dirty="0" smtClean="0"/>
               <a:t>PROV Data Model</a:t>
             </a:r>
             <a:endParaRPr lang="en-US" dirty="0"/>
@@ -3954,7 +4015,7 @@
 </p:sld>
 </file>
 
-<file path=ppt/slides/slide5.xml><?xml version="1.0" encoding="utf-8"?>
+<file path=ppt/slides/slide6.xml><?xml version="1.0" encoding="utf-8"?>
 <p:sld xmlns:a="http://schemas.openxmlformats.org/drawingml/2006/main" xmlns:r="http://schemas.openxmlformats.org/officeDocument/2006/relationships" xmlns:p="http://schemas.openxmlformats.org/presentationml/2006/main">
   <p:cSld>
     <p:spTree>
@@ -4608,7 +4669,7 @@
 </p:sld>
 </file>
 
-<file path=ppt/slides/slide6.xml><?xml version="1.0" encoding="utf-8"?>
+<file path=ppt/slides/slide7.xml><?xml version="1.0" encoding="utf-8"?>
 <p:sld xmlns:a="http://schemas.openxmlformats.org/drawingml/2006/main" xmlns:r="http://schemas.openxmlformats.org/officeDocument/2006/relationships" xmlns:p="http://schemas.openxmlformats.org/presentationml/2006/main">
   <p:cSld>
     <p:spTree>

--- a/documents/presentations/2013/ELSEweb-EDAC-PROV.pptx
+++ b/documents/presentations/2013/ELSEweb-EDAC-PROV.pptx
@@ -5,16 +5,32 @@
     <p:sldMasterId id="2147483648" r:id="rId1"/>
   </p:sldMasterIdLst>
   <p:notesMasterIdLst>
-    <p:notesMasterId r:id="rId9"/>
+    <p:notesMasterId r:id="rId22"/>
   </p:notesMasterIdLst>
+  <p:handoutMasterIdLst>
+    <p:handoutMasterId r:id="rId23"/>
+  </p:handoutMasterIdLst>
   <p:sldIdLst>
     <p:sldId id="256" r:id="rId2"/>
-    <p:sldId id="259" r:id="rId3"/>
-    <p:sldId id="262" r:id="rId4"/>
-    <p:sldId id="263" r:id="rId5"/>
-    <p:sldId id="257" r:id="rId6"/>
-    <p:sldId id="260" r:id="rId7"/>
-    <p:sldId id="261" r:id="rId8"/>
+    <p:sldId id="277" r:id="rId3"/>
+    <p:sldId id="259" r:id="rId4"/>
+    <p:sldId id="264" r:id="rId5"/>
+    <p:sldId id="262" r:id="rId6"/>
+    <p:sldId id="265" r:id="rId7"/>
+    <p:sldId id="263" r:id="rId8"/>
+    <p:sldId id="267" r:id="rId9"/>
+    <p:sldId id="266" r:id="rId10"/>
+    <p:sldId id="257" r:id="rId11"/>
+    <p:sldId id="268" r:id="rId12"/>
+    <p:sldId id="269" r:id="rId13"/>
+    <p:sldId id="270" r:id="rId14"/>
+    <p:sldId id="274" r:id="rId15"/>
+    <p:sldId id="275" r:id="rId16"/>
+    <p:sldId id="276" r:id="rId17"/>
+    <p:sldId id="272" r:id="rId18"/>
+    <p:sldId id="278" r:id="rId19"/>
+    <p:sldId id="279" r:id="rId20"/>
+    <p:sldId id="271" r:id="rId21"/>
   </p:sldIdLst>
   <p:sldSz cx="9144000" cy="6858000" type="screen4x3"/>
   <p:notesSz cx="6858000" cy="9144000"/>
@@ -116,6 +132,172 @@
 </p:presentation>
 </file>
 
+<file path=ppt/handoutMasters/handoutMaster1.xml><?xml version="1.0" encoding="utf-8"?>
+<p:handoutMaster xmlns:a="http://schemas.openxmlformats.org/drawingml/2006/main" xmlns:r="http://schemas.openxmlformats.org/officeDocument/2006/relationships" xmlns:p="http://schemas.openxmlformats.org/presentationml/2006/main">
+  <p:cSld>
+    <p:bg>
+      <p:bgRef idx="1001">
+        <a:schemeClr val="bg1"/>
+      </p:bgRef>
+    </p:bg>
+    <p:spTree>
+      <p:nvGrpSpPr>
+        <p:cNvPr id="1" name=""/>
+        <p:cNvGrpSpPr/>
+        <p:nvPr/>
+      </p:nvGrpSpPr>
+      <p:grpSpPr>
+        <a:xfrm>
+          <a:off x="0" y="0"/>
+          <a:ext cx="0" cy="0"/>
+          <a:chOff x="0" y="0"/>
+          <a:chExt cx="0" cy="0"/>
+        </a:xfrm>
+      </p:grpSpPr>
+      <p:sp>
+        <p:nvSpPr>
+          <p:cNvPr id="2" name="Header Placeholder 1"/>
+          <p:cNvSpPr>
+            <a:spLocks noGrp="1"/>
+          </p:cNvSpPr>
+          <p:nvPr>
+            <p:ph type="hdr" sz="quarter"/>
+          </p:nvPr>
+        </p:nvSpPr>
+        <p:spPr>
+          <a:xfrm>
+            <a:off x="0" y="0"/>
+            <a:ext cx="2971800" cy="457200"/>
+          </a:xfrm>
+          <a:prstGeom prst="rect">
+            <a:avLst/>
+          </a:prstGeom>
+        </p:spPr>
+        <p:txBody>
+          <a:bodyPr vert="horz" lIns="91440" tIns="45720" rIns="91440" bIns="45720" rtlCol="0"/>
+          <a:lstStyle>
+            <a:lvl1pPr algn="l">
+              <a:defRPr sz="1200"/>
+            </a:lvl1pPr>
+          </a:lstStyle>
+          <a:p>
+            <a:endParaRPr lang="en-US"/>
+          </a:p>
+        </p:txBody>
+      </p:sp>
+      <p:sp>
+        <p:nvSpPr>
+          <p:cNvPr id="3" name="Date Placeholder 2"/>
+          <p:cNvSpPr>
+            <a:spLocks noGrp="1"/>
+          </p:cNvSpPr>
+          <p:nvPr>
+            <p:ph type="dt" sz="quarter" idx="1"/>
+          </p:nvPr>
+        </p:nvSpPr>
+        <p:spPr>
+          <a:xfrm>
+            <a:off x="3884613" y="0"/>
+            <a:ext cx="2971800" cy="457200"/>
+          </a:xfrm>
+          <a:prstGeom prst="rect">
+            <a:avLst/>
+          </a:prstGeom>
+        </p:spPr>
+        <p:txBody>
+          <a:bodyPr vert="horz" lIns="91440" tIns="45720" rIns="91440" bIns="45720" rtlCol="0"/>
+          <a:lstStyle>
+            <a:lvl1pPr algn="r">
+              <a:defRPr sz="1200"/>
+            </a:lvl1pPr>
+          </a:lstStyle>
+          <a:p>
+            <a:fld id="{FB048719-675F-8244-8CB7-613C97DD178C}" type="datetimeFigureOut">
+              <a:rPr lang="en-US" smtClean="0"/>
+              <a:t>8/27/13</a:t>
+            </a:fld>
+            <a:endParaRPr lang="en-US"/>
+          </a:p>
+        </p:txBody>
+      </p:sp>
+      <p:sp>
+        <p:nvSpPr>
+          <p:cNvPr id="4" name="Footer Placeholder 3"/>
+          <p:cNvSpPr>
+            <a:spLocks noGrp="1"/>
+          </p:cNvSpPr>
+          <p:nvPr>
+            <p:ph type="ftr" sz="quarter" idx="2"/>
+          </p:nvPr>
+        </p:nvSpPr>
+        <p:spPr>
+          <a:xfrm>
+            <a:off x="0" y="8685213"/>
+            <a:ext cx="2971800" cy="457200"/>
+          </a:xfrm>
+          <a:prstGeom prst="rect">
+            <a:avLst/>
+          </a:prstGeom>
+        </p:spPr>
+        <p:txBody>
+          <a:bodyPr vert="horz" lIns="91440" tIns="45720" rIns="91440" bIns="45720" rtlCol="0" anchor="b"/>
+          <a:lstStyle>
+            <a:lvl1pPr algn="l">
+              <a:defRPr sz="1200"/>
+            </a:lvl1pPr>
+          </a:lstStyle>
+          <a:p>
+            <a:endParaRPr lang="en-US"/>
+          </a:p>
+        </p:txBody>
+      </p:sp>
+      <p:sp>
+        <p:nvSpPr>
+          <p:cNvPr id="5" name="Slide Number Placeholder 4"/>
+          <p:cNvSpPr>
+            <a:spLocks noGrp="1"/>
+          </p:cNvSpPr>
+          <p:nvPr>
+            <p:ph type="sldNum" sz="quarter" idx="3"/>
+          </p:nvPr>
+        </p:nvSpPr>
+        <p:spPr>
+          <a:xfrm>
+            <a:off x="3884613" y="8685213"/>
+            <a:ext cx="2971800" cy="457200"/>
+          </a:xfrm>
+          <a:prstGeom prst="rect">
+            <a:avLst/>
+          </a:prstGeom>
+        </p:spPr>
+        <p:txBody>
+          <a:bodyPr vert="horz" lIns="91440" tIns="45720" rIns="91440" bIns="45720" rtlCol="0" anchor="b"/>
+          <a:lstStyle>
+            <a:lvl1pPr algn="r">
+              <a:defRPr sz="1200"/>
+            </a:lvl1pPr>
+          </a:lstStyle>
+          <a:p>
+            <a:fld id="{A4702FD0-013D-AC4E-BB39-6E95E4B4C99F}" type="slidenum">
+              <a:rPr lang="en-US" smtClean="0"/>
+              <a:t>‹#›</a:t>
+            </a:fld>
+            <a:endParaRPr lang="en-US"/>
+          </a:p>
+        </p:txBody>
+      </p:sp>
+    </p:spTree>
+    <p:extLst>
+      <p:ext uri="{BB962C8B-B14F-4D97-AF65-F5344CB8AC3E}">
+        <p14:creationId xmlns:p14="http://schemas.microsoft.com/office/powerpoint/2010/main" val="1630971467"/>
+      </p:ext>
+    </p:extLst>
+  </p:cSld>
+  <p:clrMap bg1="lt1" tx1="dk1" bg2="lt2" tx2="dk2" accent1="accent1" accent2="accent2" accent3="accent3" accent4="accent4" accent5="accent5" accent6="accent6" hlink="hlink" folHlink="folHlink"/>
+  <p:hf hdr="0" ftr="0" dt="0"/>
+</p:handoutMaster>
+</file>
+
 <file path=ppt/notesMasters/notesMaster1.xml><?xml version="1.0" encoding="utf-8"?>
 <p:notesMaster xmlns:a="http://schemas.openxmlformats.org/drawingml/2006/main" xmlns:r="http://schemas.openxmlformats.org/officeDocument/2006/relationships" xmlns:p="http://schemas.openxmlformats.org/presentationml/2006/main">
   <p:cSld>
@@ -198,7 +380,7 @@
           <a:p>
             <a:fld id="{730E3289-0A8A-3840-922A-C58A3CF94327}" type="datetimeFigureOut">
               <a:rPr lang="en-US" smtClean="0"/>
-              <a:t>8/26/13</a:t>
+              <a:t>8/27/13</a:t>
             </a:fld>
             <a:endParaRPr lang="en-US"/>
           </a:p>
@@ -371,6 +553,7 @@
     </p:extLst>
   </p:cSld>
   <p:clrMap bg1="lt1" tx1="dk1" bg2="lt2" tx2="dk2" accent1="accent1" accent2="accent2" accent3="accent3" accent4="accent4" accent5="accent5" accent6="accent6" hlink="hlink" folHlink="folHlink"/>
+  <p:hf hdr="0" ftr="0" dt="0"/>
   <p:notesStyle>
     <a:lvl1pPr marL="0" algn="l" defTabSz="457200" rtl="0" eaLnBrk="1" latinLnBrk="0" hangingPunct="1">
       <a:defRPr sz="1200" kern="1200">
@@ -466,90 +649,6 @@
 </p:notesMaster>
 </file>
 
-<file path=ppt/notesSlides/notesSlide1.xml><?xml version="1.0" encoding="utf-8"?>
-<p:notes xmlns:a="http://schemas.openxmlformats.org/drawingml/2006/main" xmlns:r="http://schemas.openxmlformats.org/officeDocument/2006/relationships" xmlns:p="http://schemas.openxmlformats.org/presentationml/2006/main">
-  <p:cSld>
-    <p:spTree>
-      <p:nvGrpSpPr>
-        <p:cNvPr id="1" name=""/>
-        <p:cNvGrpSpPr/>
-        <p:nvPr/>
-      </p:nvGrpSpPr>
-      <p:grpSpPr>
-        <a:xfrm>
-          <a:off x="0" y="0"/>
-          <a:ext cx="0" cy="0"/>
-          <a:chOff x="0" y="0"/>
-          <a:chExt cx="0" cy="0"/>
-        </a:xfrm>
-      </p:grpSpPr>
-      <p:sp>
-        <p:nvSpPr>
-          <p:cNvPr id="2" name="Slide Image Placeholder 1"/>
-          <p:cNvSpPr>
-            <a:spLocks noGrp="1" noRot="1" noChangeAspect="1"/>
-          </p:cNvSpPr>
-          <p:nvPr>
-            <p:ph type="sldImg"/>
-          </p:nvPr>
-        </p:nvSpPr>
-        <p:spPr/>
-      </p:sp>
-      <p:sp>
-        <p:nvSpPr>
-          <p:cNvPr id="3" name="Notes Placeholder 2"/>
-          <p:cNvSpPr>
-            <a:spLocks noGrp="1"/>
-          </p:cNvSpPr>
-          <p:nvPr>
-            <p:ph type="body" idx="1"/>
-          </p:nvPr>
-        </p:nvSpPr>
-        <p:spPr/>
-        <p:txBody>
-          <a:bodyPr/>
-          <a:lstStyle/>
-          <a:p>
-            <a:endParaRPr lang="en-US" dirty="0"/>
-          </a:p>
-        </p:txBody>
-      </p:sp>
-      <p:sp>
-        <p:nvSpPr>
-          <p:cNvPr id="4" name="Slide Number Placeholder 3"/>
-          <p:cNvSpPr>
-            <a:spLocks noGrp="1"/>
-          </p:cNvSpPr>
-          <p:nvPr>
-            <p:ph type="sldNum" sz="quarter" idx="10"/>
-          </p:nvPr>
-        </p:nvSpPr>
-        <p:spPr/>
-        <p:txBody>
-          <a:bodyPr/>
-          <a:lstStyle/>
-          <a:p>
-            <a:fld id="{850082F7-6A96-6342-BC39-5A2CF5FDAFF6}" type="slidenum">
-              <a:rPr lang="en-US" smtClean="0"/>
-              <a:t>7</a:t>
-            </a:fld>
-            <a:endParaRPr lang="en-US"/>
-          </a:p>
-        </p:txBody>
-      </p:sp>
-    </p:spTree>
-    <p:extLst>
-      <p:ext uri="{BB962C8B-B14F-4D97-AF65-F5344CB8AC3E}">
-        <p14:creationId xmlns:p14="http://schemas.microsoft.com/office/powerpoint/2010/main" val="4259621145"/>
-      </p:ext>
-    </p:extLst>
-  </p:cSld>
-  <p:clrMapOvr>
-    <a:masterClrMapping/>
-  </p:clrMapOvr>
-</p:notes>
-</file>
-
 <file path=ppt/slideLayouts/slideLayout1.xml><?xml version="1.0" encoding="utf-8"?>
 <p:sldLayout xmlns:a="http://schemas.openxmlformats.org/drawingml/2006/main" xmlns:r="http://schemas.openxmlformats.org/officeDocument/2006/relationships" xmlns:p="http://schemas.openxmlformats.org/presentationml/2006/main" type="title" preserve="1">
   <p:cSld name="Title Slide">
@@ -729,9 +828,9 @@
           <a:bodyPr/>
           <a:lstStyle/>
           <a:p>
-            <a:fld id="{536D2BB8-2287-B44D-8242-F211403EC298}" type="datetimeFigureOut">
-              <a:rPr lang="en-US" smtClean="0"/>
-              <a:t>8/26/13</a:t>
+            <a:fld id="{EEC8E366-54CB-DB47-BB59-0C9F7473E104}" type="datetime1">
+              <a:rPr lang="en-US" smtClean="0"/>
+              <a:t>8/27/13</a:t>
             </a:fld>
             <a:endParaRPr lang="en-US"/>
           </a:p>
@@ -899,9 +998,9 @@
           <a:bodyPr/>
           <a:lstStyle/>
           <a:p>
-            <a:fld id="{536D2BB8-2287-B44D-8242-F211403EC298}" type="datetimeFigureOut">
-              <a:rPr lang="en-US" smtClean="0"/>
-              <a:t>8/26/13</a:t>
+            <a:fld id="{0C315D74-7908-D445-AA93-D167B448EE6F}" type="datetime1">
+              <a:rPr lang="en-US" smtClean="0"/>
+              <a:t>8/27/13</a:t>
             </a:fld>
             <a:endParaRPr lang="en-US"/>
           </a:p>
@@ -1079,9 +1178,9 @@
           <a:bodyPr/>
           <a:lstStyle/>
           <a:p>
-            <a:fld id="{536D2BB8-2287-B44D-8242-F211403EC298}" type="datetimeFigureOut">
-              <a:rPr lang="en-US" smtClean="0"/>
-              <a:t>8/26/13</a:t>
+            <a:fld id="{BFF8E810-332D-6C48-B825-CA11A499FC1A}" type="datetime1">
+              <a:rPr lang="en-US" smtClean="0"/>
+              <a:t>8/27/13</a:t>
             </a:fld>
             <a:endParaRPr lang="en-US"/>
           </a:p>
@@ -1249,9 +1348,9 @@
           <a:bodyPr/>
           <a:lstStyle/>
           <a:p>
-            <a:fld id="{536D2BB8-2287-B44D-8242-F211403EC298}" type="datetimeFigureOut">
-              <a:rPr lang="en-US" smtClean="0"/>
-              <a:t>8/26/13</a:t>
+            <a:fld id="{CAA8513F-B10E-0F4B-AAAA-6AF80035B329}" type="datetime1">
+              <a:rPr lang="en-US" smtClean="0"/>
+              <a:t>8/27/13</a:t>
             </a:fld>
             <a:endParaRPr lang="en-US"/>
           </a:p>
@@ -1495,9 +1594,9 @@
           <a:bodyPr/>
           <a:lstStyle/>
           <a:p>
-            <a:fld id="{536D2BB8-2287-B44D-8242-F211403EC298}" type="datetimeFigureOut">
-              <a:rPr lang="en-US" smtClean="0"/>
-              <a:t>8/26/13</a:t>
+            <a:fld id="{92EB9C18-D206-EC43-844D-733B08041B41}" type="datetime1">
+              <a:rPr lang="en-US" smtClean="0"/>
+              <a:t>8/27/13</a:t>
             </a:fld>
             <a:endParaRPr lang="en-US"/>
           </a:p>
@@ -1783,9 +1882,9 @@
           <a:bodyPr/>
           <a:lstStyle/>
           <a:p>
-            <a:fld id="{536D2BB8-2287-B44D-8242-F211403EC298}" type="datetimeFigureOut">
-              <a:rPr lang="en-US" smtClean="0"/>
-              <a:t>8/26/13</a:t>
+            <a:fld id="{2282267B-FF3D-8F4D-ADD8-93C03DADED46}" type="datetime1">
+              <a:rPr lang="en-US" smtClean="0"/>
+              <a:t>8/27/13</a:t>
             </a:fld>
             <a:endParaRPr lang="en-US"/>
           </a:p>
@@ -2205,9 +2304,9 @@
           <a:bodyPr/>
           <a:lstStyle/>
           <a:p>
-            <a:fld id="{536D2BB8-2287-B44D-8242-F211403EC298}" type="datetimeFigureOut">
-              <a:rPr lang="en-US" smtClean="0"/>
-              <a:t>8/26/13</a:t>
+            <a:fld id="{692ECED8-7A5B-4C40-956B-2DCF36059171}" type="datetime1">
+              <a:rPr lang="en-US" smtClean="0"/>
+              <a:t>8/27/13</a:t>
             </a:fld>
             <a:endParaRPr lang="en-US"/>
           </a:p>
@@ -2323,9 +2422,9 @@
           <a:bodyPr/>
           <a:lstStyle/>
           <a:p>
-            <a:fld id="{536D2BB8-2287-B44D-8242-F211403EC298}" type="datetimeFigureOut">
-              <a:rPr lang="en-US" smtClean="0"/>
-              <a:t>8/26/13</a:t>
+            <a:fld id="{6CB53C71-CBD2-4343-B182-1FE5A341F95C}" type="datetime1">
+              <a:rPr lang="en-US" smtClean="0"/>
+              <a:t>8/27/13</a:t>
             </a:fld>
             <a:endParaRPr lang="en-US"/>
           </a:p>
@@ -2418,9 +2517,9 @@
           <a:bodyPr/>
           <a:lstStyle/>
           <a:p>
-            <a:fld id="{536D2BB8-2287-B44D-8242-F211403EC298}" type="datetimeFigureOut">
-              <a:rPr lang="en-US" smtClean="0"/>
-              <a:t>8/26/13</a:t>
+            <a:fld id="{8BA7DCDA-B510-E043-B837-71BCCEDA29D3}" type="datetime1">
+              <a:rPr lang="en-US" smtClean="0"/>
+              <a:t>8/27/13</a:t>
             </a:fld>
             <a:endParaRPr lang="en-US"/>
           </a:p>
@@ -2695,9 +2794,9 @@
           <a:bodyPr/>
           <a:lstStyle/>
           <a:p>
-            <a:fld id="{536D2BB8-2287-B44D-8242-F211403EC298}" type="datetimeFigureOut">
-              <a:rPr lang="en-US" smtClean="0"/>
-              <a:t>8/26/13</a:t>
+            <a:fld id="{50C41960-D8AB-EE4A-AAEC-2A214FF92B78}" type="datetime1">
+              <a:rPr lang="en-US" smtClean="0"/>
+              <a:t>8/27/13</a:t>
             </a:fld>
             <a:endParaRPr lang="en-US"/>
           </a:p>
@@ -2948,9 +3047,9 @@
           <a:bodyPr/>
           <a:lstStyle/>
           <a:p>
-            <a:fld id="{536D2BB8-2287-B44D-8242-F211403EC298}" type="datetimeFigureOut">
-              <a:rPr lang="en-US" smtClean="0"/>
-              <a:t>8/26/13</a:t>
+            <a:fld id="{09DC2879-7C0A-A045-8B23-F5663D01E148}" type="datetime1">
+              <a:rPr lang="en-US" smtClean="0"/>
+              <a:t>8/27/13</a:t>
             </a:fld>
             <a:endParaRPr lang="en-US"/>
           </a:p>
@@ -3161,9 +3260,9 @@
             </a:lvl1pPr>
           </a:lstStyle>
           <a:p>
-            <a:fld id="{536D2BB8-2287-B44D-8242-F211403EC298}" type="datetimeFigureOut">
-              <a:rPr lang="en-US" smtClean="0"/>
-              <a:t>8/26/13</a:t>
+            <a:fld id="{7C1F3DDB-7DAF-7748-B43C-1080116822FD}" type="datetime1">
+              <a:rPr lang="en-US" smtClean="0"/>
+              <a:t>8/27/13</a:t>
             </a:fld>
             <a:endParaRPr lang="en-US"/>
           </a:p>
@@ -3268,6 +3367,7 @@
     <p:sldLayoutId id="2147483658" r:id="rId10"/>
     <p:sldLayoutId id="2147483659" r:id="rId11"/>
   </p:sldLayoutIdLst>
+  <p:hf hdr="0" ftr="0" dt="0"/>
   <p:txStyles>
     <p:titleStyle>
       <a:lvl1pPr algn="ctr" defTabSz="457200" rtl="0" eaLnBrk="1" latinLnBrk="0" hangingPunct="1">
@@ -3559,6 +3659,14 @@
               <a:rPr lang="en-US" dirty="0" smtClean="0"/>
               <a:t> </a:t>
             </a:r>
+            <a:r>
+              <a:rPr lang="en-US" dirty="0" err="1" smtClean="0"/>
+              <a:t>ELSEWeb</a:t>
+            </a:r>
+            <a:r>
+              <a:rPr lang="en-US" dirty="0" smtClean="0"/>
+              <a:t>, EDAC, and PROV-O</a:t>
+            </a:r>
             <a:endParaRPr lang="en-US" dirty="0"/>
           </a:p>
         </p:txBody>
@@ -3595,6 +3703,29 @@
               <a:t>Deana Pennington</a:t>
             </a:r>
             <a:endParaRPr lang="en-US" dirty="0"/>
+          </a:p>
+        </p:txBody>
+      </p:sp>
+      <p:sp>
+        <p:nvSpPr>
+          <p:cNvPr id="4" name="Slide Number Placeholder 3"/>
+          <p:cNvSpPr>
+            <a:spLocks noGrp="1"/>
+          </p:cNvSpPr>
+          <p:nvPr>
+            <p:ph type="sldNum" sz="quarter" idx="12"/>
+          </p:nvPr>
+        </p:nvSpPr>
+        <p:spPr/>
+        <p:txBody>
+          <a:bodyPr/>
+          <a:lstStyle/>
+          <a:p>
+            <a:fld id="{75A0D047-D3AC-D340-95A6-F602764FB084}" type="slidenum">
+              <a:rPr lang="en-US" smtClean="0"/>
+              <a:t>1</a:t>
+            </a:fld>
+            <a:endParaRPr lang="en-US"/>
           </a:p>
         </p:txBody>
       </p:sp>
@@ -3602,6 +3733,2398 @@
     <p:extLst>
       <p:ext uri="{BB962C8B-B14F-4D97-AF65-F5344CB8AC3E}">
         <p14:creationId xmlns:p14="http://schemas.microsoft.com/office/powerpoint/2010/main" val="1925529732"/>
+      </p:ext>
+    </p:extLst>
+  </p:cSld>
+  <p:clrMapOvr>
+    <a:masterClrMapping/>
+  </p:clrMapOvr>
+  <p:timing>
+    <p:tnLst>
+      <p:par>
+        <p:cTn xmlns:p14="http://schemas.microsoft.com/office/powerpoint/2010/main" id="1" dur="indefinite" restart="never" nodeType="tmRoot"/>
+      </p:par>
+    </p:tnLst>
+  </p:timing>
+</p:sld>
+</file>
+
+<file path=ppt/slides/slide10.xml><?xml version="1.0" encoding="utf-8"?>
+<p:sld xmlns:a="http://schemas.openxmlformats.org/drawingml/2006/main" xmlns:r="http://schemas.openxmlformats.org/officeDocument/2006/relationships" xmlns:p="http://schemas.openxmlformats.org/presentationml/2006/main">
+  <p:cSld>
+    <p:spTree>
+      <p:nvGrpSpPr>
+        <p:cNvPr id="1" name=""/>
+        <p:cNvGrpSpPr/>
+        <p:nvPr/>
+      </p:nvGrpSpPr>
+      <p:grpSpPr>
+        <a:xfrm>
+          <a:off x="0" y="0"/>
+          <a:ext cx="0" cy="0"/>
+          <a:chOff x="0" y="0"/>
+          <a:chExt cx="0" cy="0"/>
+        </a:xfrm>
+      </p:grpSpPr>
+      <p:sp>
+        <p:nvSpPr>
+          <p:cNvPr id="2" name="Title 1"/>
+          <p:cNvSpPr>
+            <a:spLocks noGrp="1"/>
+          </p:cNvSpPr>
+          <p:nvPr>
+            <p:ph type="title"/>
+          </p:nvPr>
+        </p:nvSpPr>
+        <p:spPr/>
+        <p:txBody>
+          <a:bodyPr/>
+          <a:lstStyle/>
+          <a:p>
+            <a:r>
+              <a:rPr lang="en-US" dirty="0" smtClean="0"/>
+              <a:t>PROV-O Starting Point Depiction</a:t>
+            </a:r>
+            <a:endParaRPr lang="en-US" dirty="0"/>
+          </a:p>
+        </p:txBody>
+      </p:sp>
+      <p:pic>
+        <p:nvPicPr>
+          <p:cNvPr id="4" name="Content Placeholder 3"/>
+          <p:cNvPicPr>
+            <a:picLocks noGrp="1" noChangeAspect="1"/>
+          </p:cNvPicPr>
+          <p:nvPr>
+            <p:ph idx="1"/>
+          </p:nvPr>
+        </p:nvPicPr>
+        <p:blipFill>
+          <a:blip r:embed="rId2"/>
+          <a:srcRect t="1269" b="1269"/>
+          <a:stretch>
+            <a:fillRect/>
+          </a:stretch>
+        </p:blipFill>
+        <p:spPr>
+          <a:xfrm>
+            <a:off x="327613" y="1639074"/>
+            <a:ext cx="8229600" cy="4525963"/>
+          </a:xfrm>
+        </p:spPr>
+      </p:pic>
+      <p:sp>
+        <p:nvSpPr>
+          <p:cNvPr id="3" name="Slide Number Placeholder 2"/>
+          <p:cNvSpPr>
+            <a:spLocks noGrp="1"/>
+          </p:cNvSpPr>
+          <p:nvPr>
+            <p:ph type="sldNum" sz="quarter" idx="12"/>
+          </p:nvPr>
+        </p:nvSpPr>
+        <p:spPr/>
+        <p:txBody>
+          <a:bodyPr/>
+          <a:lstStyle/>
+          <a:p>
+            <a:fld id="{75A0D047-D3AC-D340-95A6-F602764FB084}" type="slidenum">
+              <a:rPr lang="en-US" smtClean="0"/>
+              <a:t>10</a:t>
+            </a:fld>
+            <a:endParaRPr lang="en-US"/>
+          </a:p>
+        </p:txBody>
+      </p:sp>
+    </p:spTree>
+    <p:extLst>
+      <p:ext uri="{BB962C8B-B14F-4D97-AF65-F5344CB8AC3E}">
+        <p14:creationId xmlns:p14="http://schemas.microsoft.com/office/powerpoint/2010/main" val="2835408946"/>
+      </p:ext>
+    </p:extLst>
+  </p:cSld>
+  <p:clrMapOvr>
+    <a:masterClrMapping/>
+  </p:clrMapOvr>
+</p:sld>
+</file>
+
+<file path=ppt/slides/slide11.xml><?xml version="1.0" encoding="utf-8"?>
+<p:sld xmlns:a="http://schemas.openxmlformats.org/drawingml/2006/main" xmlns:r="http://schemas.openxmlformats.org/officeDocument/2006/relationships" xmlns:p="http://schemas.openxmlformats.org/presentationml/2006/main">
+  <p:cSld>
+    <p:spTree>
+      <p:nvGrpSpPr>
+        <p:cNvPr id="1" name=""/>
+        <p:cNvGrpSpPr/>
+        <p:nvPr/>
+      </p:nvGrpSpPr>
+      <p:grpSpPr>
+        <a:xfrm>
+          <a:off x="0" y="0"/>
+          <a:ext cx="0" cy="0"/>
+          <a:chOff x="0" y="0"/>
+          <a:chExt cx="0" cy="0"/>
+        </a:xfrm>
+      </p:grpSpPr>
+      <p:sp>
+        <p:nvSpPr>
+          <p:cNvPr id="2" name="Title 1"/>
+          <p:cNvSpPr>
+            <a:spLocks noGrp="1"/>
+          </p:cNvSpPr>
+          <p:nvPr>
+            <p:ph type="title"/>
+          </p:nvPr>
+        </p:nvSpPr>
+        <p:spPr/>
+        <p:txBody>
+          <a:bodyPr/>
+          <a:lstStyle/>
+          <a:p>
+            <a:r>
+              <a:rPr lang="en-US" dirty="0" smtClean="0"/>
+              <a:t>PROV-O Example</a:t>
+            </a:r>
+            <a:endParaRPr lang="en-US" dirty="0"/>
+          </a:p>
+        </p:txBody>
+      </p:sp>
+      <p:sp>
+        <p:nvSpPr>
+          <p:cNvPr id="4" name="TextBox 3"/>
+          <p:cNvSpPr txBox="1"/>
+          <p:nvPr/>
+        </p:nvSpPr>
+        <p:spPr>
+          <a:xfrm>
+            <a:off x="659924" y="1606322"/>
+            <a:ext cx="8026876" cy="646331"/>
+          </a:xfrm>
+          <a:prstGeom prst="rect">
+            <a:avLst/>
+          </a:prstGeom>
+          <a:noFill/>
+        </p:spPr>
+        <p:txBody>
+          <a:bodyPr wrap="square" rtlCol="0">
+            <a:spAutoFit/>
+          </a:bodyPr>
+          <a:lstStyle/>
+          <a:p>
+            <a:r>
+              <a:rPr lang="en-US" dirty="0" smtClean="0"/>
+              <a:t>We want to capture that a person named Guillermo was associated with a presentation that relied on a set of power point slides. </a:t>
+            </a:r>
+            <a:endParaRPr lang="en-US" dirty="0"/>
+          </a:p>
+        </p:txBody>
+      </p:sp>
+      <p:sp>
+        <p:nvSpPr>
+          <p:cNvPr id="5" name="Rectangle 4"/>
+          <p:cNvSpPr/>
+          <p:nvPr/>
+        </p:nvSpPr>
+        <p:spPr>
+          <a:xfrm>
+            <a:off x="219067" y="2834338"/>
+            <a:ext cx="8467733" cy="923330"/>
+          </a:xfrm>
+          <a:prstGeom prst="rect">
+            <a:avLst/>
+          </a:prstGeom>
+        </p:spPr>
+        <p:txBody>
+          <a:bodyPr wrap="square">
+            <a:spAutoFit/>
+          </a:bodyPr>
+          <a:lstStyle/>
+          <a:p>
+            <a:pPr>
+              <a:buFont typeface="Wingdings 2" charset="0"/>
+              <a:buNone/>
+            </a:pPr>
+            <a:r>
+              <a:rPr lang="en-US" b="1" dirty="0">
+                <a:latin typeface="Constantia" charset="0"/>
+              </a:rPr>
+              <a:t>&lt;</a:t>
+            </a:r>
+            <a:r>
+              <a:rPr lang="en-US" b="1" dirty="0" err="1">
+                <a:solidFill>
+                  <a:srgbClr val="FF0000"/>
+                </a:solidFill>
+                <a:latin typeface="Constantia" charset="0"/>
+              </a:rPr>
+              <a:t>prov:</a:t>
+            </a:r>
+            <a:r>
+              <a:rPr lang="en-US" b="1" dirty="0" err="1">
+                <a:solidFill>
+                  <a:srgbClr val="7030A0"/>
+                </a:solidFill>
+                <a:latin typeface="Constantia" charset="0"/>
+              </a:rPr>
+              <a:t>Person</a:t>
+            </a:r>
+            <a:r>
+              <a:rPr lang="en-US" dirty="0">
+                <a:latin typeface="Constantia" charset="0"/>
+              </a:rPr>
+              <a:t> </a:t>
+            </a:r>
+            <a:r>
+              <a:rPr lang="en-US" dirty="0" err="1">
+                <a:latin typeface="Constantia" charset="0"/>
+              </a:rPr>
+              <a:t>rdf:about</a:t>
+            </a:r>
+            <a:r>
+              <a:rPr lang="en-US" dirty="0">
+                <a:latin typeface="Constantia" charset="0"/>
+              </a:rPr>
+              <a:t>="http://</a:t>
+            </a:r>
+            <a:r>
+              <a:rPr lang="en-US" dirty="0" err="1" smtClean="0">
+                <a:latin typeface="Constantia" charset="0"/>
+              </a:rPr>
+              <a:t>www.semanticweb.org#</a:t>
+            </a:r>
+            <a:r>
+              <a:rPr lang="en-US" dirty="0" err="1">
+                <a:latin typeface="Constantia" charset="0"/>
+              </a:rPr>
+              <a:t>Guillermo</a:t>
+            </a:r>
+            <a:r>
+              <a:rPr lang="en-US" dirty="0">
+                <a:latin typeface="Constantia" charset="0"/>
+              </a:rPr>
+              <a:t>"&gt;</a:t>
+            </a:r>
+          </a:p>
+          <a:p>
+            <a:pPr>
+              <a:buFont typeface="Wingdings 2" charset="0"/>
+              <a:buNone/>
+            </a:pPr>
+            <a:r>
+              <a:rPr lang="en-US" dirty="0">
+                <a:latin typeface="Constantia" charset="0"/>
+              </a:rPr>
+              <a:t>&lt;</a:t>
+            </a:r>
+            <a:r>
+              <a:rPr lang="en-US" b="1" dirty="0" err="1">
+                <a:latin typeface="Constantia" charset="0"/>
+              </a:rPr>
+              <a:t>rdf:type</a:t>
+            </a:r>
+            <a:r>
+              <a:rPr lang="en-US" b="1" dirty="0">
+                <a:latin typeface="Constantia" charset="0"/>
+              </a:rPr>
+              <a:t> </a:t>
+            </a:r>
+            <a:r>
+              <a:rPr lang="en-US" b="1" dirty="0" err="1">
+                <a:latin typeface="Constantia" charset="0"/>
+              </a:rPr>
+              <a:t>rdf:resource</a:t>
+            </a:r>
+            <a:r>
+              <a:rPr lang="en-US" dirty="0">
+                <a:latin typeface="Constantia" charset="0"/>
+              </a:rPr>
+              <a:t>="http://www.w3.org/2002/07/</a:t>
+            </a:r>
+            <a:r>
+              <a:rPr lang="en-US" dirty="0" err="1">
+                <a:latin typeface="Constantia" charset="0"/>
+              </a:rPr>
+              <a:t>owl#NamedIndividual</a:t>
+            </a:r>
+            <a:r>
+              <a:rPr lang="en-US" dirty="0">
+                <a:latin typeface="Constantia" charset="0"/>
+              </a:rPr>
+              <a:t>"/&gt;</a:t>
+            </a:r>
+          </a:p>
+          <a:p>
+            <a:pPr>
+              <a:buFont typeface="Wingdings 2" charset="0"/>
+              <a:buNone/>
+            </a:pPr>
+            <a:r>
+              <a:rPr lang="en-US" b="1" dirty="0">
+                <a:latin typeface="Constantia" charset="0"/>
+              </a:rPr>
+              <a:t>&lt;/</a:t>
+            </a:r>
+            <a:r>
+              <a:rPr lang="en-US" b="1" dirty="0" err="1">
+                <a:solidFill>
+                  <a:srgbClr val="FF0000"/>
+                </a:solidFill>
+                <a:latin typeface="Constantia" charset="0"/>
+              </a:rPr>
+              <a:t>prov:</a:t>
+            </a:r>
+            <a:r>
+              <a:rPr lang="en-US" b="1" dirty="0" err="1">
+                <a:solidFill>
+                  <a:srgbClr val="7030A0"/>
+                </a:solidFill>
+                <a:latin typeface="Constantia" charset="0"/>
+              </a:rPr>
+              <a:t>Person</a:t>
+            </a:r>
+            <a:r>
+              <a:rPr lang="en-US" b="1" dirty="0">
+                <a:latin typeface="Constantia" charset="0"/>
+              </a:rPr>
+              <a:t>&gt;</a:t>
+            </a:r>
+            <a:endParaRPr lang="en-US" b="1" dirty="0">
+              <a:latin typeface="Constantia" charset="0"/>
+            </a:endParaRPr>
+          </a:p>
+        </p:txBody>
+      </p:sp>
+      <p:sp>
+        <p:nvSpPr>
+          <p:cNvPr id="6" name="Rectangle 5"/>
+          <p:cNvSpPr/>
+          <p:nvPr/>
+        </p:nvSpPr>
+        <p:spPr>
+          <a:xfrm>
+            <a:off x="219065" y="4687494"/>
+            <a:ext cx="8621431" cy="1200329"/>
+          </a:xfrm>
+          <a:prstGeom prst="rect">
+            <a:avLst/>
+          </a:prstGeom>
+        </p:spPr>
+        <p:txBody>
+          <a:bodyPr wrap="square">
+            <a:spAutoFit/>
+          </a:bodyPr>
+          <a:lstStyle/>
+          <a:p>
+            <a:pPr>
+              <a:buFont typeface="Wingdings 2" charset="0"/>
+              <a:buNone/>
+            </a:pPr>
+            <a:r>
+              <a:rPr lang="en-US" dirty="0">
+                <a:latin typeface="Constantia" charset="0"/>
+              </a:rPr>
+              <a:t>&lt;</a:t>
+            </a:r>
+            <a:r>
+              <a:rPr lang="en-US" dirty="0" err="1">
+                <a:solidFill>
+                  <a:srgbClr val="FF0000"/>
+                </a:solidFill>
+                <a:latin typeface="Constantia" charset="0"/>
+              </a:rPr>
+              <a:t>prov:</a:t>
+            </a:r>
+            <a:r>
+              <a:rPr lang="en-US" b="1" dirty="0" err="1">
+                <a:solidFill>
+                  <a:srgbClr val="7030A0"/>
+                </a:solidFill>
+                <a:latin typeface="Constantia" charset="0"/>
+              </a:rPr>
+              <a:t>Entity</a:t>
+            </a:r>
+            <a:r>
+              <a:rPr lang="en-US" dirty="0">
+                <a:latin typeface="Constantia" charset="0"/>
+              </a:rPr>
+              <a:t> </a:t>
+            </a:r>
+            <a:r>
+              <a:rPr lang="en-US" dirty="0" err="1">
+                <a:latin typeface="Constantia" charset="0"/>
+              </a:rPr>
+              <a:t>rdf:about</a:t>
+            </a:r>
+            <a:r>
+              <a:rPr lang="en-US" dirty="0">
+                <a:latin typeface="Constantia" charset="0"/>
+              </a:rPr>
+              <a:t>="http://</a:t>
+            </a:r>
+            <a:r>
+              <a:rPr lang="en-US" dirty="0" err="1" smtClean="0">
+                <a:latin typeface="Constantia" charset="0"/>
+              </a:rPr>
+              <a:t>www.semanticweb.org#</a:t>
+            </a:r>
+            <a:r>
+              <a:rPr lang="en-US" dirty="0" err="1">
+                <a:latin typeface="Constantia" charset="0"/>
+              </a:rPr>
+              <a:t>Power_Point_Slides</a:t>
+            </a:r>
+            <a:r>
+              <a:rPr lang="en-US" dirty="0">
+                <a:latin typeface="Constantia" charset="0"/>
+              </a:rPr>
+              <a:t>"&gt;</a:t>
+            </a:r>
+          </a:p>
+          <a:p>
+            <a:pPr>
+              <a:buFont typeface="Wingdings 2" charset="0"/>
+              <a:buNone/>
+            </a:pPr>
+            <a:r>
+              <a:rPr lang="en-US" dirty="0">
+                <a:latin typeface="Constantia" charset="0"/>
+              </a:rPr>
+              <a:t>&lt;</a:t>
+            </a:r>
+            <a:r>
+              <a:rPr lang="en-US" dirty="0" err="1">
+                <a:latin typeface="Constantia" charset="0"/>
+              </a:rPr>
+              <a:t>rdf:type</a:t>
+            </a:r>
+            <a:r>
+              <a:rPr lang="en-US" dirty="0">
+                <a:latin typeface="Constantia" charset="0"/>
+              </a:rPr>
+              <a:t> </a:t>
+            </a:r>
+            <a:r>
+              <a:rPr lang="en-US" dirty="0" err="1">
+                <a:latin typeface="Constantia" charset="0"/>
+              </a:rPr>
+              <a:t>rdf:resource</a:t>
+            </a:r>
+            <a:r>
+              <a:rPr lang="en-US" dirty="0">
+                <a:latin typeface="Constantia" charset="0"/>
+              </a:rPr>
+              <a:t>="http://www.w3.org/2002/07/</a:t>
+            </a:r>
+            <a:r>
+              <a:rPr lang="en-US" dirty="0" err="1">
+                <a:latin typeface="Constantia" charset="0"/>
+              </a:rPr>
+              <a:t>owl#NamedIndividual</a:t>
+            </a:r>
+            <a:r>
+              <a:rPr lang="en-US" dirty="0">
+                <a:latin typeface="Constantia" charset="0"/>
+              </a:rPr>
+              <a:t>"/&gt;</a:t>
+            </a:r>
+          </a:p>
+          <a:p>
+            <a:pPr>
+              <a:buFont typeface="Wingdings 2" charset="0"/>
+              <a:buNone/>
+            </a:pPr>
+            <a:r>
+              <a:rPr lang="en-US" dirty="0">
+                <a:latin typeface="Constantia" charset="0"/>
+              </a:rPr>
+              <a:t>&lt;</a:t>
+            </a:r>
+            <a:r>
+              <a:rPr lang="en-US" dirty="0" err="1">
+                <a:solidFill>
+                  <a:srgbClr val="FF0000"/>
+                </a:solidFill>
+                <a:latin typeface="Constantia" charset="0"/>
+              </a:rPr>
+              <a:t>prov:</a:t>
+            </a:r>
+            <a:r>
+              <a:rPr lang="en-US" b="1" i="1" dirty="0" err="1">
+                <a:solidFill>
+                  <a:srgbClr val="00B050"/>
+                </a:solidFill>
+                <a:latin typeface="Constantia" charset="0"/>
+              </a:rPr>
+              <a:t>wasAttributedTo</a:t>
+            </a:r>
+            <a:r>
+              <a:rPr lang="en-US" dirty="0">
+                <a:latin typeface="Constantia" charset="0"/>
+              </a:rPr>
+              <a:t> </a:t>
+            </a:r>
+            <a:r>
+              <a:rPr lang="en-US" dirty="0" err="1">
+                <a:latin typeface="Constantia" charset="0"/>
+              </a:rPr>
+              <a:t>rdf:resource</a:t>
+            </a:r>
+            <a:r>
+              <a:rPr lang="en-US" dirty="0">
+                <a:latin typeface="Constantia" charset="0"/>
+              </a:rPr>
+              <a:t>="http://</a:t>
+            </a:r>
+            <a:r>
+              <a:rPr lang="en-US" dirty="0" err="1" smtClean="0">
+                <a:latin typeface="Constantia" charset="0"/>
+              </a:rPr>
+              <a:t>www.semanticweb.org#</a:t>
+            </a:r>
+            <a:r>
+              <a:rPr lang="en-US" dirty="0" err="1">
+                <a:latin typeface="Constantia" charset="0"/>
+              </a:rPr>
+              <a:t>Guillermo</a:t>
+            </a:r>
+            <a:r>
+              <a:rPr lang="en-US" dirty="0">
+                <a:latin typeface="Constantia" charset="0"/>
+              </a:rPr>
+              <a:t>"/&gt;</a:t>
+            </a:r>
+          </a:p>
+          <a:p>
+            <a:pPr>
+              <a:buFont typeface="Wingdings 2" charset="0"/>
+              <a:buNone/>
+            </a:pPr>
+            <a:r>
+              <a:rPr lang="en-US" dirty="0">
+                <a:latin typeface="Constantia" charset="0"/>
+              </a:rPr>
+              <a:t>&lt;/</a:t>
+            </a:r>
+            <a:r>
+              <a:rPr lang="en-US" dirty="0" err="1">
+                <a:solidFill>
+                  <a:srgbClr val="FF0000"/>
+                </a:solidFill>
+                <a:latin typeface="Constantia" charset="0"/>
+              </a:rPr>
+              <a:t>prov:</a:t>
+            </a:r>
+            <a:r>
+              <a:rPr lang="en-US" dirty="0" err="1">
+                <a:solidFill>
+                  <a:srgbClr val="7030A0"/>
+                </a:solidFill>
+                <a:latin typeface="Constantia" charset="0"/>
+              </a:rPr>
+              <a:t>Entity</a:t>
+            </a:r>
+            <a:r>
+              <a:rPr lang="en-US" dirty="0">
+                <a:latin typeface="Constantia" charset="0"/>
+              </a:rPr>
+              <a:t>&gt;</a:t>
+            </a:r>
+            <a:endParaRPr lang="en-US" dirty="0">
+              <a:latin typeface="Constantia" charset="0"/>
+            </a:endParaRPr>
+          </a:p>
+        </p:txBody>
+      </p:sp>
+      <p:sp>
+        <p:nvSpPr>
+          <p:cNvPr id="7" name="Slide Number Placeholder 6"/>
+          <p:cNvSpPr>
+            <a:spLocks noGrp="1"/>
+          </p:cNvSpPr>
+          <p:nvPr>
+            <p:ph type="sldNum" sz="quarter" idx="12"/>
+          </p:nvPr>
+        </p:nvSpPr>
+        <p:spPr/>
+        <p:txBody>
+          <a:bodyPr/>
+          <a:lstStyle/>
+          <a:p>
+            <a:fld id="{75A0D047-D3AC-D340-95A6-F602764FB084}" type="slidenum">
+              <a:rPr lang="en-US" smtClean="0"/>
+              <a:t>11</a:t>
+            </a:fld>
+            <a:endParaRPr lang="en-US"/>
+          </a:p>
+        </p:txBody>
+      </p:sp>
+    </p:spTree>
+    <p:extLst>
+      <p:ext uri="{BB962C8B-B14F-4D97-AF65-F5344CB8AC3E}">
+        <p14:creationId xmlns:p14="http://schemas.microsoft.com/office/powerpoint/2010/main" val="835357460"/>
+      </p:ext>
+    </p:extLst>
+  </p:cSld>
+  <p:clrMapOvr>
+    <a:masterClrMapping/>
+  </p:clrMapOvr>
+</p:sld>
+</file>
+
+<file path=ppt/slides/slide12.xml><?xml version="1.0" encoding="utf-8"?>
+<p:sld xmlns:a="http://schemas.openxmlformats.org/drawingml/2006/main" xmlns:r="http://schemas.openxmlformats.org/officeDocument/2006/relationships" xmlns:p="http://schemas.openxmlformats.org/presentationml/2006/main">
+  <p:cSld>
+    <p:spTree>
+      <p:nvGrpSpPr>
+        <p:cNvPr id="1" name=""/>
+        <p:cNvGrpSpPr/>
+        <p:nvPr/>
+      </p:nvGrpSpPr>
+      <p:grpSpPr>
+        <a:xfrm>
+          <a:off x="0" y="0"/>
+          <a:ext cx="0" cy="0"/>
+          <a:chOff x="0" y="0"/>
+          <a:chExt cx="0" cy="0"/>
+        </a:xfrm>
+      </p:grpSpPr>
+      <p:sp>
+        <p:nvSpPr>
+          <p:cNvPr id="2" name="Title 1"/>
+          <p:cNvSpPr>
+            <a:spLocks noGrp="1"/>
+          </p:cNvSpPr>
+          <p:nvPr>
+            <p:ph type="title"/>
+          </p:nvPr>
+        </p:nvSpPr>
+        <p:spPr/>
+        <p:txBody>
+          <a:bodyPr/>
+          <a:lstStyle/>
+          <a:p>
+            <a:r>
+              <a:rPr lang="en-US" dirty="0" smtClean="0"/>
+              <a:t>PROV-O Example Cont.</a:t>
+            </a:r>
+            <a:endParaRPr lang="en-US" dirty="0"/>
+          </a:p>
+        </p:txBody>
+      </p:sp>
+      <p:sp>
+        <p:nvSpPr>
+          <p:cNvPr id="4" name="Rectangle 3"/>
+          <p:cNvSpPr/>
+          <p:nvPr/>
+        </p:nvSpPr>
+        <p:spPr>
+          <a:xfrm>
+            <a:off x="177823" y="2198344"/>
+            <a:ext cx="8508977" cy="3416320"/>
+          </a:xfrm>
+          <a:prstGeom prst="rect">
+            <a:avLst/>
+          </a:prstGeom>
+        </p:spPr>
+        <p:txBody>
+          <a:bodyPr wrap="square">
+            <a:spAutoFit/>
+          </a:bodyPr>
+          <a:lstStyle/>
+          <a:p>
+            <a:pPr>
+              <a:buFont typeface="Wingdings 2" charset="0"/>
+              <a:buNone/>
+            </a:pPr>
+            <a:r>
+              <a:rPr lang="en-US" dirty="0">
+                <a:latin typeface="Constantia" charset="0"/>
+              </a:rPr>
+              <a:t>&lt;</a:t>
+            </a:r>
+            <a:r>
+              <a:rPr lang="en-US" dirty="0" err="1">
+                <a:solidFill>
+                  <a:srgbClr val="FF0000"/>
+                </a:solidFill>
+                <a:latin typeface="Constantia" charset="0"/>
+              </a:rPr>
+              <a:t>prov:</a:t>
+            </a:r>
+            <a:r>
+              <a:rPr lang="en-US" b="1" dirty="0" err="1">
+                <a:solidFill>
+                  <a:srgbClr val="7030A0"/>
+                </a:solidFill>
+                <a:latin typeface="Constantia" charset="0"/>
+              </a:rPr>
+              <a:t>Activity</a:t>
+            </a:r>
+            <a:r>
+              <a:rPr lang="en-US" dirty="0">
+                <a:latin typeface="Constantia" charset="0"/>
+              </a:rPr>
+              <a:t> </a:t>
+            </a:r>
+            <a:r>
+              <a:rPr lang="en-US" dirty="0" err="1">
+                <a:latin typeface="Constantia" charset="0"/>
+              </a:rPr>
+              <a:t>rdf:about</a:t>
+            </a:r>
+            <a:r>
+              <a:rPr lang="en-US" dirty="0">
+                <a:latin typeface="Constantia" charset="0"/>
+              </a:rPr>
+              <a:t>="http://</a:t>
+            </a:r>
+            <a:r>
+              <a:rPr lang="en-US" dirty="0" err="1" smtClean="0">
+                <a:latin typeface="Constantia" charset="0"/>
+              </a:rPr>
+              <a:t>www.semanticweb.org#</a:t>
+            </a:r>
+            <a:r>
+              <a:rPr lang="en-US" dirty="0" err="1">
+                <a:latin typeface="Constantia" charset="0"/>
+              </a:rPr>
+              <a:t>Provenance_Presentation</a:t>
+            </a:r>
+            <a:r>
+              <a:rPr lang="en-US" dirty="0">
+                <a:latin typeface="Constantia" charset="0"/>
+              </a:rPr>
+              <a:t>"&gt;</a:t>
+            </a:r>
+          </a:p>
+          <a:p>
+            <a:pPr>
+              <a:buFont typeface="Wingdings 2" charset="0"/>
+              <a:buNone/>
+            </a:pPr>
+            <a:r>
+              <a:rPr lang="en-US" dirty="0">
+                <a:latin typeface="Constantia" charset="0"/>
+              </a:rPr>
+              <a:t>        &lt;</a:t>
+            </a:r>
+            <a:r>
+              <a:rPr lang="en-US" dirty="0" err="1">
+                <a:latin typeface="Constantia" charset="0"/>
+              </a:rPr>
+              <a:t>rdf:type</a:t>
+            </a:r>
+            <a:r>
+              <a:rPr lang="en-US" dirty="0">
+                <a:latin typeface="Constantia" charset="0"/>
+              </a:rPr>
+              <a:t> </a:t>
+            </a:r>
+            <a:r>
+              <a:rPr lang="en-US" dirty="0" err="1">
+                <a:latin typeface="Constantia" charset="0"/>
+              </a:rPr>
+              <a:t>rdf:resource</a:t>
+            </a:r>
+            <a:r>
+              <a:rPr lang="en-US" dirty="0">
+                <a:latin typeface="Constantia" charset="0"/>
+              </a:rPr>
+              <a:t>="&amp;</a:t>
+            </a:r>
+            <a:r>
+              <a:rPr lang="en-US" dirty="0" err="1">
+                <a:latin typeface="Constantia" charset="0"/>
+              </a:rPr>
+              <a:t>owl;NamedIndividual</a:t>
+            </a:r>
+            <a:r>
+              <a:rPr lang="en-US" dirty="0">
+                <a:latin typeface="Constantia" charset="0"/>
+              </a:rPr>
+              <a:t>"/&gt;</a:t>
+            </a:r>
+          </a:p>
+          <a:p>
+            <a:pPr>
+              <a:buFont typeface="Wingdings 2" charset="0"/>
+              <a:buNone/>
+            </a:pPr>
+            <a:r>
+              <a:rPr lang="en-US" dirty="0">
+                <a:latin typeface="Constantia" charset="0"/>
+              </a:rPr>
+              <a:t>        &lt;</a:t>
+            </a:r>
+            <a:r>
+              <a:rPr lang="en-US" dirty="0" err="1">
+                <a:solidFill>
+                  <a:srgbClr val="FF0000"/>
+                </a:solidFill>
+                <a:latin typeface="Constantia" charset="0"/>
+              </a:rPr>
+              <a:t>prov:</a:t>
+            </a:r>
+            <a:r>
+              <a:rPr lang="en-US" b="1" i="1" dirty="0" err="1">
+                <a:solidFill>
+                  <a:srgbClr val="00B050"/>
+                </a:solidFill>
+                <a:latin typeface="Constantia" charset="0"/>
+              </a:rPr>
+              <a:t>startedAtTime</a:t>
+            </a:r>
+            <a:r>
+              <a:rPr lang="en-US" b="1" i="1" dirty="0">
+                <a:solidFill>
+                  <a:srgbClr val="00B050"/>
+                </a:solidFill>
+                <a:latin typeface="Constantia" charset="0"/>
+              </a:rPr>
+              <a:t> </a:t>
+            </a:r>
+            <a:r>
+              <a:rPr lang="en-US" dirty="0" err="1">
+                <a:latin typeface="Constantia" charset="0"/>
+              </a:rPr>
+              <a:t>rdf:datatype</a:t>
+            </a:r>
+            <a:r>
+              <a:rPr lang="en-US" dirty="0">
+                <a:latin typeface="Constantia" charset="0"/>
+              </a:rPr>
+              <a:t>="&amp;</a:t>
+            </a:r>
+            <a:r>
+              <a:rPr lang="en-US" dirty="0" err="1">
+                <a:latin typeface="Constantia" charset="0"/>
+              </a:rPr>
+              <a:t>xsd;dateTime</a:t>
+            </a:r>
+            <a:r>
+              <a:rPr lang="en-US" dirty="0">
+                <a:latin typeface="Constantia" charset="0"/>
+              </a:rPr>
+              <a:t>"&gt;2012-07-18T02:00:00+01:00&lt;/</a:t>
+            </a:r>
+            <a:r>
+              <a:rPr lang="en-US" dirty="0" err="1">
+                <a:latin typeface="Constantia" charset="0"/>
+              </a:rPr>
+              <a:t>prov:startedAtTime</a:t>
+            </a:r>
+            <a:r>
+              <a:rPr lang="en-US" dirty="0">
+                <a:latin typeface="Constantia" charset="0"/>
+              </a:rPr>
+              <a:t>&gt;</a:t>
+            </a:r>
+          </a:p>
+          <a:p>
+            <a:pPr>
+              <a:buFont typeface="Wingdings 2" charset="0"/>
+              <a:buNone/>
+            </a:pPr>
+            <a:r>
+              <a:rPr lang="en-US" dirty="0">
+                <a:latin typeface="Constantia" charset="0"/>
+              </a:rPr>
+              <a:t>        &lt;</a:t>
+            </a:r>
+            <a:r>
+              <a:rPr lang="en-US" dirty="0" err="1">
+                <a:solidFill>
+                  <a:srgbClr val="FF0000"/>
+                </a:solidFill>
+                <a:latin typeface="Constantia" charset="0"/>
+              </a:rPr>
+              <a:t>prov</a:t>
+            </a:r>
+            <a:r>
+              <a:rPr lang="en-US" dirty="0" err="1">
+                <a:latin typeface="Constantia" charset="0"/>
+              </a:rPr>
+              <a:t>:</a:t>
+            </a:r>
+            <a:r>
+              <a:rPr lang="en-US" b="1" i="1" dirty="0" err="1">
+                <a:solidFill>
+                  <a:srgbClr val="00B050"/>
+                </a:solidFill>
+                <a:latin typeface="Constantia" charset="0"/>
+              </a:rPr>
+              <a:t>endedAtTime</a:t>
+            </a:r>
+            <a:r>
+              <a:rPr lang="en-US" dirty="0">
+                <a:latin typeface="Constantia" charset="0"/>
+              </a:rPr>
+              <a:t> </a:t>
+            </a:r>
+            <a:r>
+              <a:rPr lang="en-US" dirty="0" err="1">
+                <a:latin typeface="Constantia" charset="0"/>
+              </a:rPr>
+              <a:t>rdf:datatype</a:t>
+            </a:r>
+            <a:r>
+              <a:rPr lang="en-US" dirty="0">
+                <a:latin typeface="Constantia" charset="0"/>
+              </a:rPr>
+              <a:t>="&amp;</a:t>
+            </a:r>
+            <a:r>
+              <a:rPr lang="en-US" dirty="0" err="1">
+                <a:latin typeface="Constantia" charset="0"/>
+              </a:rPr>
+              <a:t>xsd;dateTime</a:t>
+            </a:r>
+            <a:r>
+              <a:rPr lang="en-US" dirty="0">
+                <a:latin typeface="Constantia" charset="0"/>
+              </a:rPr>
+              <a:t>"&gt;2012-07-18T02:10:00+01:00&lt;/</a:t>
+            </a:r>
+            <a:r>
+              <a:rPr lang="en-US" dirty="0" err="1">
+                <a:latin typeface="Constantia" charset="0"/>
+              </a:rPr>
+              <a:t>prov:endedAtTime</a:t>
+            </a:r>
+            <a:r>
+              <a:rPr lang="en-US" dirty="0">
+                <a:latin typeface="Constantia" charset="0"/>
+              </a:rPr>
+              <a:t>&gt;</a:t>
+            </a:r>
+          </a:p>
+          <a:p>
+            <a:pPr>
+              <a:buFont typeface="Wingdings 2" charset="0"/>
+              <a:buNone/>
+            </a:pPr>
+            <a:r>
+              <a:rPr lang="en-US" dirty="0">
+                <a:latin typeface="Constantia" charset="0"/>
+              </a:rPr>
+              <a:t>        &lt;</a:t>
+            </a:r>
+            <a:r>
+              <a:rPr lang="en-US" dirty="0" err="1">
+                <a:solidFill>
+                  <a:srgbClr val="FF0000"/>
+                </a:solidFill>
+                <a:latin typeface="Constantia" charset="0"/>
+              </a:rPr>
+              <a:t>prov</a:t>
+            </a:r>
+            <a:r>
+              <a:rPr lang="en-US" dirty="0" err="1">
+                <a:latin typeface="Constantia" charset="0"/>
+              </a:rPr>
+              <a:t>:</a:t>
+            </a:r>
+            <a:r>
+              <a:rPr lang="en-US" b="1" i="1" dirty="0" err="1">
+                <a:solidFill>
+                  <a:srgbClr val="00B050"/>
+                </a:solidFill>
+                <a:latin typeface="Constantia" charset="0"/>
+              </a:rPr>
+              <a:t>wasAssociatedWith</a:t>
+            </a:r>
+            <a:r>
+              <a:rPr lang="en-US" b="1" i="1" dirty="0">
+                <a:solidFill>
+                  <a:srgbClr val="00B050"/>
+                </a:solidFill>
+                <a:latin typeface="Constantia" charset="0"/>
+              </a:rPr>
+              <a:t> </a:t>
+            </a:r>
+            <a:r>
+              <a:rPr lang="en-US" dirty="0" err="1">
+                <a:latin typeface="Constantia" charset="0"/>
+              </a:rPr>
+              <a:t>rdf:resource</a:t>
+            </a:r>
+            <a:r>
+              <a:rPr lang="en-US" dirty="0">
+                <a:latin typeface="Constantia" charset="0"/>
+              </a:rPr>
+              <a:t>="http://</a:t>
+            </a:r>
+            <a:r>
+              <a:rPr lang="en-US" dirty="0" err="1" smtClean="0">
+                <a:latin typeface="Constantia" charset="0"/>
+              </a:rPr>
+              <a:t>www.semanticweb.org#</a:t>
+            </a:r>
+            <a:r>
+              <a:rPr lang="en-US" dirty="0" err="1">
+                <a:latin typeface="Constantia" charset="0"/>
+              </a:rPr>
+              <a:t>Guillermo</a:t>
+            </a:r>
+            <a:r>
+              <a:rPr lang="en-US" dirty="0">
+                <a:latin typeface="Constantia" charset="0"/>
+              </a:rPr>
+              <a:t>"/&gt;</a:t>
+            </a:r>
+          </a:p>
+          <a:p>
+            <a:pPr>
+              <a:buFont typeface="Wingdings 2" charset="0"/>
+              <a:buNone/>
+            </a:pPr>
+            <a:r>
+              <a:rPr lang="en-US" dirty="0">
+                <a:latin typeface="Constantia" charset="0"/>
+              </a:rPr>
+              <a:t>        &lt;</a:t>
+            </a:r>
+            <a:r>
+              <a:rPr lang="en-US" dirty="0" err="1">
+                <a:solidFill>
+                  <a:srgbClr val="FF0000"/>
+                </a:solidFill>
+                <a:latin typeface="Constantia" charset="0"/>
+              </a:rPr>
+              <a:t>prov</a:t>
+            </a:r>
+            <a:r>
+              <a:rPr lang="en-US" dirty="0" err="1">
+                <a:latin typeface="Constantia" charset="0"/>
+              </a:rPr>
+              <a:t>:</a:t>
+            </a:r>
+            <a:r>
+              <a:rPr lang="en-US" b="1" i="1" dirty="0" err="1">
+                <a:solidFill>
+                  <a:srgbClr val="00B050"/>
+                </a:solidFill>
+                <a:latin typeface="Constantia" charset="0"/>
+              </a:rPr>
+              <a:t>used</a:t>
+            </a:r>
+            <a:r>
+              <a:rPr lang="en-US" dirty="0">
+                <a:latin typeface="Constantia" charset="0"/>
+              </a:rPr>
+              <a:t> </a:t>
+            </a:r>
+            <a:r>
+              <a:rPr lang="en-US" dirty="0" err="1">
+                <a:latin typeface="Constantia" charset="0"/>
+              </a:rPr>
+              <a:t>rdf:resource</a:t>
+            </a:r>
+            <a:r>
+              <a:rPr lang="en-US" dirty="0">
+                <a:latin typeface="Constantia" charset="0"/>
+              </a:rPr>
+              <a:t>="http://</a:t>
+            </a:r>
+            <a:r>
+              <a:rPr lang="en-US" dirty="0" err="1" smtClean="0">
+                <a:latin typeface="Constantia" charset="0"/>
+              </a:rPr>
+              <a:t>www.semanticweb.org#</a:t>
+            </a:r>
+            <a:r>
+              <a:rPr lang="en-US" dirty="0" err="1">
+                <a:latin typeface="Constantia" charset="0"/>
+              </a:rPr>
+              <a:t>Power_Point_Slides</a:t>
+            </a:r>
+            <a:r>
+              <a:rPr lang="en-US" dirty="0">
+                <a:latin typeface="Constantia" charset="0"/>
+              </a:rPr>
+              <a:t>"/&gt;</a:t>
+            </a:r>
+          </a:p>
+          <a:p>
+            <a:pPr>
+              <a:buFont typeface="Wingdings 2" charset="0"/>
+              <a:buNone/>
+            </a:pPr>
+            <a:r>
+              <a:rPr lang="en-US" dirty="0">
+                <a:latin typeface="Constantia" charset="0"/>
+              </a:rPr>
+              <a:t>    &lt;/</a:t>
+            </a:r>
+            <a:r>
+              <a:rPr lang="en-US" dirty="0" err="1">
+                <a:solidFill>
+                  <a:srgbClr val="FF0000"/>
+                </a:solidFill>
+                <a:latin typeface="Constantia" charset="0"/>
+              </a:rPr>
+              <a:t>prov</a:t>
+            </a:r>
+            <a:r>
+              <a:rPr lang="en-US" dirty="0" err="1">
+                <a:latin typeface="Constantia" charset="0"/>
+              </a:rPr>
+              <a:t>:</a:t>
+            </a:r>
+            <a:r>
+              <a:rPr lang="en-US" b="1" dirty="0" err="1">
+                <a:solidFill>
+                  <a:srgbClr val="7030A0"/>
+                </a:solidFill>
+                <a:latin typeface="Constantia" charset="0"/>
+              </a:rPr>
+              <a:t>Activity</a:t>
+            </a:r>
+            <a:r>
+              <a:rPr lang="en-US" dirty="0">
+                <a:latin typeface="Constantia" charset="0"/>
+              </a:rPr>
+              <a:t>&gt;</a:t>
+            </a:r>
+            <a:endParaRPr lang="en-US" dirty="0">
+              <a:latin typeface="Constantia" charset="0"/>
+            </a:endParaRPr>
+          </a:p>
+        </p:txBody>
+      </p:sp>
+      <p:sp>
+        <p:nvSpPr>
+          <p:cNvPr id="5" name="Slide Number Placeholder 4"/>
+          <p:cNvSpPr>
+            <a:spLocks noGrp="1"/>
+          </p:cNvSpPr>
+          <p:nvPr>
+            <p:ph type="sldNum" sz="quarter" idx="12"/>
+          </p:nvPr>
+        </p:nvSpPr>
+        <p:spPr/>
+        <p:txBody>
+          <a:bodyPr/>
+          <a:lstStyle/>
+          <a:p>
+            <a:fld id="{75A0D047-D3AC-D340-95A6-F602764FB084}" type="slidenum">
+              <a:rPr lang="en-US" smtClean="0"/>
+              <a:t>12</a:t>
+            </a:fld>
+            <a:endParaRPr lang="en-US"/>
+          </a:p>
+        </p:txBody>
+      </p:sp>
+    </p:spTree>
+    <p:extLst>
+      <p:ext uri="{BB962C8B-B14F-4D97-AF65-F5344CB8AC3E}">
+        <p14:creationId xmlns:p14="http://schemas.microsoft.com/office/powerpoint/2010/main" val="372518487"/>
+      </p:ext>
+    </p:extLst>
+  </p:cSld>
+  <p:clrMapOvr>
+    <a:masterClrMapping/>
+  </p:clrMapOvr>
+</p:sld>
+</file>
+
+<file path=ppt/slides/slide13.xml><?xml version="1.0" encoding="utf-8"?>
+<p:sld xmlns:a="http://schemas.openxmlformats.org/drawingml/2006/main" xmlns:r="http://schemas.openxmlformats.org/officeDocument/2006/relationships" xmlns:p="http://schemas.openxmlformats.org/presentationml/2006/main">
+  <p:cSld>
+    <p:spTree>
+      <p:nvGrpSpPr>
+        <p:cNvPr id="1" name=""/>
+        <p:cNvGrpSpPr/>
+        <p:nvPr/>
+      </p:nvGrpSpPr>
+      <p:grpSpPr>
+        <a:xfrm>
+          <a:off x="0" y="0"/>
+          <a:ext cx="0" cy="0"/>
+          <a:chOff x="0" y="0"/>
+          <a:chExt cx="0" cy="0"/>
+        </a:xfrm>
+      </p:grpSpPr>
+      <p:sp>
+        <p:nvSpPr>
+          <p:cNvPr id="2" name="Title 1"/>
+          <p:cNvSpPr>
+            <a:spLocks noGrp="1"/>
+          </p:cNvSpPr>
+          <p:nvPr>
+            <p:ph type="title"/>
+          </p:nvPr>
+        </p:nvSpPr>
+        <p:spPr/>
+        <p:txBody>
+          <a:bodyPr/>
+          <a:lstStyle/>
+          <a:p>
+            <a:r>
+              <a:rPr lang="en-US" dirty="0" smtClean="0"/>
+              <a:t>PROV-O Generation</a:t>
+            </a:r>
+            <a:endParaRPr lang="en-US" dirty="0"/>
+          </a:p>
+        </p:txBody>
+      </p:sp>
+      <p:sp>
+        <p:nvSpPr>
+          <p:cNvPr id="3" name="Content Placeholder 2"/>
+          <p:cNvSpPr>
+            <a:spLocks noGrp="1"/>
+          </p:cNvSpPr>
+          <p:nvPr>
+            <p:ph idx="1"/>
+          </p:nvPr>
+        </p:nvSpPr>
+        <p:spPr/>
+        <p:txBody>
+          <a:bodyPr>
+            <a:normAutofit/>
+          </a:bodyPr>
+          <a:lstStyle/>
+          <a:p>
+            <a:r>
+              <a:rPr lang="en-US" sz="2800" dirty="0">
+                <a:hlinkClick r:id="rId2"/>
+              </a:rPr>
+              <a:t>http://www.w3.org/TR/prov-implementations</a:t>
+            </a:r>
+            <a:r>
+              <a:rPr lang="en-US" sz="2800" dirty="0" smtClean="0">
+                <a:hlinkClick r:id="rId2"/>
+              </a:rPr>
+              <a:t>/</a:t>
+            </a:r>
+            <a:endParaRPr lang="en-US" sz="2800" dirty="0" smtClean="0"/>
+          </a:p>
+          <a:p>
+            <a:r>
+              <a:rPr lang="en-US" sz="2800" dirty="0" smtClean="0"/>
+              <a:t>Currently, 65 </a:t>
+            </a:r>
+            <a:r>
+              <a:rPr lang="en-US" sz="2800" dirty="0" err="1" smtClean="0"/>
+              <a:t>impementations</a:t>
+            </a:r>
+            <a:endParaRPr lang="en-US" sz="2800" dirty="0" smtClean="0"/>
+          </a:p>
+          <a:p>
+            <a:r>
+              <a:rPr lang="en-US" sz="2800" dirty="0" smtClean="0"/>
+              <a:t>Our experience: </a:t>
+            </a:r>
+            <a:r>
+              <a:rPr lang="en-US" sz="2800" dirty="0" err="1" smtClean="0"/>
+              <a:t>PROVoKing</a:t>
+            </a:r>
+            <a:r>
+              <a:rPr lang="en-US" sz="2800" dirty="0" smtClean="0"/>
+              <a:t> (Java)</a:t>
+            </a:r>
+            <a:endParaRPr lang="en-US" sz="2800" dirty="0"/>
+          </a:p>
+        </p:txBody>
+      </p:sp>
+      <p:sp>
+        <p:nvSpPr>
+          <p:cNvPr id="4" name="Rectangle 3"/>
+          <p:cNvSpPr/>
+          <p:nvPr/>
+        </p:nvSpPr>
+        <p:spPr>
+          <a:xfrm>
+            <a:off x="320234" y="3545193"/>
+            <a:ext cx="8557617" cy="3139321"/>
+          </a:xfrm>
+          <a:prstGeom prst="rect">
+            <a:avLst/>
+          </a:prstGeom>
+        </p:spPr>
+        <p:txBody>
+          <a:bodyPr wrap="square">
+            <a:spAutoFit/>
+          </a:bodyPr>
+          <a:lstStyle/>
+          <a:p>
+            <a:endParaRPr lang="en-US" dirty="0"/>
+          </a:p>
+          <a:p>
+            <a:r>
+              <a:rPr lang="en-US" dirty="0"/>
+              <a:t>Table 1: List of implementations reported to the PROV Working Group.</a:t>
+            </a:r>
+          </a:p>
+          <a:p>
+            <a:r>
+              <a:rPr lang="en-US" dirty="0"/>
+              <a:t>#	Name	</a:t>
+            </a:r>
+            <a:r>
+              <a:rPr lang="en-US" dirty="0" smtClean="0"/>
+              <a:t>				Type</a:t>
+            </a:r>
+            <a:r>
+              <a:rPr lang="en-US" dirty="0"/>
+              <a:t>	PROV </a:t>
+            </a:r>
+            <a:r>
+              <a:rPr lang="en-US" dirty="0" smtClean="0"/>
+              <a:t>			Encodings</a:t>
+            </a:r>
+            <a:endParaRPr lang="en-US" dirty="0"/>
+          </a:p>
+          <a:p>
+            <a:r>
+              <a:rPr lang="en-US" dirty="0"/>
+              <a:t>1	</a:t>
+            </a:r>
+            <a:r>
+              <a:rPr lang="en-US" dirty="0" err="1"/>
+              <a:t>StatJR</a:t>
+            </a:r>
+            <a:r>
+              <a:rPr lang="en-US" dirty="0"/>
+              <a:t> eBook system	</a:t>
+            </a:r>
+            <a:r>
+              <a:rPr lang="en-US" dirty="0" smtClean="0"/>
+              <a:t>	Application</a:t>
+            </a:r>
+            <a:r>
+              <a:rPr lang="en-US" dirty="0"/>
+              <a:t>	</a:t>
+            </a:r>
+            <a:r>
+              <a:rPr lang="en-US" dirty="0" smtClean="0"/>
+              <a:t>		PROV</a:t>
+            </a:r>
+            <a:r>
+              <a:rPr lang="en-US" dirty="0"/>
+              <a:t>-O, PROV-JSON</a:t>
+            </a:r>
+          </a:p>
+          <a:p>
+            <a:r>
+              <a:rPr lang="en-US" dirty="0"/>
+              <a:t>2	</a:t>
+            </a:r>
+            <a:r>
+              <a:rPr lang="en-US" dirty="0" err="1"/>
+              <a:t>PoN</a:t>
+            </a:r>
+            <a:r>
+              <a:rPr lang="en-US" dirty="0"/>
+              <a:t>	Application	</a:t>
+            </a:r>
+            <a:r>
+              <a:rPr lang="en-US" dirty="0" smtClean="0"/>
+              <a:t>		PROV</a:t>
+            </a:r>
+            <a:r>
+              <a:rPr lang="en-US" dirty="0"/>
+              <a:t>-N</a:t>
+            </a:r>
+          </a:p>
+          <a:p>
+            <a:r>
+              <a:rPr lang="en-US" dirty="0"/>
+              <a:t>3	</a:t>
+            </a:r>
+            <a:r>
+              <a:rPr lang="en-US" dirty="0" err="1"/>
+              <a:t>WingsProvenanceExport</a:t>
+            </a:r>
+            <a:r>
+              <a:rPr lang="en-US" dirty="0"/>
+              <a:t>	</a:t>
+            </a:r>
+            <a:r>
+              <a:rPr lang="en-US" dirty="0" smtClean="0"/>
+              <a:t>	Application</a:t>
+            </a:r>
+            <a:r>
+              <a:rPr lang="en-US" dirty="0"/>
+              <a:t>	</a:t>
+            </a:r>
+            <a:r>
+              <a:rPr lang="en-US" dirty="0" smtClean="0"/>
+              <a:t>		PROV</a:t>
+            </a:r>
+            <a:r>
+              <a:rPr lang="en-US" dirty="0"/>
+              <a:t>-O</a:t>
+            </a:r>
+          </a:p>
+          <a:p>
+            <a:r>
+              <a:rPr lang="en-US" dirty="0"/>
+              <a:t>4	</a:t>
+            </a:r>
+            <a:r>
+              <a:rPr lang="en-US" dirty="0" err="1"/>
+              <a:t>Taverna</a:t>
+            </a:r>
+            <a:r>
+              <a:rPr lang="en-US" dirty="0"/>
+              <a:t>	</a:t>
+            </a:r>
+            <a:r>
+              <a:rPr lang="en-US" dirty="0" smtClean="0"/>
+              <a:t>				Application</a:t>
+            </a:r>
+            <a:r>
+              <a:rPr lang="en-US" dirty="0"/>
+              <a:t>	</a:t>
+            </a:r>
+            <a:r>
+              <a:rPr lang="en-US" dirty="0" smtClean="0"/>
+              <a:t>		PROV</a:t>
+            </a:r>
+            <a:r>
+              <a:rPr lang="en-US" dirty="0"/>
+              <a:t>-O</a:t>
+            </a:r>
+          </a:p>
+          <a:p>
+            <a:r>
+              <a:rPr lang="en-US" dirty="0"/>
+              <a:t>5	</a:t>
+            </a:r>
+            <a:r>
+              <a:rPr lang="en-US" dirty="0" err="1"/>
+              <a:t>CollabMap</a:t>
+            </a:r>
+            <a:r>
+              <a:rPr lang="en-US" dirty="0"/>
+              <a:t>	</a:t>
+            </a:r>
+            <a:r>
+              <a:rPr lang="en-US" dirty="0" smtClean="0"/>
+              <a:t>			Application</a:t>
+            </a:r>
+            <a:r>
+              <a:rPr lang="en-US" dirty="0"/>
+              <a:t>	</a:t>
+            </a:r>
+            <a:r>
+              <a:rPr lang="en-US" dirty="0" smtClean="0"/>
+              <a:t>		PROV</a:t>
+            </a:r>
+            <a:r>
+              <a:rPr lang="en-US" dirty="0"/>
+              <a:t>-JSON</a:t>
+            </a:r>
+          </a:p>
+          <a:p>
+            <a:r>
+              <a:rPr lang="en-US" dirty="0"/>
+              <a:t>6	</a:t>
+            </a:r>
+            <a:r>
+              <a:rPr lang="en-US" dirty="0" err="1"/>
+              <a:t>WebLab</a:t>
+            </a:r>
+            <a:r>
+              <a:rPr lang="en-US" dirty="0"/>
+              <a:t>-PROV	</a:t>
+            </a:r>
+            <a:r>
+              <a:rPr lang="en-US" dirty="0" smtClean="0"/>
+              <a:t>			Application</a:t>
+            </a:r>
+            <a:r>
+              <a:rPr lang="en-US" dirty="0"/>
+              <a:t>	</a:t>
+            </a:r>
+            <a:r>
+              <a:rPr lang="en-US" dirty="0" smtClean="0"/>
+              <a:t>		PROV</a:t>
+            </a:r>
+            <a:r>
+              <a:rPr lang="en-US" dirty="0"/>
+              <a:t>-O, PROV-N</a:t>
+            </a:r>
+          </a:p>
+          <a:p>
+            <a:r>
+              <a:rPr lang="en-US" dirty="0"/>
+              <a:t>7	</a:t>
+            </a:r>
+            <a:r>
+              <a:rPr lang="en-US" dirty="0" err="1" smtClean="0"/>
+              <a:t>ProvToolbox</a:t>
+            </a:r>
+            <a:r>
+              <a:rPr lang="en-US" dirty="0" smtClean="0"/>
+              <a:t>				Framework /API	</a:t>
+            </a:r>
+            <a:r>
+              <a:rPr lang="en-US" dirty="0"/>
+              <a:t>	PROV-O, PROV-N, PROV-XML, PROV-JSON</a:t>
+            </a:r>
+          </a:p>
+        </p:txBody>
+      </p:sp>
+      <p:sp>
+        <p:nvSpPr>
+          <p:cNvPr id="5" name="Slide Number Placeholder 4"/>
+          <p:cNvSpPr>
+            <a:spLocks noGrp="1"/>
+          </p:cNvSpPr>
+          <p:nvPr>
+            <p:ph type="sldNum" sz="quarter" idx="12"/>
+          </p:nvPr>
+        </p:nvSpPr>
+        <p:spPr/>
+        <p:txBody>
+          <a:bodyPr/>
+          <a:lstStyle/>
+          <a:p>
+            <a:fld id="{75A0D047-D3AC-D340-95A6-F602764FB084}" type="slidenum">
+              <a:rPr lang="en-US" smtClean="0"/>
+              <a:t>13</a:t>
+            </a:fld>
+            <a:endParaRPr lang="en-US"/>
+          </a:p>
+        </p:txBody>
+      </p:sp>
+    </p:spTree>
+    <p:extLst>
+      <p:ext uri="{BB962C8B-B14F-4D97-AF65-F5344CB8AC3E}">
+        <p14:creationId xmlns:p14="http://schemas.microsoft.com/office/powerpoint/2010/main" val="847344629"/>
+      </p:ext>
+    </p:extLst>
+  </p:cSld>
+  <p:clrMapOvr>
+    <a:masterClrMapping/>
+  </p:clrMapOvr>
+</p:sld>
+</file>
+
+<file path=ppt/slides/slide14.xml><?xml version="1.0" encoding="utf-8"?>
+<p:sld xmlns:a="http://schemas.openxmlformats.org/drawingml/2006/main" xmlns:r="http://schemas.openxmlformats.org/officeDocument/2006/relationships" xmlns:p="http://schemas.openxmlformats.org/presentationml/2006/main">
+  <p:cSld>
+    <p:spTree>
+      <p:nvGrpSpPr>
+        <p:cNvPr id="1" name=""/>
+        <p:cNvGrpSpPr/>
+        <p:nvPr/>
+      </p:nvGrpSpPr>
+      <p:grpSpPr>
+        <a:xfrm>
+          <a:off x="0" y="0"/>
+          <a:ext cx="0" cy="0"/>
+          <a:chOff x="0" y="0"/>
+          <a:chExt cx="0" cy="0"/>
+        </a:xfrm>
+      </p:grpSpPr>
+      <p:sp>
+        <p:nvSpPr>
+          <p:cNvPr id="2" name="Title 1"/>
+          <p:cNvSpPr>
+            <a:spLocks noGrp="1"/>
+          </p:cNvSpPr>
+          <p:nvPr>
+            <p:ph type="title"/>
+          </p:nvPr>
+        </p:nvSpPr>
+        <p:spPr/>
+        <p:txBody>
+          <a:bodyPr/>
+          <a:lstStyle/>
+          <a:p>
+            <a:r>
+              <a:rPr lang="en-US" dirty="0" err="1" smtClean="0"/>
+              <a:t>ELSEWeb</a:t>
+            </a:r>
+            <a:r>
+              <a:rPr lang="en-US" dirty="0" smtClean="0"/>
+              <a:t> Data Model</a:t>
+            </a:r>
+            <a:endParaRPr lang="en-US" dirty="0"/>
+          </a:p>
+        </p:txBody>
+      </p:sp>
+      <p:sp>
+        <p:nvSpPr>
+          <p:cNvPr id="3" name="Content Placeholder 2"/>
+          <p:cNvSpPr>
+            <a:spLocks noGrp="1"/>
+          </p:cNvSpPr>
+          <p:nvPr>
+            <p:ph idx="1"/>
+          </p:nvPr>
+        </p:nvSpPr>
+        <p:spPr/>
+        <p:txBody>
+          <a:bodyPr/>
+          <a:lstStyle/>
+          <a:p>
+            <a:r>
+              <a:rPr lang="en-US" dirty="0"/>
+              <a:t>MUST support </a:t>
+            </a:r>
+            <a:r>
+              <a:rPr lang="en-US" dirty="0" smtClean="0"/>
+              <a:t>observation concerns</a:t>
+            </a:r>
+          </a:p>
+          <a:p>
+            <a:pPr lvl="1"/>
+            <a:r>
+              <a:rPr lang="en-US" sz="2400" dirty="0" smtClean="0"/>
+              <a:t>Example</a:t>
+            </a:r>
+            <a:r>
+              <a:rPr lang="en-US" sz="2400" dirty="0"/>
+              <a:t>: MODIS measured the Celsius temperature of air in region X at time </a:t>
+            </a:r>
+            <a:r>
+              <a:rPr lang="en-US" sz="2400" dirty="0" smtClean="0"/>
+              <a:t>Y</a:t>
+            </a:r>
+          </a:p>
+          <a:p>
+            <a:pPr lvl="1"/>
+            <a:endParaRPr lang="en-US" sz="2400" dirty="0" smtClean="0"/>
+          </a:p>
+          <a:p>
+            <a:r>
+              <a:rPr lang="en-US" dirty="0" smtClean="0"/>
+              <a:t>MUST support acquisition concerns</a:t>
+            </a:r>
+          </a:p>
+          <a:p>
+            <a:pPr lvl="1"/>
+            <a:r>
+              <a:rPr lang="en-US" sz="2400" dirty="0" smtClean="0"/>
+              <a:t>Example: Dataset A can be downloaded at some URL</a:t>
+            </a:r>
+          </a:p>
+          <a:p>
+            <a:pPr lvl="1"/>
+            <a:endParaRPr lang="en-US" sz="2400" dirty="0" smtClean="0"/>
+          </a:p>
+          <a:p>
+            <a:r>
+              <a:rPr lang="en-US" dirty="0" smtClean="0"/>
+              <a:t>MUST support provenance concerns</a:t>
+            </a:r>
+          </a:p>
+          <a:p>
+            <a:r>
+              <a:rPr lang="en-US" dirty="0" smtClean="0"/>
+              <a:t>MUST be semantic</a:t>
+            </a:r>
+            <a:endParaRPr lang="en-US" dirty="0"/>
+          </a:p>
+          <a:p>
+            <a:endParaRPr lang="en-US" dirty="0"/>
+          </a:p>
+        </p:txBody>
+      </p:sp>
+      <p:sp>
+        <p:nvSpPr>
+          <p:cNvPr id="4" name="Slide Number Placeholder 3"/>
+          <p:cNvSpPr>
+            <a:spLocks noGrp="1"/>
+          </p:cNvSpPr>
+          <p:nvPr>
+            <p:ph type="sldNum" sz="quarter" idx="12"/>
+          </p:nvPr>
+        </p:nvSpPr>
+        <p:spPr/>
+        <p:txBody>
+          <a:bodyPr/>
+          <a:lstStyle/>
+          <a:p>
+            <a:fld id="{75A0D047-D3AC-D340-95A6-F602764FB084}" type="slidenum">
+              <a:rPr lang="en-US" smtClean="0"/>
+              <a:t>14</a:t>
+            </a:fld>
+            <a:endParaRPr lang="en-US"/>
+          </a:p>
+        </p:txBody>
+      </p:sp>
+    </p:spTree>
+    <p:extLst>
+      <p:ext uri="{BB962C8B-B14F-4D97-AF65-F5344CB8AC3E}">
+        <p14:creationId xmlns:p14="http://schemas.microsoft.com/office/powerpoint/2010/main" val="1356371556"/>
+      </p:ext>
+    </p:extLst>
+  </p:cSld>
+  <p:clrMapOvr>
+    <a:masterClrMapping/>
+  </p:clrMapOvr>
+</p:sld>
+</file>
+
+<file path=ppt/slides/slide15.xml><?xml version="1.0" encoding="utf-8"?>
+<p:sld xmlns:a="http://schemas.openxmlformats.org/drawingml/2006/main" xmlns:r="http://schemas.openxmlformats.org/officeDocument/2006/relationships" xmlns:p="http://schemas.openxmlformats.org/presentationml/2006/main">
+  <p:cSld>
+    <p:spTree>
+      <p:nvGrpSpPr>
+        <p:cNvPr id="1" name=""/>
+        <p:cNvGrpSpPr/>
+        <p:nvPr/>
+      </p:nvGrpSpPr>
+      <p:grpSpPr>
+        <a:xfrm>
+          <a:off x="0" y="0"/>
+          <a:ext cx="0" cy="0"/>
+          <a:chOff x="0" y="0"/>
+          <a:chExt cx="0" cy="0"/>
+        </a:xfrm>
+      </p:grpSpPr>
+      <p:sp>
+        <p:nvSpPr>
+          <p:cNvPr id="2" name="Title 1"/>
+          <p:cNvSpPr>
+            <a:spLocks noGrp="1"/>
+          </p:cNvSpPr>
+          <p:nvPr>
+            <p:ph type="title"/>
+          </p:nvPr>
+        </p:nvSpPr>
+        <p:spPr/>
+        <p:txBody>
+          <a:bodyPr/>
+          <a:lstStyle/>
+          <a:p>
+            <a:r>
+              <a:rPr lang="en-US" dirty="0" err="1" smtClean="0"/>
+              <a:t>ELSEWeb</a:t>
+            </a:r>
+            <a:r>
+              <a:rPr lang="en-US" dirty="0" smtClean="0"/>
+              <a:t> Data Ontology</a:t>
+            </a:r>
+            <a:endParaRPr lang="en-US" dirty="0"/>
+          </a:p>
+        </p:txBody>
+      </p:sp>
+      <p:pic>
+        <p:nvPicPr>
+          <p:cNvPr id="7" name="Picture 6"/>
+          <p:cNvPicPr>
+            <a:picLocks noChangeAspect="1"/>
+          </p:cNvPicPr>
+          <p:nvPr/>
+        </p:nvPicPr>
+        <p:blipFill>
+          <a:blip r:embed="rId2"/>
+          <a:stretch>
+            <a:fillRect/>
+          </a:stretch>
+        </p:blipFill>
+        <p:spPr>
+          <a:xfrm>
+            <a:off x="0" y="2642211"/>
+            <a:ext cx="9144000" cy="4057022"/>
+          </a:xfrm>
+          <a:prstGeom prst="rect">
+            <a:avLst/>
+          </a:prstGeom>
+        </p:spPr>
+      </p:pic>
+      <p:sp>
+        <p:nvSpPr>
+          <p:cNvPr id="8" name="TextBox 7"/>
+          <p:cNvSpPr txBox="1"/>
+          <p:nvPr/>
+        </p:nvSpPr>
+        <p:spPr>
+          <a:xfrm>
+            <a:off x="1602729" y="1791317"/>
+            <a:ext cx="5980176" cy="523220"/>
+          </a:xfrm>
+          <a:prstGeom prst="rect">
+            <a:avLst/>
+          </a:prstGeom>
+          <a:noFill/>
+        </p:spPr>
+        <p:txBody>
+          <a:bodyPr wrap="square" rtlCol="0">
+            <a:spAutoFit/>
+          </a:bodyPr>
+          <a:lstStyle/>
+          <a:p>
+            <a:r>
+              <a:rPr lang="en-US" sz="2800" dirty="0" smtClean="0"/>
+              <a:t>Comprised of OBOE, DCAT, and PROV</a:t>
+            </a:r>
+            <a:endParaRPr lang="en-US" sz="2800" dirty="0"/>
+          </a:p>
+        </p:txBody>
+      </p:sp>
+      <p:sp>
+        <p:nvSpPr>
+          <p:cNvPr id="9" name="Slide Number Placeholder 8"/>
+          <p:cNvSpPr>
+            <a:spLocks noGrp="1"/>
+          </p:cNvSpPr>
+          <p:nvPr>
+            <p:ph type="sldNum" sz="quarter" idx="12"/>
+          </p:nvPr>
+        </p:nvSpPr>
+        <p:spPr/>
+        <p:txBody>
+          <a:bodyPr/>
+          <a:lstStyle/>
+          <a:p>
+            <a:fld id="{75A0D047-D3AC-D340-95A6-F602764FB084}" type="slidenum">
+              <a:rPr lang="en-US" smtClean="0"/>
+              <a:t>15</a:t>
+            </a:fld>
+            <a:endParaRPr lang="en-US"/>
+          </a:p>
+        </p:txBody>
+      </p:sp>
+    </p:spTree>
+    <p:extLst>
+      <p:ext uri="{BB962C8B-B14F-4D97-AF65-F5344CB8AC3E}">
+        <p14:creationId xmlns:p14="http://schemas.microsoft.com/office/powerpoint/2010/main" val="3167189457"/>
+      </p:ext>
+    </p:extLst>
+  </p:cSld>
+  <p:clrMapOvr>
+    <a:masterClrMapping/>
+  </p:clrMapOvr>
+</p:sld>
+</file>
+
+<file path=ppt/slides/slide16.xml><?xml version="1.0" encoding="utf-8"?>
+<p:sld xmlns:a="http://schemas.openxmlformats.org/drawingml/2006/main" xmlns:r="http://schemas.openxmlformats.org/officeDocument/2006/relationships" xmlns:p="http://schemas.openxmlformats.org/presentationml/2006/main">
+  <p:cSld>
+    <p:spTree>
+      <p:nvGrpSpPr>
+        <p:cNvPr id="1" name=""/>
+        <p:cNvGrpSpPr/>
+        <p:nvPr/>
+      </p:nvGrpSpPr>
+      <p:grpSpPr>
+        <a:xfrm>
+          <a:off x="0" y="0"/>
+          <a:ext cx="0" cy="0"/>
+          <a:chOff x="0" y="0"/>
+          <a:chExt cx="0" cy="0"/>
+        </a:xfrm>
+      </p:grpSpPr>
+      <p:sp>
+        <p:nvSpPr>
+          <p:cNvPr id="2" name="Title 1"/>
+          <p:cNvSpPr>
+            <a:spLocks noGrp="1"/>
+          </p:cNvSpPr>
+          <p:nvPr>
+            <p:ph type="title"/>
+          </p:nvPr>
+        </p:nvSpPr>
+        <p:spPr/>
+        <p:txBody>
+          <a:bodyPr>
+            <a:normAutofit fontScale="90000"/>
+          </a:bodyPr>
+          <a:lstStyle/>
+          <a:p>
+            <a:r>
+              <a:rPr lang="en-US" dirty="0" err="1" smtClean="0"/>
+              <a:t>ELSEWeb</a:t>
+            </a:r>
+            <a:r>
+              <a:rPr lang="en-US" dirty="0" smtClean="0"/>
+              <a:t> Data Description Example</a:t>
+            </a:r>
+            <a:endParaRPr lang="en-US" dirty="0"/>
+          </a:p>
+        </p:txBody>
+      </p:sp>
+      <p:pic>
+        <p:nvPicPr>
+          <p:cNvPr id="4" name="Picture 3"/>
+          <p:cNvPicPr>
+            <a:picLocks noChangeAspect="1"/>
+          </p:cNvPicPr>
+          <p:nvPr/>
+        </p:nvPicPr>
+        <p:blipFill>
+          <a:blip r:embed="rId2"/>
+          <a:stretch>
+            <a:fillRect/>
+          </a:stretch>
+        </p:blipFill>
+        <p:spPr>
+          <a:xfrm>
+            <a:off x="827514" y="2445554"/>
+            <a:ext cx="6388100" cy="3683000"/>
+          </a:xfrm>
+          <a:prstGeom prst="rect">
+            <a:avLst/>
+          </a:prstGeom>
+        </p:spPr>
+      </p:pic>
+      <p:sp>
+        <p:nvSpPr>
+          <p:cNvPr id="5" name="Slide Number Placeholder 4"/>
+          <p:cNvSpPr>
+            <a:spLocks noGrp="1"/>
+          </p:cNvSpPr>
+          <p:nvPr>
+            <p:ph type="sldNum" sz="quarter" idx="12"/>
+          </p:nvPr>
+        </p:nvSpPr>
+        <p:spPr/>
+        <p:txBody>
+          <a:bodyPr/>
+          <a:lstStyle/>
+          <a:p>
+            <a:fld id="{75A0D047-D3AC-D340-95A6-F602764FB084}" type="slidenum">
+              <a:rPr lang="en-US" smtClean="0"/>
+              <a:t>16</a:t>
+            </a:fld>
+            <a:endParaRPr lang="en-US" dirty="0"/>
+          </a:p>
+        </p:txBody>
+      </p:sp>
+      <p:sp>
+        <p:nvSpPr>
+          <p:cNvPr id="6" name="Rectangle 5"/>
+          <p:cNvSpPr/>
+          <p:nvPr/>
+        </p:nvSpPr>
+        <p:spPr>
+          <a:xfrm>
+            <a:off x="4557213" y="3859012"/>
+            <a:ext cx="2552538" cy="2269543"/>
+          </a:xfrm>
+          <a:prstGeom prst="rect">
+            <a:avLst/>
+          </a:prstGeom>
+          <a:noFill/>
+          <a:ln>
+            <a:solidFill>
+              <a:schemeClr val="tx1"/>
+            </a:solidFill>
+            <a:prstDash val="lgDash"/>
+          </a:ln>
+        </p:spPr>
+        <p:style>
+          <a:lnRef idx="1">
+            <a:schemeClr val="accent1"/>
+          </a:lnRef>
+          <a:fillRef idx="3">
+            <a:schemeClr val="accent1"/>
+          </a:fillRef>
+          <a:effectRef idx="2">
+            <a:schemeClr val="accent1"/>
+          </a:effectRef>
+          <a:fontRef idx="minor">
+            <a:schemeClr val="lt1"/>
+          </a:fontRef>
+        </p:style>
+        <p:txBody>
+          <a:bodyPr rtlCol="0" anchor="ctr"/>
+          <a:lstStyle/>
+          <a:p>
+            <a:pPr algn="ctr"/>
+            <a:endParaRPr lang="en-US"/>
+          </a:p>
+        </p:txBody>
+      </p:sp>
+      <p:sp>
+        <p:nvSpPr>
+          <p:cNvPr id="7" name="TextBox 6"/>
+          <p:cNvSpPr txBox="1"/>
+          <p:nvPr/>
+        </p:nvSpPr>
+        <p:spPr>
+          <a:xfrm>
+            <a:off x="3801454" y="6276837"/>
+            <a:ext cx="4046706" cy="369332"/>
+          </a:xfrm>
+          <a:prstGeom prst="rect">
+            <a:avLst/>
+          </a:prstGeom>
+          <a:noFill/>
+        </p:spPr>
+        <p:txBody>
+          <a:bodyPr wrap="square" rtlCol="0">
+            <a:spAutoFit/>
+          </a:bodyPr>
+          <a:lstStyle/>
+          <a:p>
+            <a:r>
+              <a:rPr lang="en-US" dirty="0" smtClean="0"/>
+              <a:t>Requires </a:t>
+            </a:r>
+            <a:r>
+              <a:rPr lang="en-US" dirty="0"/>
+              <a:t>e</a:t>
+            </a:r>
+            <a:r>
+              <a:rPr lang="en-US" dirty="0" smtClean="0"/>
+              <a:t>laboration from EDAC side</a:t>
+            </a:r>
+            <a:endParaRPr lang="en-US" dirty="0"/>
+          </a:p>
+        </p:txBody>
+      </p:sp>
+      <p:sp>
+        <p:nvSpPr>
+          <p:cNvPr id="10" name="TextBox 9"/>
+          <p:cNvSpPr txBox="1"/>
+          <p:nvPr/>
+        </p:nvSpPr>
+        <p:spPr>
+          <a:xfrm>
+            <a:off x="466424" y="1417638"/>
+            <a:ext cx="8229600" cy="923330"/>
+          </a:xfrm>
+          <a:prstGeom prst="rect">
+            <a:avLst/>
+          </a:prstGeom>
+          <a:noFill/>
+        </p:spPr>
+        <p:txBody>
+          <a:bodyPr wrap="square" rtlCol="0">
+            <a:spAutoFit/>
+          </a:bodyPr>
+          <a:lstStyle/>
+          <a:p>
+            <a:r>
+              <a:rPr lang="en-US" dirty="0" smtClean="0"/>
+              <a:t>The data model provides context of Scenario Data for:</a:t>
+            </a:r>
+          </a:p>
+          <a:p>
+            <a:pPr marL="285750" indent="-285750">
+              <a:buFont typeface="Arial"/>
+              <a:buChar char="•"/>
+            </a:pPr>
+            <a:r>
+              <a:rPr lang="en-US" dirty="0" smtClean="0"/>
+              <a:t>users when selecting input data</a:t>
+            </a:r>
+          </a:p>
+          <a:p>
+            <a:pPr marL="285750" indent="-285750">
+              <a:buFont typeface="Arial"/>
+              <a:buChar char="•"/>
+            </a:pPr>
+            <a:r>
+              <a:rPr lang="en-US" dirty="0" smtClean="0"/>
+              <a:t>SADI when transforming data</a:t>
+            </a:r>
+            <a:endParaRPr lang="en-US" dirty="0"/>
+          </a:p>
+        </p:txBody>
+      </p:sp>
+    </p:spTree>
+    <p:extLst>
+      <p:ext uri="{BB962C8B-B14F-4D97-AF65-F5344CB8AC3E}">
+        <p14:creationId xmlns:p14="http://schemas.microsoft.com/office/powerpoint/2010/main" val="192016056"/>
+      </p:ext>
+    </p:extLst>
+  </p:cSld>
+  <p:clrMapOvr>
+    <a:masterClrMapping/>
+  </p:clrMapOvr>
+</p:sld>
+</file>
+
+<file path=ppt/slides/slide17.xml><?xml version="1.0" encoding="utf-8"?>
+<p:sld xmlns:a="http://schemas.openxmlformats.org/drawingml/2006/main" xmlns:r="http://schemas.openxmlformats.org/officeDocument/2006/relationships" xmlns:p="http://schemas.openxmlformats.org/presentationml/2006/main">
+  <p:cSld>
+    <p:spTree>
+      <p:nvGrpSpPr>
+        <p:cNvPr id="1" name=""/>
+        <p:cNvGrpSpPr/>
+        <p:nvPr/>
+      </p:nvGrpSpPr>
+      <p:grpSpPr>
+        <a:xfrm>
+          <a:off x="0" y="0"/>
+          <a:ext cx="0" cy="0"/>
+          <a:chOff x="0" y="0"/>
+          <a:chExt cx="0" cy="0"/>
+        </a:xfrm>
+      </p:grpSpPr>
+      <p:sp>
+        <p:nvSpPr>
+          <p:cNvPr id="2" name="Title 1"/>
+          <p:cNvSpPr>
+            <a:spLocks noGrp="1"/>
+          </p:cNvSpPr>
+          <p:nvPr>
+            <p:ph type="title"/>
+          </p:nvPr>
+        </p:nvSpPr>
+        <p:spPr/>
+        <p:txBody>
+          <a:bodyPr/>
+          <a:lstStyle/>
+          <a:p>
+            <a:r>
+              <a:rPr lang="en-US" dirty="0" smtClean="0"/>
+              <a:t>EDAC Data Publishing Data Flow</a:t>
+            </a:r>
+            <a:endParaRPr lang="en-US" dirty="0"/>
+          </a:p>
+        </p:txBody>
+      </p:sp>
+      <p:sp>
+        <p:nvSpPr>
+          <p:cNvPr id="4" name="Slide Number Placeholder 3"/>
+          <p:cNvSpPr>
+            <a:spLocks noGrp="1"/>
+          </p:cNvSpPr>
+          <p:nvPr>
+            <p:ph type="sldNum" sz="quarter" idx="12"/>
+          </p:nvPr>
+        </p:nvSpPr>
+        <p:spPr/>
+        <p:txBody>
+          <a:bodyPr/>
+          <a:lstStyle/>
+          <a:p>
+            <a:fld id="{75A0D047-D3AC-D340-95A6-F602764FB084}" type="slidenum">
+              <a:rPr lang="en-US" smtClean="0"/>
+              <a:t>17</a:t>
+            </a:fld>
+            <a:endParaRPr lang="en-US"/>
+          </a:p>
+        </p:txBody>
+      </p:sp>
+      <p:pic>
+        <p:nvPicPr>
+          <p:cNvPr id="5" name="Picture 4"/>
+          <p:cNvPicPr>
+            <a:picLocks noChangeAspect="1"/>
+          </p:cNvPicPr>
+          <p:nvPr/>
+        </p:nvPicPr>
+        <p:blipFill>
+          <a:blip r:embed="rId2"/>
+          <a:stretch>
+            <a:fillRect/>
+          </a:stretch>
+        </p:blipFill>
+        <p:spPr>
+          <a:xfrm>
+            <a:off x="0" y="2006162"/>
+            <a:ext cx="9144000" cy="4152400"/>
+          </a:xfrm>
+          <a:prstGeom prst="rect">
+            <a:avLst/>
+          </a:prstGeom>
+        </p:spPr>
+      </p:pic>
+    </p:spTree>
+    <p:extLst>
+      <p:ext uri="{BB962C8B-B14F-4D97-AF65-F5344CB8AC3E}">
+        <p14:creationId xmlns:p14="http://schemas.microsoft.com/office/powerpoint/2010/main" val="2919505335"/>
+      </p:ext>
+    </p:extLst>
+  </p:cSld>
+  <p:clrMapOvr>
+    <a:masterClrMapping/>
+  </p:clrMapOvr>
+</p:sld>
+</file>
+
+<file path=ppt/slides/slide18.xml><?xml version="1.0" encoding="utf-8"?>
+<p:sld xmlns:a="http://schemas.openxmlformats.org/drawingml/2006/main" xmlns:r="http://schemas.openxmlformats.org/officeDocument/2006/relationships" xmlns:p="http://schemas.openxmlformats.org/presentationml/2006/main">
+  <p:cSld>
+    <p:spTree>
+      <p:nvGrpSpPr>
+        <p:cNvPr id="1" name=""/>
+        <p:cNvGrpSpPr/>
+        <p:nvPr/>
+      </p:nvGrpSpPr>
+      <p:grpSpPr>
+        <a:xfrm>
+          <a:off x="0" y="0"/>
+          <a:ext cx="0" cy="0"/>
+          <a:chOff x="0" y="0"/>
+          <a:chExt cx="0" cy="0"/>
+        </a:xfrm>
+      </p:grpSpPr>
+      <p:sp>
+        <p:nvSpPr>
+          <p:cNvPr id="2" name="Title 1"/>
+          <p:cNvSpPr>
+            <a:spLocks noGrp="1"/>
+          </p:cNvSpPr>
+          <p:nvPr>
+            <p:ph type="title"/>
+          </p:nvPr>
+        </p:nvSpPr>
+        <p:spPr/>
+        <p:txBody>
+          <a:bodyPr/>
+          <a:lstStyle/>
+          <a:p>
+            <a:r>
+              <a:rPr lang="en-US" dirty="0" smtClean="0"/>
+              <a:t>EDAC Data Publishing Ontology</a:t>
+            </a:r>
+            <a:endParaRPr lang="en-US" dirty="0"/>
+          </a:p>
+        </p:txBody>
+      </p:sp>
+      <p:sp>
+        <p:nvSpPr>
+          <p:cNvPr id="4" name="Slide Number Placeholder 3"/>
+          <p:cNvSpPr>
+            <a:spLocks noGrp="1"/>
+          </p:cNvSpPr>
+          <p:nvPr>
+            <p:ph type="sldNum" sz="quarter" idx="12"/>
+          </p:nvPr>
+        </p:nvSpPr>
+        <p:spPr/>
+        <p:txBody>
+          <a:bodyPr/>
+          <a:lstStyle/>
+          <a:p>
+            <a:fld id="{75A0D047-D3AC-D340-95A6-F602764FB084}" type="slidenum">
+              <a:rPr lang="en-US" smtClean="0"/>
+              <a:t>18</a:t>
+            </a:fld>
+            <a:endParaRPr lang="en-US"/>
+          </a:p>
+        </p:txBody>
+      </p:sp>
+      <p:pic>
+        <p:nvPicPr>
+          <p:cNvPr id="5" name="Picture 4"/>
+          <p:cNvPicPr>
+            <a:picLocks noChangeAspect="1"/>
+          </p:cNvPicPr>
+          <p:nvPr/>
+        </p:nvPicPr>
+        <p:blipFill>
+          <a:blip r:embed="rId2"/>
+          <a:stretch>
+            <a:fillRect/>
+          </a:stretch>
+        </p:blipFill>
+        <p:spPr>
+          <a:xfrm>
+            <a:off x="304800" y="1241646"/>
+            <a:ext cx="8382000" cy="5114704"/>
+          </a:xfrm>
+          <a:prstGeom prst="rect">
+            <a:avLst/>
+          </a:prstGeom>
+        </p:spPr>
+      </p:pic>
+    </p:spTree>
+    <p:extLst>
+      <p:ext uri="{BB962C8B-B14F-4D97-AF65-F5344CB8AC3E}">
+        <p14:creationId xmlns:p14="http://schemas.microsoft.com/office/powerpoint/2010/main" val="1973353496"/>
+      </p:ext>
+    </p:extLst>
+  </p:cSld>
+  <p:clrMapOvr>
+    <a:masterClrMapping/>
+  </p:clrMapOvr>
+</p:sld>
+</file>
+
+<file path=ppt/slides/slide19.xml><?xml version="1.0" encoding="utf-8"?>
+<p:sld xmlns:a="http://schemas.openxmlformats.org/drawingml/2006/main" xmlns:r="http://schemas.openxmlformats.org/officeDocument/2006/relationships" xmlns:p="http://schemas.openxmlformats.org/presentationml/2006/main">
+  <p:cSld>
+    <p:spTree>
+      <p:nvGrpSpPr>
+        <p:cNvPr id="1" name=""/>
+        <p:cNvGrpSpPr/>
+        <p:nvPr/>
+      </p:nvGrpSpPr>
+      <p:grpSpPr>
+        <a:xfrm>
+          <a:off x="0" y="0"/>
+          <a:ext cx="0" cy="0"/>
+          <a:chOff x="0" y="0"/>
+          <a:chExt cx="0" cy="0"/>
+        </a:xfrm>
+      </p:grpSpPr>
+      <p:sp>
+        <p:nvSpPr>
+          <p:cNvPr id="2" name="Title 1"/>
+          <p:cNvSpPr>
+            <a:spLocks noGrp="1"/>
+          </p:cNvSpPr>
+          <p:nvPr>
+            <p:ph type="title"/>
+          </p:nvPr>
+        </p:nvSpPr>
+        <p:spPr/>
+        <p:txBody>
+          <a:bodyPr/>
+          <a:lstStyle/>
+          <a:p>
+            <a:r>
+              <a:rPr lang="en-US" dirty="0" smtClean="0"/>
+              <a:t>EDAC Data Publishing Trace</a:t>
+            </a:r>
+            <a:endParaRPr lang="en-US" dirty="0"/>
+          </a:p>
+        </p:txBody>
+      </p:sp>
+      <p:sp>
+        <p:nvSpPr>
+          <p:cNvPr id="4" name="Slide Number Placeholder 3"/>
+          <p:cNvSpPr>
+            <a:spLocks noGrp="1"/>
+          </p:cNvSpPr>
+          <p:nvPr>
+            <p:ph type="sldNum" sz="quarter" idx="12"/>
+          </p:nvPr>
+        </p:nvSpPr>
+        <p:spPr/>
+        <p:txBody>
+          <a:bodyPr/>
+          <a:lstStyle/>
+          <a:p>
+            <a:fld id="{75A0D047-D3AC-D340-95A6-F602764FB084}" type="slidenum">
+              <a:rPr lang="en-US" smtClean="0"/>
+              <a:t>19</a:t>
+            </a:fld>
+            <a:endParaRPr lang="en-US"/>
+          </a:p>
+        </p:txBody>
+      </p:sp>
+      <p:pic>
+        <p:nvPicPr>
+          <p:cNvPr id="5" name="Picture 4"/>
+          <p:cNvPicPr>
+            <a:picLocks noChangeAspect="1"/>
+          </p:cNvPicPr>
+          <p:nvPr/>
+        </p:nvPicPr>
+        <p:blipFill>
+          <a:blip r:embed="rId2"/>
+          <a:stretch>
+            <a:fillRect/>
+          </a:stretch>
+        </p:blipFill>
+        <p:spPr>
+          <a:xfrm>
+            <a:off x="0" y="1270000"/>
+            <a:ext cx="9144000" cy="4295198"/>
+          </a:xfrm>
+          <a:prstGeom prst="rect">
+            <a:avLst/>
+          </a:prstGeom>
+        </p:spPr>
+      </p:pic>
+    </p:spTree>
+    <p:extLst>
+      <p:ext uri="{BB962C8B-B14F-4D97-AF65-F5344CB8AC3E}">
+        <p14:creationId xmlns:p14="http://schemas.microsoft.com/office/powerpoint/2010/main" val="2024204445"/>
       </p:ext>
     </p:extLst>
   </p:cSld>
@@ -3645,7 +6168,7 @@
           <a:p>
             <a:r>
               <a:rPr lang="en-US" dirty="0" smtClean="0"/>
-              <a:t>Outline</a:t>
+              <a:t>Goals</a:t>
             </a:r>
             <a:endParaRPr lang="en-US" dirty="0"/>
           </a:p>
@@ -3663,128 +6186,292 @@
         </p:nvSpPr>
         <p:spPr/>
         <p:txBody>
-          <a:bodyPr>
-            <a:normAutofit fontScale="85000" lnSpcReduction="20000"/>
-          </a:bodyPr>
-          <a:lstStyle/>
-          <a:p>
+          <a:bodyPr/>
+          <a:lstStyle/>
+          <a:p>
+            <a:pPr marL="514350" indent="-514350">
+              <a:buFont typeface="+mj-lt"/>
+              <a:buAutoNum type="arabicPeriod"/>
+            </a:pPr>
             <a:r>
               <a:rPr lang="en-US" dirty="0" smtClean="0"/>
-              <a:t>Background</a:t>
-            </a:r>
-            <a:endParaRPr lang="en-US" dirty="0" smtClean="0"/>
-          </a:p>
-          <a:p>
-            <a:pPr lvl="1"/>
-            <a:r>
-              <a:rPr lang="en-US" dirty="0" smtClean="0"/>
-              <a:t>OBOE</a:t>
-            </a:r>
-            <a:endParaRPr lang="en-US" dirty="0" smtClean="0"/>
-          </a:p>
-          <a:p>
-            <a:pPr lvl="1"/>
-            <a:r>
-              <a:rPr lang="en-US" dirty="0" smtClean="0"/>
-              <a:t>PROV </a:t>
-            </a:r>
-            <a:r>
-              <a:rPr lang="en-US" dirty="0" smtClean="0"/>
-              <a:t>Data Model (Graphical + actual RDF from slides)</a:t>
-            </a:r>
-          </a:p>
-          <a:p>
-            <a:pPr lvl="1"/>
+              <a:t>Catch up with current </a:t>
+            </a:r>
             <a:r>
               <a:rPr lang="en-US" dirty="0" err="1" smtClean="0"/>
               <a:t>ELSEWeb</a:t>
             </a:r>
             <a:r>
               <a:rPr lang="en-US" dirty="0" smtClean="0"/>
-              <a:t> </a:t>
-            </a:r>
+              <a:t> scenario data model</a:t>
+            </a:r>
+          </a:p>
+          <a:p>
+            <a:pPr marL="514350" indent="-514350">
+              <a:buFont typeface="+mj-lt"/>
+              <a:buAutoNum type="arabicPeriod"/>
+            </a:pPr>
             <a:r>
               <a:rPr lang="en-US" dirty="0" smtClean="0"/>
-              <a:t>Scenario Data Model</a:t>
-            </a:r>
-          </a:p>
-          <a:p>
+              <a:t>Introduce PROV-O “starting point concepts”</a:t>
+            </a:r>
+          </a:p>
+          <a:p>
+            <a:pPr marL="514350" indent="-514350">
+              <a:buFont typeface="+mj-lt"/>
+              <a:buAutoNum type="arabicPeriod"/>
+            </a:pPr>
             <a:r>
               <a:rPr lang="en-US" dirty="0" smtClean="0"/>
-              <a:t>EDAC</a:t>
-            </a:r>
-          </a:p>
-          <a:p>
-            <a:pPr lvl="1"/>
+              <a:t>Understand how PROV can be used to describe EDAC data publishing</a:t>
+            </a:r>
+          </a:p>
+          <a:p>
+            <a:pPr marL="514350" indent="-514350">
+              <a:buFont typeface="+mj-lt"/>
+              <a:buAutoNum type="arabicPeriod"/>
+            </a:pPr>
             <a:r>
               <a:rPr lang="en-US" dirty="0" smtClean="0"/>
-              <a:t>Data publishing Process (extracted from SAW)</a:t>
-            </a:r>
-          </a:p>
-          <a:p>
-            <a:pPr lvl="1"/>
-            <a:r>
-              <a:rPr lang="en-US" dirty="0" smtClean="0"/>
-              <a:t>Describe publishing process in PROV (my interpretation)</a:t>
-            </a:r>
-          </a:p>
-          <a:p>
-            <a:pPr lvl="1"/>
-            <a:r>
-              <a:rPr lang="en-US" dirty="0" smtClean="0"/>
-              <a:t>PROV and Example RDF</a:t>
-            </a:r>
-          </a:p>
-          <a:p>
-            <a:pPr lvl="1"/>
-            <a:r>
-              <a:rPr lang="en-US" dirty="0" smtClean="0"/>
-              <a:t>Where can we expect to get EDAC </a:t>
-            </a:r>
-            <a:r>
-              <a:rPr lang="en-US" dirty="0" err="1" smtClean="0"/>
-              <a:t>prov</a:t>
-            </a:r>
-            <a:r>
-              <a:rPr lang="en-US" dirty="0" smtClean="0"/>
-              <a:t> (e.g., in FGDC, </a:t>
-            </a:r>
-            <a:r>
-              <a:rPr lang="en-US" dirty="0" err="1" smtClean="0"/>
-              <a:t>getCapabilities</a:t>
-            </a:r>
-            <a:r>
-              <a:rPr lang="en-US" dirty="0" smtClean="0"/>
-              <a:t>, WCS payload metadata?)</a:t>
-            </a:r>
-          </a:p>
-          <a:p>
-            <a:pPr lvl="1"/>
-            <a:r>
-              <a:rPr lang="en-US" dirty="0" smtClean="0"/>
-              <a:t>Alternative: leave in database and use </a:t>
-            </a:r>
-            <a:r>
-              <a:rPr lang="en-US" dirty="0" err="1" smtClean="0"/>
-              <a:t>dbowlizer</a:t>
-            </a:r>
-            <a:r>
-              <a:rPr lang="en-US" dirty="0" smtClean="0"/>
-              <a:t>.</a:t>
-            </a:r>
-          </a:p>
-          <a:p>
-            <a:r>
-              <a:rPr lang="en-US" dirty="0" smtClean="0"/>
-              <a:t>How to generate it: Provo King</a:t>
-            </a:r>
+              <a:t>Come to agreement on how/where UTEP can get access to PROV-O generated by EDAC</a:t>
+            </a:r>
+            <a:endParaRPr lang="en-US" dirty="0"/>
+          </a:p>
+        </p:txBody>
+      </p:sp>
+      <p:sp>
+        <p:nvSpPr>
+          <p:cNvPr id="4" name="Slide Number Placeholder 3"/>
+          <p:cNvSpPr>
+            <a:spLocks noGrp="1"/>
+          </p:cNvSpPr>
+          <p:nvPr>
+            <p:ph type="sldNum" sz="quarter" idx="12"/>
+          </p:nvPr>
+        </p:nvSpPr>
+        <p:spPr/>
+        <p:txBody>
+          <a:bodyPr/>
+          <a:lstStyle/>
+          <a:p>
+            <a:fld id="{75A0D047-D3AC-D340-95A6-F602764FB084}" type="slidenum">
+              <a:rPr lang="en-US" smtClean="0"/>
+              <a:t>2</a:t>
+            </a:fld>
+            <a:endParaRPr lang="en-US"/>
           </a:p>
         </p:txBody>
       </p:sp>
     </p:spTree>
     <p:extLst>
       <p:ext uri="{BB962C8B-B14F-4D97-AF65-F5344CB8AC3E}">
-        <p14:creationId xmlns:p14="http://schemas.microsoft.com/office/powerpoint/2010/main" val="631559592"/>
+        <p14:creationId xmlns:p14="http://schemas.microsoft.com/office/powerpoint/2010/main" val="3685216120"/>
+      </p:ext>
+    </p:extLst>
+  </p:cSld>
+  <p:clrMapOvr>
+    <a:masterClrMapping/>
+  </p:clrMapOvr>
+  <p:timing>
+    <p:tnLst>
+      <p:par>
+        <p:cTn xmlns:p14="http://schemas.microsoft.com/office/powerpoint/2010/main" id="1" dur="indefinite" restart="never" nodeType="tmRoot"/>
+      </p:par>
+    </p:tnLst>
+  </p:timing>
+</p:sld>
+</file>
+
+<file path=ppt/slides/slide20.xml><?xml version="1.0" encoding="utf-8"?>
+<p:sld xmlns:a="http://schemas.openxmlformats.org/drawingml/2006/main" xmlns:r="http://schemas.openxmlformats.org/officeDocument/2006/relationships" xmlns:p="http://schemas.openxmlformats.org/presentationml/2006/main">
+  <p:cSld>
+    <p:spTree>
+      <p:nvGrpSpPr>
+        <p:cNvPr id="1" name=""/>
+        <p:cNvGrpSpPr/>
+        <p:nvPr/>
+      </p:nvGrpSpPr>
+      <p:grpSpPr>
+        <a:xfrm>
+          <a:off x="0" y="0"/>
+          <a:ext cx="0" cy="0"/>
+          <a:chOff x="0" y="0"/>
+          <a:chExt cx="0" cy="0"/>
+        </a:xfrm>
+      </p:grpSpPr>
+      <p:sp>
+        <p:nvSpPr>
+          <p:cNvPr id="2" name="Title 1"/>
+          <p:cNvSpPr>
+            <a:spLocks noGrp="1"/>
+          </p:cNvSpPr>
+          <p:nvPr>
+            <p:ph type="title"/>
+          </p:nvPr>
+        </p:nvSpPr>
+        <p:spPr/>
+        <p:txBody>
+          <a:bodyPr/>
+          <a:lstStyle/>
+          <a:p>
+            <a:r>
+              <a:rPr lang="en-US" dirty="0" smtClean="0"/>
+              <a:t>EDAC PROV-O Hooks</a:t>
+            </a:r>
+            <a:endParaRPr lang="en-US" dirty="0"/>
+          </a:p>
+        </p:txBody>
+      </p:sp>
+      <p:sp>
+        <p:nvSpPr>
+          <p:cNvPr id="3" name="Content Placeholder 2"/>
+          <p:cNvSpPr>
+            <a:spLocks noGrp="1"/>
+          </p:cNvSpPr>
+          <p:nvPr>
+            <p:ph idx="1"/>
+          </p:nvPr>
+        </p:nvSpPr>
+        <p:spPr/>
+        <p:txBody>
+          <a:bodyPr/>
+          <a:lstStyle/>
+          <a:p>
+            <a:pPr lvl="1">
+              <a:buFont typeface="Arial"/>
+              <a:buChar char="•"/>
+            </a:pPr>
+            <a:r>
+              <a:rPr lang="en-US" dirty="0"/>
+              <a:t>Where can we expect to get </a:t>
+            </a:r>
+            <a:r>
+              <a:rPr lang="en-US" dirty="0" smtClean="0"/>
+              <a:t>EDAC PROV-O</a:t>
+            </a:r>
+          </a:p>
+          <a:p>
+            <a:pPr lvl="1">
+              <a:buFont typeface="Arial"/>
+              <a:buChar char="•"/>
+            </a:pPr>
+            <a:r>
+              <a:rPr lang="en-US" dirty="0" smtClean="0"/>
+              <a:t>Is it static or dynamic (from perspective of retrieving data from WCS service)</a:t>
+            </a:r>
+          </a:p>
+          <a:p>
+            <a:pPr lvl="1">
+              <a:buFont typeface="Arial"/>
+              <a:buChar char="•"/>
+            </a:pPr>
+            <a:r>
+              <a:rPr lang="en-US" dirty="0" smtClean="0"/>
+              <a:t>If static:</a:t>
+            </a:r>
+          </a:p>
+          <a:p>
+            <a:pPr lvl="2">
+              <a:buFont typeface="Courier New"/>
+              <a:buChar char="o"/>
+            </a:pPr>
+            <a:r>
+              <a:rPr lang="en-US" dirty="0" smtClean="0"/>
+              <a:t>FGDC?</a:t>
+            </a:r>
+          </a:p>
+          <a:p>
+            <a:pPr lvl="2">
+              <a:buFont typeface="Courier New"/>
+              <a:buChar char="o"/>
+            </a:pPr>
+            <a:r>
+              <a:rPr lang="en-US" dirty="0" err="1" smtClean="0"/>
+              <a:t>getCapabilities</a:t>
+            </a:r>
+            <a:r>
+              <a:rPr lang="en-US" dirty="0" smtClean="0"/>
+              <a:t>?</a:t>
+            </a:r>
+            <a:endParaRPr lang="en-US" dirty="0"/>
+          </a:p>
+          <a:p>
+            <a:pPr lvl="1">
+              <a:buFont typeface="Arial"/>
+              <a:buChar char="•"/>
+            </a:pPr>
+            <a:r>
+              <a:rPr lang="en-US" smtClean="0"/>
+              <a:t>If dynamic:</a:t>
+            </a:r>
+            <a:endParaRPr lang="en-US" dirty="0" smtClean="0"/>
+          </a:p>
+          <a:p>
+            <a:pPr lvl="2">
+              <a:buFont typeface="Courier New"/>
+              <a:buChar char="o"/>
+            </a:pPr>
+            <a:r>
+              <a:rPr lang="en-US" dirty="0" smtClean="0"/>
+              <a:t>WCS </a:t>
+            </a:r>
+            <a:r>
+              <a:rPr lang="en-US" dirty="0"/>
+              <a:t>payload metadata</a:t>
+            </a:r>
+            <a:r>
+              <a:rPr lang="en-US" dirty="0" smtClean="0"/>
+              <a:t>?</a:t>
+            </a:r>
+            <a:endParaRPr lang="en-US" dirty="0"/>
+          </a:p>
+          <a:p>
+            <a:pPr lvl="1">
+              <a:buFont typeface="Arial"/>
+              <a:buChar char="•"/>
+            </a:pPr>
+            <a:r>
+              <a:rPr lang="en-US" dirty="0"/>
+              <a:t>Alternative: leave in database and use </a:t>
+            </a:r>
+            <a:r>
+              <a:rPr lang="en-US" dirty="0" err="1"/>
+              <a:t>dbowlizer</a:t>
+            </a:r>
+            <a:endParaRPr lang="en-US" dirty="0"/>
+          </a:p>
+          <a:p>
+            <a:endParaRPr lang="en-US" dirty="0"/>
+          </a:p>
+        </p:txBody>
+      </p:sp>
+      <p:sp>
+        <p:nvSpPr>
+          <p:cNvPr id="4" name="Slide Number Placeholder 3"/>
+          <p:cNvSpPr>
+            <a:spLocks noGrp="1"/>
+          </p:cNvSpPr>
+          <p:nvPr>
+            <p:ph type="sldNum" sz="quarter" idx="12"/>
+          </p:nvPr>
+        </p:nvSpPr>
+        <p:spPr/>
+        <p:txBody>
+          <a:bodyPr/>
+          <a:lstStyle/>
+          <a:p>
+            <a:fld id="{75A0D047-D3AC-D340-95A6-F602764FB084}" type="slidenum">
+              <a:rPr lang="en-US" smtClean="0"/>
+              <a:t>20</a:t>
+            </a:fld>
+            <a:endParaRPr lang="en-US"/>
+          </a:p>
+        </p:txBody>
+      </p:sp>
+    </p:spTree>
+    <p:extLst>
+      <p:ext uri="{BB962C8B-B14F-4D97-AF65-F5344CB8AC3E}">
+        <p14:creationId xmlns:p14="http://schemas.microsoft.com/office/powerpoint/2010/main" val="1458930608"/>
       </p:ext>
     </p:extLst>
   </p:cSld>
@@ -3828,7 +6515,7 @@
           <a:p>
             <a:r>
               <a:rPr lang="en-US" dirty="0" smtClean="0"/>
-              <a:t>OBOE: Observational Ontology</a:t>
+              <a:t>Outline</a:t>
             </a:r>
             <a:endParaRPr lang="en-US" dirty="0"/>
           </a:p>
@@ -3846,176 +6533,137 @@
         </p:nvSpPr>
         <p:spPr/>
         <p:txBody>
+          <a:bodyPr>
+            <a:normAutofit/>
+          </a:bodyPr>
+          <a:lstStyle/>
+          <a:p>
+            <a:pPr marL="514350" indent="-514350">
+              <a:buFont typeface="+mj-lt"/>
+              <a:buAutoNum type="arabicPeriod"/>
+            </a:pPr>
+            <a:r>
+              <a:rPr lang="en-US" dirty="0" smtClean="0"/>
+              <a:t>Background on OBOE, DCAT, and PROV-O</a:t>
+            </a:r>
+          </a:p>
+          <a:p>
+            <a:pPr marL="514350" indent="-514350">
+              <a:buFont typeface="+mj-lt"/>
+              <a:buAutoNum type="arabicPeriod"/>
+            </a:pPr>
+            <a:r>
+              <a:rPr lang="en-US" dirty="0" err="1" smtClean="0"/>
+              <a:t>ELSEWeb</a:t>
+            </a:r>
+            <a:r>
+              <a:rPr lang="en-US" dirty="0" smtClean="0"/>
+              <a:t> Data Model and PROV-O Example</a:t>
+            </a:r>
+          </a:p>
+          <a:p>
+            <a:pPr marL="514350" indent="-514350">
+              <a:buFont typeface="+mj-lt"/>
+              <a:buAutoNum type="arabicPeriod"/>
+            </a:pPr>
+            <a:r>
+              <a:rPr lang="en-US" dirty="0" smtClean="0"/>
+              <a:t>EDAC PROV-O Contribution</a:t>
+            </a:r>
+          </a:p>
+          <a:p>
+            <a:pPr marL="971550" lvl="1" indent="-514350">
+              <a:buFont typeface="+mj-lt"/>
+              <a:buAutoNum type="alphaLcPeriod"/>
+            </a:pPr>
+            <a:r>
+              <a:rPr lang="en-US" dirty="0" smtClean="0"/>
+              <a:t>Data Publishing Process Revisited</a:t>
+            </a:r>
+            <a:endParaRPr lang="en-US" dirty="0" smtClean="0"/>
+          </a:p>
+          <a:p>
+            <a:pPr marL="971550" lvl="1" indent="-514350">
+              <a:buFont typeface="+mj-lt"/>
+              <a:buAutoNum type="alphaLcPeriod"/>
+            </a:pPr>
+            <a:r>
+              <a:rPr lang="en-US" dirty="0"/>
+              <a:t>P</a:t>
+            </a:r>
+            <a:r>
+              <a:rPr lang="en-US" dirty="0" smtClean="0"/>
+              <a:t>ublishing Process Ontology</a:t>
+            </a:r>
+            <a:endParaRPr lang="en-US" dirty="0" smtClean="0"/>
+          </a:p>
+          <a:p>
+            <a:pPr marL="971550" lvl="1" indent="-514350">
+              <a:buFont typeface="+mj-lt"/>
+              <a:buAutoNum type="alphaLcPeriod"/>
+            </a:pPr>
+            <a:r>
+              <a:rPr lang="en-US" dirty="0" smtClean="0"/>
+              <a:t>Publishing Process PROV-O Trace</a:t>
+            </a:r>
+            <a:endParaRPr lang="en-US" dirty="0" smtClean="0"/>
+          </a:p>
+          <a:p>
+            <a:pPr marL="514350" indent="-514350">
+              <a:buFont typeface="+mj-lt"/>
+              <a:buAutoNum type="arabicPeriod"/>
+            </a:pPr>
+            <a:r>
+              <a:rPr lang="en-US" dirty="0" smtClean="0"/>
+              <a:t>EDAC PROV-O Hooks</a:t>
+            </a:r>
+          </a:p>
+        </p:txBody>
+      </p:sp>
+      <p:sp>
+        <p:nvSpPr>
+          <p:cNvPr id="4" name="Slide Number Placeholder 3"/>
+          <p:cNvSpPr>
+            <a:spLocks noGrp="1"/>
+          </p:cNvSpPr>
+          <p:nvPr>
+            <p:ph type="sldNum" sz="quarter" idx="12"/>
+          </p:nvPr>
+        </p:nvSpPr>
+        <p:spPr/>
+        <p:txBody>
           <a:bodyPr/>
           <a:lstStyle/>
           <a:p>
-            <a:endParaRPr lang="en-US" dirty="0"/>
+            <a:fld id="{75A0D047-D3AC-D340-95A6-F602764FB084}" type="slidenum">
+              <a:rPr lang="en-US" smtClean="0"/>
+              <a:t>3</a:t>
+            </a:fld>
+            <a:endParaRPr lang="en-US"/>
           </a:p>
         </p:txBody>
       </p:sp>
     </p:spTree>
     <p:extLst>
       <p:ext uri="{BB962C8B-B14F-4D97-AF65-F5344CB8AC3E}">
-        <p14:creationId xmlns:p14="http://schemas.microsoft.com/office/powerpoint/2010/main" val="277829548"/>
+        <p14:creationId xmlns:p14="http://schemas.microsoft.com/office/powerpoint/2010/main" val="631559592"/>
       </p:ext>
     </p:extLst>
   </p:cSld>
   <p:clrMapOvr>
     <a:masterClrMapping/>
   </p:clrMapOvr>
+  <p:timing>
+    <p:tnLst>
+      <p:par>
+        <p:cTn xmlns:p14="http://schemas.microsoft.com/office/powerpoint/2010/main" id="1" dur="indefinite" restart="never" nodeType="tmRoot"/>
+      </p:par>
+    </p:tnLst>
+  </p:timing>
 </p:sld>
 </file>
 
 <file path=ppt/slides/slide4.xml><?xml version="1.0" encoding="utf-8"?>
-<p:sld xmlns:a="http://schemas.openxmlformats.org/drawingml/2006/main" xmlns:r="http://schemas.openxmlformats.org/officeDocument/2006/relationships" xmlns:p="http://schemas.openxmlformats.org/presentationml/2006/main">
-  <p:cSld>
-    <p:spTree>
-      <p:nvGrpSpPr>
-        <p:cNvPr id="1" name=""/>
-        <p:cNvGrpSpPr/>
-        <p:nvPr/>
-      </p:nvGrpSpPr>
-      <p:grpSpPr>
-        <a:xfrm>
-          <a:off x="0" y="0"/>
-          <a:ext cx="0" cy="0"/>
-          <a:chOff x="0" y="0"/>
-          <a:chExt cx="0" cy="0"/>
-        </a:xfrm>
-      </p:grpSpPr>
-      <p:sp>
-        <p:nvSpPr>
-          <p:cNvPr id="2" name="Title 1"/>
-          <p:cNvSpPr>
-            <a:spLocks noGrp="1"/>
-          </p:cNvSpPr>
-          <p:nvPr>
-            <p:ph type="title"/>
-          </p:nvPr>
-        </p:nvSpPr>
-        <p:spPr/>
-        <p:txBody>
-          <a:bodyPr/>
-          <a:lstStyle/>
-          <a:p>
-            <a:r>
-              <a:rPr lang="en-US" dirty="0" smtClean="0"/>
-              <a:t>DCAT: Data Catalog</a:t>
-            </a:r>
-            <a:endParaRPr lang="en-US" dirty="0"/>
-          </a:p>
-        </p:txBody>
-      </p:sp>
-      <p:sp>
-        <p:nvSpPr>
-          <p:cNvPr id="3" name="Content Placeholder 2"/>
-          <p:cNvSpPr>
-            <a:spLocks noGrp="1"/>
-          </p:cNvSpPr>
-          <p:nvPr>
-            <p:ph idx="1"/>
-          </p:nvPr>
-        </p:nvSpPr>
-        <p:spPr/>
-        <p:txBody>
-          <a:bodyPr/>
-          <a:lstStyle/>
-          <a:p>
-            <a:endParaRPr lang="en-US" dirty="0"/>
-          </a:p>
-        </p:txBody>
-      </p:sp>
-    </p:spTree>
-    <p:extLst>
-      <p:ext uri="{BB962C8B-B14F-4D97-AF65-F5344CB8AC3E}">
-        <p14:creationId xmlns:p14="http://schemas.microsoft.com/office/powerpoint/2010/main" val="665048687"/>
-      </p:ext>
-    </p:extLst>
-  </p:cSld>
-  <p:clrMapOvr>
-    <a:masterClrMapping/>
-  </p:clrMapOvr>
-</p:sld>
-</file>
-
-<file path=ppt/slides/slide5.xml><?xml version="1.0" encoding="utf-8"?>
-<p:sld xmlns:a="http://schemas.openxmlformats.org/drawingml/2006/main" xmlns:r="http://schemas.openxmlformats.org/officeDocument/2006/relationships" xmlns:p="http://schemas.openxmlformats.org/presentationml/2006/main">
-  <p:cSld>
-    <p:spTree>
-      <p:nvGrpSpPr>
-        <p:cNvPr id="1" name=""/>
-        <p:cNvGrpSpPr/>
-        <p:nvPr/>
-      </p:nvGrpSpPr>
-      <p:grpSpPr>
-        <a:xfrm>
-          <a:off x="0" y="0"/>
-          <a:ext cx="0" cy="0"/>
-          <a:chOff x="0" y="0"/>
-          <a:chExt cx="0" cy="0"/>
-        </a:xfrm>
-      </p:grpSpPr>
-      <p:sp>
-        <p:nvSpPr>
-          <p:cNvPr id="2" name="Title 1"/>
-          <p:cNvSpPr>
-            <a:spLocks noGrp="1"/>
-          </p:cNvSpPr>
-          <p:nvPr>
-            <p:ph type="title"/>
-          </p:nvPr>
-        </p:nvSpPr>
-        <p:spPr/>
-        <p:txBody>
-          <a:bodyPr/>
-          <a:lstStyle/>
-          <a:p>
-            <a:r>
-              <a:rPr lang="en-US" dirty="0" smtClean="0"/>
-              <a:t>PROV Data Model</a:t>
-            </a:r>
-            <a:endParaRPr lang="en-US" dirty="0"/>
-          </a:p>
-        </p:txBody>
-      </p:sp>
-      <p:pic>
-        <p:nvPicPr>
-          <p:cNvPr id="4" name="Content Placeholder 3"/>
-          <p:cNvPicPr>
-            <a:picLocks noGrp="1" noChangeAspect="1"/>
-          </p:cNvPicPr>
-          <p:nvPr>
-            <p:ph idx="1"/>
-          </p:nvPr>
-        </p:nvPicPr>
-        <p:blipFill>
-          <a:blip r:embed="rId2"/>
-          <a:srcRect t="1269" b="1269"/>
-          <a:stretch>
-            <a:fillRect/>
-          </a:stretch>
-        </p:blipFill>
-        <p:spPr>
-          <a:xfrm>
-            <a:off x="327613" y="1639074"/>
-            <a:ext cx="8229600" cy="4525963"/>
-          </a:xfrm>
-        </p:spPr>
-      </p:pic>
-    </p:spTree>
-    <p:extLst>
-      <p:ext uri="{BB962C8B-B14F-4D97-AF65-F5344CB8AC3E}">
-        <p14:creationId xmlns:p14="http://schemas.microsoft.com/office/powerpoint/2010/main" val="2835408946"/>
-      </p:ext>
-    </p:extLst>
-  </p:cSld>
-  <p:clrMapOvr>
-    <a:masterClrMapping/>
-  </p:clrMapOvr>
-</p:sld>
-</file>
-
-<file path=ppt/slides/slide6.xml><?xml version="1.0" encoding="utf-8"?>
 <p:sld xmlns:a="http://schemas.openxmlformats.org/drawingml/2006/main" xmlns:r="http://schemas.openxmlformats.org/officeDocument/2006/relationships" xmlns:p="http://schemas.openxmlformats.org/presentationml/2006/main">
   <p:cSld>
     <p:spTree>
@@ -4208,16 +6856,14 @@
         </p:nvSpPr>
         <p:spPr/>
         <p:txBody>
-          <a:bodyPr/>
-          <a:lstStyle/>
-          <a:p>
-            <a:r>
-              <a:rPr lang="en-US" dirty="0" err="1" smtClean="0"/>
-              <a:t>ELSEWeb</a:t>
-            </a:r>
+          <a:bodyPr>
+            <a:normAutofit fontScale="90000"/>
+          </a:bodyPr>
+          <a:lstStyle/>
+          <a:p>
             <a:r>
               <a:rPr lang="en-US" dirty="0" smtClean="0"/>
-              <a:t> Data Model</a:t>
+              <a:t>Different Languages for Different Concerns</a:t>
             </a:r>
             <a:endParaRPr lang="en-US" dirty="0"/>
           </a:p>
@@ -4656,10 +7302,307 @@
           </a:p>
         </p:txBody>
       </p:sp>
+      <p:sp>
+        <p:nvSpPr>
+          <p:cNvPr id="4" name="Slide Number Placeholder 3"/>
+          <p:cNvSpPr>
+            <a:spLocks noGrp="1"/>
+          </p:cNvSpPr>
+          <p:nvPr>
+            <p:ph type="sldNum" sz="quarter" idx="12"/>
+          </p:nvPr>
+        </p:nvSpPr>
+        <p:spPr/>
+        <p:txBody>
+          <a:bodyPr/>
+          <a:lstStyle/>
+          <a:p>
+            <a:fld id="{75A0D047-D3AC-D340-95A6-F602764FB084}" type="slidenum">
+              <a:rPr lang="en-US" smtClean="0"/>
+              <a:t>4</a:t>
+            </a:fld>
+            <a:endParaRPr lang="en-US"/>
+          </a:p>
+        </p:txBody>
+      </p:sp>
     </p:spTree>
     <p:extLst>
       <p:ext uri="{BB962C8B-B14F-4D97-AF65-F5344CB8AC3E}">
-        <p14:creationId xmlns:p14="http://schemas.microsoft.com/office/powerpoint/2010/main" val="944962866"/>
+        <p14:creationId xmlns:p14="http://schemas.microsoft.com/office/powerpoint/2010/main" val="1631449015"/>
+      </p:ext>
+    </p:extLst>
+  </p:cSld>
+  <p:clrMapOvr>
+    <a:masterClrMapping/>
+  </p:clrMapOvr>
+  <p:timing>
+    <p:tnLst>
+      <p:par>
+        <p:cTn xmlns:p14="http://schemas.microsoft.com/office/powerpoint/2010/main" id="1" dur="indefinite" restart="never" nodeType="tmRoot"/>
+      </p:par>
+    </p:tnLst>
+  </p:timing>
+</p:sld>
+</file>
+
+<file path=ppt/slides/slide5.xml><?xml version="1.0" encoding="utf-8"?>
+<p:sld xmlns:a="http://schemas.openxmlformats.org/drawingml/2006/main" xmlns:r="http://schemas.openxmlformats.org/officeDocument/2006/relationships" xmlns:p="http://schemas.openxmlformats.org/presentationml/2006/main">
+  <p:cSld>
+    <p:spTree>
+      <p:nvGrpSpPr>
+        <p:cNvPr id="1" name=""/>
+        <p:cNvGrpSpPr/>
+        <p:nvPr/>
+      </p:nvGrpSpPr>
+      <p:grpSpPr>
+        <a:xfrm>
+          <a:off x="0" y="0"/>
+          <a:ext cx="0" cy="0"/>
+          <a:chOff x="0" y="0"/>
+          <a:chExt cx="0" cy="0"/>
+        </a:xfrm>
+      </p:grpSpPr>
+      <p:sp>
+        <p:nvSpPr>
+          <p:cNvPr id="2" name="Title 1"/>
+          <p:cNvSpPr>
+            <a:spLocks noGrp="1"/>
+          </p:cNvSpPr>
+          <p:nvPr>
+            <p:ph type="title"/>
+          </p:nvPr>
+        </p:nvSpPr>
+        <p:spPr/>
+        <p:txBody>
+          <a:bodyPr/>
+          <a:lstStyle/>
+          <a:p>
+            <a:r>
+              <a:rPr lang="en-US" dirty="0" smtClean="0"/>
+              <a:t>OBOE: Observational Ontology</a:t>
+            </a:r>
+            <a:endParaRPr lang="en-US" dirty="0"/>
+          </a:p>
+        </p:txBody>
+      </p:sp>
+      <p:pic>
+        <p:nvPicPr>
+          <p:cNvPr id="11" name="Picture 10"/>
+          <p:cNvPicPr>
+            <a:picLocks noChangeAspect="1"/>
+          </p:cNvPicPr>
+          <p:nvPr/>
+        </p:nvPicPr>
+        <p:blipFill>
+          <a:blip r:embed="rId2"/>
+          <a:stretch>
+            <a:fillRect/>
+          </a:stretch>
+        </p:blipFill>
+        <p:spPr>
+          <a:xfrm>
+            <a:off x="317341" y="2989019"/>
+            <a:ext cx="8369459" cy="3162324"/>
+          </a:xfrm>
+          <a:prstGeom prst="rect">
+            <a:avLst/>
+          </a:prstGeom>
+        </p:spPr>
+      </p:pic>
+      <p:sp>
+        <p:nvSpPr>
+          <p:cNvPr id="12" name="TextBox 11"/>
+          <p:cNvSpPr txBox="1"/>
+          <p:nvPr/>
+        </p:nvSpPr>
+        <p:spPr>
+          <a:xfrm>
+            <a:off x="457200" y="1616872"/>
+            <a:ext cx="8084463" cy="923330"/>
+          </a:xfrm>
+          <a:prstGeom prst="rect">
+            <a:avLst/>
+          </a:prstGeom>
+          <a:noFill/>
+        </p:spPr>
+        <p:txBody>
+          <a:bodyPr wrap="square" rtlCol="0">
+            <a:spAutoFit/>
+          </a:bodyPr>
+          <a:lstStyle/>
+          <a:p>
+            <a:r>
+              <a:rPr lang="en-US" dirty="0" smtClean="0"/>
+              <a:t>“The Extensible Observational Ontology was developed to describe scientific observations and measurements with particular emphasis on capturing observational context.”</a:t>
+            </a:r>
+            <a:endParaRPr lang="en-US" dirty="0"/>
+          </a:p>
+        </p:txBody>
+      </p:sp>
+      <p:sp>
+        <p:nvSpPr>
+          <p:cNvPr id="13" name="Slide Number Placeholder 12"/>
+          <p:cNvSpPr>
+            <a:spLocks noGrp="1"/>
+          </p:cNvSpPr>
+          <p:nvPr>
+            <p:ph type="sldNum" sz="quarter" idx="12"/>
+          </p:nvPr>
+        </p:nvSpPr>
+        <p:spPr/>
+        <p:txBody>
+          <a:bodyPr/>
+          <a:lstStyle/>
+          <a:p>
+            <a:fld id="{75A0D047-D3AC-D340-95A6-F602764FB084}" type="slidenum">
+              <a:rPr lang="en-US" smtClean="0"/>
+              <a:t>5</a:t>
+            </a:fld>
+            <a:endParaRPr lang="en-US"/>
+          </a:p>
+        </p:txBody>
+      </p:sp>
+    </p:spTree>
+    <p:extLst>
+      <p:ext uri="{BB962C8B-B14F-4D97-AF65-F5344CB8AC3E}">
+        <p14:creationId xmlns:p14="http://schemas.microsoft.com/office/powerpoint/2010/main" val="277829548"/>
+      </p:ext>
+    </p:extLst>
+  </p:cSld>
+  <p:clrMapOvr>
+    <a:masterClrMapping/>
+  </p:clrMapOvr>
+  <p:timing>
+    <p:tnLst>
+      <p:par>
+        <p:cTn xmlns:p14="http://schemas.microsoft.com/office/powerpoint/2010/main" id="1" dur="indefinite" restart="never" nodeType="tmRoot"/>
+      </p:par>
+    </p:tnLst>
+  </p:timing>
+</p:sld>
+</file>
+
+<file path=ppt/slides/slide6.xml><?xml version="1.0" encoding="utf-8"?>
+<p:sld xmlns:a="http://schemas.openxmlformats.org/drawingml/2006/main" xmlns:r="http://schemas.openxmlformats.org/officeDocument/2006/relationships" xmlns:p="http://schemas.openxmlformats.org/presentationml/2006/main">
+  <p:cSld>
+    <p:spTree>
+      <p:nvGrpSpPr>
+        <p:cNvPr id="1" name=""/>
+        <p:cNvGrpSpPr/>
+        <p:nvPr/>
+      </p:nvGrpSpPr>
+      <p:grpSpPr>
+        <a:xfrm>
+          <a:off x="0" y="0"/>
+          <a:ext cx="0" cy="0"/>
+          <a:chOff x="0" y="0"/>
+          <a:chExt cx="0" cy="0"/>
+        </a:xfrm>
+      </p:grpSpPr>
+      <p:sp>
+        <p:nvSpPr>
+          <p:cNvPr id="2" name="Title 1"/>
+          <p:cNvSpPr>
+            <a:spLocks noGrp="1"/>
+          </p:cNvSpPr>
+          <p:nvPr>
+            <p:ph type="title"/>
+          </p:nvPr>
+        </p:nvSpPr>
+        <p:spPr/>
+        <p:txBody>
+          <a:bodyPr/>
+          <a:lstStyle/>
+          <a:p>
+            <a:r>
+              <a:rPr lang="en-US" dirty="0" smtClean="0"/>
+              <a:t>OBOE: Example</a:t>
+            </a:r>
+            <a:endParaRPr lang="en-US" dirty="0"/>
+          </a:p>
+        </p:txBody>
+      </p:sp>
+      <p:pic>
+        <p:nvPicPr>
+          <p:cNvPr id="4" name="Picture 3"/>
+          <p:cNvPicPr>
+            <a:picLocks noChangeAspect="1"/>
+          </p:cNvPicPr>
+          <p:nvPr/>
+        </p:nvPicPr>
+        <p:blipFill>
+          <a:blip r:embed="rId2"/>
+          <a:stretch>
+            <a:fillRect/>
+          </a:stretch>
+        </p:blipFill>
+        <p:spPr>
+          <a:xfrm>
+            <a:off x="1419460" y="2879152"/>
+            <a:ext cx="5989125" cy="3806421"/>
+          </a:xfrm>
+          <a:prstGeom prst="rect">
+            <a:avLst/>
+          </a:prstGeom>
+        </p:spPr>
+      </p:pic>
+      <p:sp>
+        <p:nvSpPr>
+          <p:cNvPr id="5" name="TextBox 4"/>
+          <p:cNvSpPr txBox="1"/>
+          <p:nvPr/>
+        </p:nvSpPr>
+        <p:spPr>
+          <a:xfrm>
+            <a:off x="996112" y="1786970"/>
+            <a:ext cx="7022592" cy="369332"/>
+          </a:xfrm>
+          <a:prstGeom prst="rect">
+            <a:avLst/>
+          </a:prstGeom>
+          <a:noFill/>
+        </p:spPr>
+        <p:txBody>
+          <a:bodyPr wrap="square" rtlCol="0">
+            <a:spAutoFit/>
+          </a:bodyPr>
+          <a:lstStyle/>
+          <a:p>
+            <a:r>
+              <a:rPr lang="en-US" dirty="0" smtClean="0"/>
+              <a:t>Observation of a Tree in terms of its name and Height</a:t>
+            </a:r>
+            <a:endParaRPr lang="en-US" dirty="0"/>
+          </a:p>
+        </p:txBody>
+      </p:sp>
+      <p:sp>
+        <p:nvSpPr>
+          <p:cNvPr id="6" name="Slide Number Placeholder 5"/>
+          <p:cNvSpPr>
+            <a:spLocks noGrp="1"/>
+          </p:cNvSpPr>
+          <p:nvPr>
+            <p:ph type="sldNum" sz="quarter" idx="12"/>
+          </p:nvPr>
+        </p:nvSpPr>
+        <p:spPr/>
+        <p:txBody>
+          <a:bodyPr/>
+          <a:lstStyle/>
+          <a:p>
+            <a:fld id="{75A0D047-D3AC-D340-95A6-F602764FB084}" type="slidenum">
+              <a:rPr lang="en-US" smtClean="0"/>
+              <a:t>6</a:t>
+            </a:fld>
+            <a:endParaRPr lang="en-US"/>
+          </a:p>
+        </p:txBody>
+      </p:sp>
+    </p:spTree>
+    <p:extLst>
+      <p:ext uri="{BB962C8B-B14F-4D97-AF65-F5344CB8AC3E}">
+        <p14:creationId xmlns:p14="http://schemas.microsoft.com/office/powerpoint/2010/main" val="2923748881"/>
       </p:ext>
     </p:extLst>
   </p:cSld>
@@ -4702,316 +7645,47 @@
           <a:lstStyle/>
           <a:p>
             <a:r>
-              <a:rPr lang="en-US" dirty="0" err="1" smtClean="0"/>
-              <a:t>ELSEWeb</a:t>
-            </a:r>
-            <a:r>
               <a:rPr lang="en-US" dirty="0" smtClean="0"/>
-              <a:t> Data Model</a:t>
+              <a:t>DCAT: Data Catalog</a:t>
             </a:r>
             <a:endParaRPr lang="en-US" dirty="0"/>
           </a:p>
         </p:txBody>
       </p:sp>
-      <p:sp>
-        <p:nvSpPr>
-          <p:cNvPr id="4" name="Rectangle 3"/>
-          <p:cNvSpPr/>
+      <p:pic>
+        <p:nvPicPr>
+          <p:cNvPr id="5" name="Picture 4"/>
+          <p:cNvPicPr>
+            <a:picLocks noChangeAspect="1"/>
+          </p:cNvPicPr>
           <p:nvPr/>
-        </p:nvSpPr>
+        </p:nvPicPr>
+        <p:blipFill>
+          <a:blip r:embed="rId2"/>
+          <a:stretch>
+            <a:fillRect/>
+          </a:stretch>
+        </p:blipFill>
         <p:spPr>
           <a:xfrm>
-            <a:off x="155506" y="1417638"/>
-            <a:ext cx="2423280" cy="518319"/>
+            <a:off x="0" y="2661356"/>
+            <a:ext cx="9144000" cy="3367283"/>
           </a:xfrm>
           <a:prstGeom prst="rect">
             <a:avLst/>
           </a:prstGeom>
         </p:spPr>
-        <p:style>
-          <a:lnRef idx="1">
-            <a:schemeClr val="accent1"/>
-          </a:lnRef>
-          <a:fillRef idx="3">
-            <a:schemeClr val="accent1"/>
-          </a:fillRef>
-          <a:effectRef idx="2">
-            <a:schemeClr val="accent1"/>
-          </a:effectRef>
-          <a:fontRef idx="minor">
-            <a:schemeClr val="lt1"/>
-          </a:fontRef>
-        </p:style>
-        <p:txBody>
-          <a:bodyPr rtlCol="0" anchor="ctr"/>
-          <a:lstStyle/>
-          <a:p>
-            <a:pPr algn="ctr"/>
-            <a:r>
-              <a:rPr lang="en-US" dirty="0" err="1"/>
-              <a:t>o</a:t>
-            </a:r>
-            <a:r>
-              <a:rPr lang="en-US" dirty="0" err="1" smtClean="0"/>
-              <a:t>boe:Observation</a:t>
-            </a:r>
-            <a:endParaRPr lang="en-US" dirty="0"/>
-          </a:p>
-        </p:txBody>
-      </p:sp>
-      <p:sp>
-        <p:nvSpPr>
-          <p:cNvPr id="5" name="Rectangle 4"/>
-          <p:cNvSpPr/>
+      </p:pic>
+      <p:sp>
+        <p:nvSpPr>
+          <p:cNvPr id="6" name="TextBox 5"/>
+          <p:cNvSpPr txBox="1"/>
           <p:nvPr/>
         </p:nvSpPr>
         <p:spPr>
           <a:xfrm>
-            <a:off x="155506" y="2965823"/>
-            <a:ext cx="2423280" cy="625078"/>
-          </a:xfrm>
-          <a:prstGeom prst="rect">
-            <a:avLst/>
-          </a:prstGeom>
-        </p:spPr>
-        <p:style>
-          <a:lnRef idx="1">
-            <a:schemeClr val="accent1"/>
-          </a:lnRef>
-          <a:fillRef idx="3">
-            <a:schemeClr val="accent1"/>
-          </a:fillRef>
-          <a:effectRef idx="2">
-            <a:schemeClr val="accent1"/>
-          </a:effectRef>
-          <a:fontRef idx="minor">
-            <a:schemeClr val="lt1"/>
-          </a:fontRef>
-        </p:style>
-        <p:txBody>
-          <a:bodyPr rtlCol="0" anchor="ctr"/>
-          <a:lstStyle/>
-          <a:p>
-            <a:pPr algn="ctr"/>
-            <a:r>
-              <a:rPr lang="en-US" dirty="0" err="1"/>
-              <a:t>o</a:t>
-            </a:r>
-            <a:r>
-              <a:rPr lang="en-US" dirty="0" err="1" smtClean="0"/>
-              <a:t>boe:Entity</a:t>
-            </a:r>
-            <a:endParaRPr lang="en-US" dirty="0"/>
-          </a:p>
-        </p:txBody>
-      </p:sp>
-      <p:sp>
-        <p:nvSpPr>
-          <p:cNvPr id="6" name="Rectangle 5"/>
-          <p:cNvSpPr/>
-          <p:nvPr/>
-        </p:nvSpPr>
-        <p:spPr>
-          <a:xfrm>
-            <a:off x="3006425" y="2894266"/>
-            <a:ext cx="2423280" cy="696635"/>
-          </a:xfrm>
-          <a:prstGeom prst="rect">
-            <a:avLst/>
-          </a:prstGeom>
-        </p:spPr>
-        <p:style>
-          <a:lnRef idx="1">
-            <a:schemeClr val="accent1"/>
-          </a:lnRef>
-          <a:fillRef idx="3">
-            <a:schemeClr val="accent1"/>
-          </a:fillRef>
-          <a:effectRef idx="2">
-            <a:schemeClr val="accent1"/>
-          </a:effectRef>
-          <a:fontRef idx="minor">
-            <a:schemeClr val="lt1"/>
-          </a:fontRef>
-        </p:style>
-        <p:txBody>
-          <a:bodyPr rtlCol="0" anchor="ctr"/>
-          <a:lstStyle/>
-          <a:p>
-            <a:pPr algn="ctr"/>
-            <a:r>
-              <a:rPr lang="en-US" dirty="0" err="1"/>
-              <a:t>o</a:t>
-            </a:r>
-            <a:r>
-              <a:rPr lang="en-US" dirty="0" err="1" smtClean="0"/>
-              <a:t>boe:Measurement</a:t>
-            </a:r>
-            <a:endParaRPr lang="en-US" dirty="0"/>
-          </a:p>
-        </p:txBody>
-      </p:sp>
-      <p:sp>
-        <p:nvSpPr>
-          <p:cNvPr id="7" name="Rectangle 6"/>
-          <p:cNvSpPr/>
-          <p:nvPr/>
-        </p:nvSpPr>
-        <p:spPr>
-          <a:xfrm>
-            <a:off x="3006425" y="1409321"/>
-            <a:ext cx="2423280" cy="526636"/>
-          </a:xfrm>
-          <a:prstGeom prst="rect">
-            <a:avLst/>
-          </a:prstGeom>
-        </p:spPr>
-        <p:style>
-          <a:lnRef idx="1">
-            <a:schemeClr val="accent1"/>
-          </a:lnRef>
-          <a:fillRef idx="3">
-            <a:schemeClr val="accent1"/>
-          </a:fillRef>
-          <a:effectRef idx="2">
-            <a:schemeClr val="accent1"/>
-          </a:effectRef>
-          <a:fontRef idx="minor">
-            <a:schemeClr val="lt1"/>
-          </a:fontRef>
-        </p:style>
-        <p:txBody>
-          <a:bodyPr rtlCol="0" anchor="ctr"/>
-          <a:lstStyle/>
-          <a:p>
-            <a:pPr algn="ctr"/>
-            <a:r>
-              <a:rPr lang="en-US" dirty="0" err="1"/>
-              <a:t>o</a:t>
-            </a:r>
-            <a:r>
-              <a:rPr lang="en-US" dirty="0" err="1" smtClean="0"/>
-              <a:t>boe:Characteristic</a:t>
-            </a:r>
-            <a:endParaRPr lang="en-US" dirty="0"/>
-          </a:p>
-        </p:txBody>
-      </p:sp>
-      <p:cxnSp>
-        <p:nvCxnSpPr>
-          <p:cNvPr id="9" name="Straight Arrow Connector 8"/>
-          <p:cNvCxnSpPr>
-            <a:stCxn id="4" idx="2"/>
-            <a:endCxn id="5" idx="0"/>
-          </p:cNvCxnSpPr>
-          <p:nvPr/>
-        </p:nvCxnSpPr>
-        <p:spPr>
-          <a:xfrm>
-            <a:off x="1367146" y="1935957"/>
-            <a:ext cx="0" cy="1029866"/>
-          </a:xfrm>
-          <a:prstGeom prst="straightConnector1">
-            <a:avLst/>
-          </a:prstGeom>
-          <a:ln>
-            <a:tailEnd type="arrow"/>
-          </a:ln>
-        </p:spPr>
-        <p:style>
-          <a:lnRef idx="2">
-            <a:schemeClr val="accent1"/>
-          </a:lnRef>
-          <a:fillRef idx="0">
-            <a:schemeClr val="accent1"/>
-          </a:fillRef>
-          <a:effectRef idx="1">
-            <a:schemeClr val="accent1"/>
-          </a:effectRef>
-          <a:fontRef idx="minor">
-            <a:schemeClr val="tx1"/>
-          </a:fontRef>
-        </p:style>
-      </p:cxnSp>
-      <p:cxnSp>
-        <p:nvCxnSpPr>
-          <p:cNvPr id="10" name="Straight Arrow Connector 9"/>
-          <p:cNvCxnSpPr>
-            <a:stCxn id="6" idx="0"/>
-            <a:endCxn id="7" idx="2"/>
-          </p:cNvCxnSpPr>
-          <p:nvPr/>
-        </p:nvCxnSpPr>
-        <p:spPr>
-          <a:xfrm flipV="1">
-            <a:off x="4218065" y="1935957"/>
-            <a:ext cx="0" cy="958309"/>
-          </a:xfrm>
-          <a:prstGeom prst="straightConnector1">
-            <a:avLst/>
-          </a:prstGeom>
-          <a:ln>
-            <a:tailEnd type="arrow"/>
-          </a:ln>
-        </p:spPr>
-        <p:style>
-          <a:lnRef idx="2">
-            <a:schemeClr val="accent1"/>
-          </a:lnRef>
-          <a:fillRef idx="0">
-            <a:schemeClr val="accent1"/>
-          </a:fillRef>
-          <a:effectRef idx="1">
-            <a:schemeClr val="accent1"/>
-          </a:effectRef>
-          <a:fontRef idx="minor">
-            <a:schemeClr val="tx1"/>
-          </a:fontRef>
-        </p:style>
-      </p:cxnSp>
-      <p:cxnSp>
-        <p:nvCxnSpPr>
-          <p:cNvPr id="16" name="Straight Arrow Connector 15"/>
-          <p:cNvCxnSpPr/>
-          <p:nvPr/>
-        </p:nvCxnSpPr>
-        <p:spPr>
-          <a:xfrm>
-            <a:off x="2578786" y="1935957"/>
-            <a:ext cx="427639" cy="958309"/>
-          </a:xfrm>
-          <a:prstGeom prst="straightConnector1">
-            <a:avLst/>
-          </a:prstGeom>
-          <a:ln>
-            <a:tailEnd type="arrow"/>
-          </a:ln>
-        </p:spPr>
-        <p:style>
-          <a:lnRef idx="2">
-            <a:schemeClr val="accent1"/>
-          </a:lnRef>
-          <a:fillRef idx="0">
-            <a:schemeClr val="accent1"/>
-          </a:fillRef>
-          <a:effectRef idx="1">
-            <a:schemeClr val="accent1"/>
-          </a:effectRef>
-          <a:fontRef idx="minor">
-            <a:schemeClr val="tx1"/>
-          </a:fontRef>
-        </p:style>
-      </p:cxnSp>
-      <p:sp>
-        <p:nvSpPr>
-          <p:cNvPr id="18" name="TextBox 17"/>
-          <p:cNvSpPr txBox="1"/>
-          <p:nvPr/>
-        </p:nvSpPr>
-        <p:spPr>
-          <a:xfrm>
-            <a:off x="330453" y="2181818"/>
-            <a:ext cx="1269955" cy="276999"/>
+            <a:off x="457200" y="1740803"/>
+            <a:ext cx="8047109" cy="646331"/>
           </a:xfrm>
           <a:prstGeom prst="rect">
             <a:avLst/>
@@ -5025,539 +7699,405 @@
           <a:lstStyle/>
           <a:p>
             <a:r>
-              <a:rPr lang="en-US" sz="1200" dirty="0" err="1" smtClean="0"/>
-              <a:t>oboe:ofEntity</a:t>
-            </a:r>
-            <a:endParaRPr lang="en-US" sz="1200" dirty="0"/>
-          </a:p>
-        </p:txBody>
-      </p:sp>
-      <p:sp>
-        <p:nvSpPr>
-          <p:cNvPr id="19" name="TextBox 18"/>
-          <p:cNvSpPr txBox="1"/>
-          <p:nvPr/>
-        </p:nvSpPr>
-        <p:spPr>
-          <a:xfrm>
-            <a:off x="1746327" y="2176937"/>
-            <a:ext cx="1726615" cy="276999"/>
-          </a:xfrm>
-          <a:prstGeom prst="rect">
-            <a:avLst/>
-          </a:prstGeom>
-          <a:noFill/>
-        </p:spPr>
-        <p:txBody>
-          <a:bodyPr wrap="square" rtlCol="0">
-            <a:spAutoFit/>
-          </a:bodyPr>
-          <a:lstStyle/>
-          <a:p>
-            <a:r>
-              <a:rPr lang="en-US" sz="1200" dirty="0" err="1" smtClean="0"/>
-              <a:t>oboe:hasMeasurement</a:t>
-            </a:r>
-            <a:endParaRPr lang="en-US" sz="1200" dirty="0"/>
-          </a:p>
-        </p:txBody>
-      </p:sp>
-      <p:sp>
-        <p:nvSpPr>
-          <p:cNvPr id="21" name="TextBox 20"/>
-          <p:cNvSpPr txBox="1"/>
-          <p:nvPr/>
-        </p:nvSpPr>
-        <p:spPr>
-          <a:xfrm>
-            <a:off x="3625342" y="2190837"/>
-            <a:ext cx="1726615" cy="276999"/>
-          </a:xfrm>
-          <a:prstGeom prst="rect">
-            <a:avLst/>
-          </a:prstGeom>
-          <a:noFill/>
-        </p:spPr>
-        <p:txBody>
-          <a:bodyPr wrap="square" rtlCol="0">
-            <a:spAutoFit/>
-          </a:bodyPr>
-          <a:lstStyle/>
-          <a:p>
-            <a:r>
-              <a:rPr lang="en-US" sz="1200" dirty="0" err="1"/>
-              <a:t>o</a:t>
-            </a:r>
-            <a:r>
-              <a:rPr lang="en-US" sz="1200" dirty="0" err="1" smtClean="0"/>
-              <a:t>boe:ofCharacteristic</a:t>
-            </a:r>
-            <a:endParaRPr lang="en-US" sz="1200" dirty="0"/>
-          </a:p>
-        </p:txBody>
-      </p:sp>
-      <p:sp>
-        <p:nvSpPr>
-          <p:cNvPr id="22" name="Rectangle 21"/>
-          <p:cNvSpPr/>
-          <p:nvPr/>
-        </p:nvSpPr>
-        <p:spPr>
-          <a:xfrm>
-            <a:off x="3006425" y="4356965"/>
-            <a:ext cx="2423280" cy="696635"/>
-          </a:xfrm>
-          <a:prstGeom prst="rect">
-            <a:avLst/>
-          </a:prstGeom>
-        </p:spPr>
-        <p:style>
-          <a:lnRef idx="1">
-            <a:schemeClr val="accent1"/>
-          </a:lnRef>
-          <a:fillRef idx="3">
-            <a:schemeClr val="accent1"/>
-          </a:fillRef>
-          <a:effectRef idx="2">
-            <a:schemeClr val="accent1"/>
-          </a:effectRef>
-          <a:fontRef idx="minor">
-            <a:schemeClr val="lt1"/>
-          </a:fontRef>
-        </p:style>
-        <p:txBody>
-          <a:bodyPr rtlCol="0" anchor="ctr"/>
-          <a:lstStyle/>
-          <a:p>
-            <a:pPr algn="ctr"/>
-            <a:r>
-              <a:rPr lang="en-US" dirty="0" err="1"/>
-              <a:t>d</a:t>
-            </a:r>
-            <a:r>
-              <a:rPr lang="en-US" dirty="0" err="1" smtClean="0"/>
-              <a:t>cat:Dataset</a:t>
+              <a:rPr lang="en-US" dirty="0" smtClean="0"/>
+              <a:t>“DCAT </a:t>
+            </a:r>
+            <a:r>
+              <a:rPr lang="en-US" dirty="0"/>
+              <a:t>is an RDF vocabulary designed to facilitate interoperability between data catalogs published on the Web</a:t>
+            </a:r>
+            <a:r>
+              <a:rPr lang="en-US" dirty="0" smtClean="0"/>
+              <a:t>.”</a:t>
             </a:r>
             <a:endParaRPr lang="en-US" dirty="0"/>
           </a:p>
         </p:txBody>
       </p:sp>
-      <p:cxnSp>
-        <p:nvCxnSpPr>
-          <p:cNvPr id="24" name="Straight Arrow Connector 23"/>
-          <p:cNvCxnSpPr>
-            <a:stCxn id="22" idx="0"/>
-            <a:endCxn id="6" idx="2"/>
-          </p:cNvCxnSpPr>
-          <p:nvPr/>
-        </p:nvCxnSpPr>
-        <p:spPr>
-          <a:xfrm flipV="1">
-            <a:off x="4218065" y="3590901"/>
-            <a:ext cx="0" cy="766064"/>
-          </a:xfrm>
-          <a:prstGeom prst="straightConnector1">
-            <a:avLst/>
-          </a:prstGeom>
-          <a:ln>
-            <a:tailEnd type="arrow"/>
-          </a:ln>
-        </p:spPr>
-        <p:style>
-          <a:lnRef idx="2">
-            <a:schemeClr val="accent1"/>
-          </a:lnRef>
-          <a:fillRef idx="0">
-            <a:schemeClr val="accent1"/>
-          </a:fillRef>
-          <a:effectRef idx="1">
-            <a:schemeClr val="accent1"/>
-          </a:effectRef>
-          <a:fontRef idx="minor">
-            <a:schemeClr val="tx1"/>
-          </a:fontRef>
-        </p:style>
-      </p:cxnSp>
-      <p:sp>
-        <p:nvSpPr>
-          <p:cNvPr id="25" name="TextBox 24"/>
-          <p:cNvSpPr txBox="1"/>
-          <p:nvPr/>
-        </p:nvSpPr>
-        <p:spPr>
-          <a:xfrm>
-            <a:off x="3703090" y="3833402"/>
-            <a:ext cx="1726615" cy="276999"/>
-          </a:xfrm>
-          <a:prstGeom prst="rect">
-            <a:avLst/>
-          </a:prstGeom>
-          <a:noFill/>
-          <a:ln>
-            <a:solidFill>
-              <a:schemeClr val="tx1"/>
-            </a:solidFill>
-            <a:prstDash val="lgDash"/>
-          </a:ln>
-        </p:spPr>
-        <p:txBody>
-          <a:bodyPr wrap="square" rtlCol="0">
-            <a:spAutoFit/>
-          </a:bodyPr>
-          <a:lstStyle/>
-          <a:p>
-            <a:r>
-              <a:rPr lang="en-US" sz="1200" dirty="0" err="1"/>
-              <a:t>p</a:t>
-            </a:r>
-            <a:r>
-              <a:rPr lang="en-US" sz="1200" dirty="0" err="1" smtClean="0"/>
-              <a:t>rov:wasGeneratedBy</a:t>
-            </a:r>
-            <a:endParaRPr lang="en-US" sz="1200" dirty="0"/>
-          </a:p>
-        </p:txBody>
-      </p:sp>
-      <p:sp>
-        <p:nvSpPr>
-          <p:cNvPr id="26" name="Rectangle 25"/>
-          <p:cNvSpPr/>
-          <p:nvPr/>
-        </p:nvSpPr>
-        <p:spPr>
-          <a:xfrm>
-            <a:off x="155506" y="4356965"/>
-            <a:ext cx="2423280" cy="696635"/>
-          </a:xfrm>
-          <a:prstGeom prst="rect">
-            <a:avLst/>
-          </a:prstGeom>
-        </p:spPr>
-        <p:style>
-          <a:lnRef idx="1">
-            <a:schemeClr val="accent1"/>
-          </a:lnRef>
-          <a:fillRef idx="3">
-            <a:schemeClr val="accent1"/>
-          </a:fillRef>
-          <a:effectRef idx="2">
-            <a:schemeClr val="accent1"/>
-          </a:effectRef>
-          <a:fontRef idx="minor">
-            <a:schemeClr val="lt1"/>
-          </a:fontRef>
-        </p:style>
-        <p:txBody>
-          <a:bodyPr rtlCol="0" anchor="ctr"/>
-          <a:lstStyle/>
-          <a:p>
-            <a:pPr algn="ctr"/>
-            <a:r>
-              <a:rPr lang="en-US" dirty="0" err="1"/>
-              <a:t>p</a:t>
-            </a:r>
-            <a:r>
-              <a:rPr lang="en-US" dirty="0" err="1" smtClean="0"/>
-              <a:t>rov:Activity</a:t>
-            </a:r>
-            <a:endParaRPr lang="en-US" dirty="0"/>
-          </a:p>
-        </p:txBody>
-      </p:sp>
-      <p:sp>
-        <p:nvSpPr>
-          <p:cNvPr id="27" name="Rectangle 26"/>
-          <p:cNvSpPr/>
-          <p:nvPr/>
-        </p:nvSpPr>
-        <p:spPr>
-          <a:xfrm>
-            <a:off x="155506" y="5779245"/>
-            <a:ext cx="2423280" cy="696635"/>
-          </a:xfrm>
-          <a:prstGeom prst="rect">
-            <a:avLst/>
-          </a:prstGeom>
-        </p:spPr>
-        <p:style>
-          <a:lnRef idx="1">
-            <a:schemeClr val="accent1"/>
-          </a:lnRef>
-          <a:fillRef idx="3">
-            <a:schemeClr val="accent1"/>
-          </a:fillRef>
-          <a:effectRef idx="2">
-            <a:schemeClr val="accent1"/>
-          </a:effectRef>
-          <a:fontRef idx="minor">
-            <a:schemeClr val="lt1"/>
-          </a:fontRef>
-        </p:style>
-        <p:txBody>
-          <a:bodyPr rtlCol="0" anchor="ctr"/>
-          <a:lstStyle/>
-          <a:p>
-            <a:pPr algn="ctr"/>
-            <a:r>
-              <a:rPr lang="en-US" dirty="0" err="1" smtClean="0"/>
-              <a:t>prov:Agent</a:t>
-            </a:r>
-            <a:endParaRPr lang="en-US" dirty="0"/>
-          </a:p>
-        </p:txBody>
-      </p:sp>
-      <p:cxnSp>
-        <p:nvCxnSpPr>
-          <p:cNvPr id="28" name="Straight Arrow Connector 27"/>
-          <p:cNvCxnSpPr>
-            <a:endCxn id="26" idx="0"/>
-          </p:cNvCxnSpPr>
-          <p:nvPr/>
-        </p:nvCxnSpPr>
-        <p:spPr>
-          <a:xfrm flipH="1">
-            <a:off x="1367146" y="3590901"/>
-            <a:ext cx="1639279" cy="766064"/>
-          </a:xfrm>
-          <a:prstGeom prst="straightConnector1">
-            <a:avLst/>
-          </a:prstGeom>
-          <a:ln>
-            <a:tailEnd type="arrow"/>
-          </a:ln>
-        </p:spPr>
-        <p:style>
-          <a:lnRef idx="2">
-            <a:schemeClr val="accent1"/>
-          </a:lnRef>
-          <a:fillRef idx="0">
-            <a:schemeClr val="accent1"/>
-          </a:fillRef>
-          <a:effectRef idx="1">
-            <a:schemeClr val="accent1"/>
-          </a:effectRef>
-          <a:fontRef idx="minor">
-            <a:schemeClr val="tx1"/>
-          </a:fontRef>
-        </p:style>
-      </p:cxnSp>
-      <p:sp>
-        <p:nvSpPr>
-          <p:cNvPr id="31" name="TextBox 30"/>
-          <p:cNvSpPr txBox="1"/>
-          <p:nvPr/>
-        </p:nvSpPr>
-        <p:spPr>
-          <a:xfrm>
-            <a:off x="1124306" y="3738389"/>
-            <a:ext cx="1726615" cy="276999"/>
-          </a:xfrm>
-          <a:prstGeom prst="rect">
-            <a:avLst/>
-          </a:prstGeom>
-          <a:noFill/>
-        </p:spPr>
-        <p:txBody>
-          <a:bodyPr wrap="square" rtlCol="0">
-            <a:spAutoFit/>
-          </a:bodyPr>
-          <a:lstStyle/>
-          <a:p>
-            <a:r>
-              <a:rPr lang="en-US" sz="1200" dirty="0" err="1"/>
-              <a:t>r</a:t>
-            </a:r>
-            <a:r>
-              <a:rPr lang="en-US" sz="1200" dirty="0" err="1" smtClean="0"/>
-              <a:t>dfs:subClassOf</a:t>
-            </a:r>
-            <a:endParaRPr lang="en-US" sz="1200" dirty="0"/>
-          </a:p>
-        </p:txBody>
-      </p:sp>
-      <p:cxnSp>
-        <p:nvCxnSpPr>
-          <p:cNvPr id="33" name="Straight Arrow Connector 32"/>
-          <p:cNvCxnSpPr>
-            <a:stCxn id="27" idx="0"/>
-            <a:endCxn id="26" idx="2"/>
-          </p:cNvCxnSpPr>
-          <p:nvPr/>
-        </p:nvCxnSpPr>
-        <p:spPr>
-          <a:xfrm flipV="1">
-            <a:off x="1367146" y="5053600"/>
-            <a:ext cx="0" cy="725645"/>
-          </a:xfrm>
-          <a:prstGeom prst="straightConnector1">
-            <a:avLst/>
-          </a:prstGeom>
-          <a:ln>
-            <a:tailEnd type="arrow"/>
-          </a:ln>
-        </p:spPr>
-        <p:style>
-          <a:lnRef idx="2">
-            <a:schemeClr val="accent1"/>
-          </a:lnRef>
-          <a:fillRef idx="0">
-            <a:schemeClr val="accent1"/>
-          </a:fillRef>
-          <a:effectRef idx="1">
-            <a:schemeClr val="accent1"/>
-          </a:effectRef>
-          <a:fontRef idx="minor">
-            <a:schemeClr val="tx1"/>
-          </a:fontRef>
-        </p:style>
-      </p:cxnSp>
-      <p:sp>
-        <p:nvSpPr>
-          <p:cNvPr id="34" name="TextBox 33"/>
-          <p:cNvSpPr txBox="1"/>
-          <p:nvPr/>
-        </p:nvSpPr>
-        <p:spPr>
-          <a:xfrm>
-            <a:off x="5747468" y="2688824"/>
-            <a:ext cx="1726615" cy="461665"/>
-          </a:xfrm>
-          <a:prstGeom prst="rect">
-            <a:avLst/>
-          </a:prstGeom>
-          <a:noFill/>
-        </p:spPr>
-        <p:txBody>
-          <a:bodyPr wrap="square" rtlCol="0">
-            <a:spAutoFit/>
-          </a:bodyPr>
-          <a:lstStyle/>
-          <a:p>
-            <a:r>
-              <a:rPr lang="en-US" sz="1200" dirty="0" smtClean="0"/>
-              <a:t>NOTE: add sources (e.g., MODIS)</a:t>
-            </a:r>
-            <a:endParaRPr lang="en-US" sz="1200" dirty="0"/>
-          </a:p>
-        </p:txBody>
-      </p:sp>
-      <p:sp>
-        <p:nvSpPr>
-          <p:cNvPr id="35" name="TextBox 34"/>
-          <p:cNvSpPr txBox="1"/>
-          <p:nvPr/>
-        </p:nvSpPr>
-        <p:spPr>
-          <a:xfrm>
-            <a:off x="2760208" y="5904689"/>
-            <a:ext cx="6246106" cy="707886"/>
-          </a:xfrm>
-          <a:prstGeom prst="rect">
-            <a:avLst/>
-          </a:prstGeom>
-          <a:noFill/>
-          <a:ln>
-            <a:solidFill>
-              <a:schemeClr val="tx1"/>
-            </a:solidFill>
-            <a:prstDash val="lgDash"/>
-          </a:ln>
-        </p:spPr>
-        <p:txBody>
-          <a:bodyPr wrap="square" rtlCol="0">
-            <a:spAutoFit/>
-          </a:bodyPr>
-          <a:lstStyle/>
-          <a:p>
-            <a:r>
-              <a:rPr lang="en-US" sz="2000" dirty="0" smtClean="0"/>
-              <a:t>EDAC Opportunity: Expand on how the </a:t>
-            </a:r>
-            <a:r>
-              <a:rPr lang="en-US" sz="2000" dirty="0" err="1" smtClean="0"/>
-              <a:t>dcat:Dataset</a:t>
-            </a:r>
-            <a:r>
-              <a:rPr lang="en-US" sz="2000" dirty="0" smtClean="0"/>
-              <a:t> (i.e., WCS Coverage Data) is really generated.</a:t>
-            </a:r>
-            <a:endParaRPr lang="en-US" dirty="0" smtClean="0"/>
-          </a:p>
-        </p:txBody>
-      </p:sp>
-      <p:cxnSp>
-        <p:nvCxnSpPr>
-          <p:cNvPr id="38" name="Elbow Connector 37"/>
-          <p:cNvCxnSpPr>
-            <a:stCxn id="35" idx="0"/>
-            <a:endCxn id="25" idx="3"/>
-          </p:cNvCxnSpPr>
-          <p:nvPr/>
-        </p:nvCxnSpPr>
-        <p:spPr>
-          <a:xfrm rot="16200000" flipV="1">
-            <a:off x="4690090" y="4711518"/>
-            <a:ext cx="1932787" cy="453556"/>
-          </a:xfrm>
-          <a:prstGeom prst="bentConnector2">
-            <a:avLst/>
-          </a:prstGeom>
-          <a:ln w="12700">
-            <a:solidFill>
-              <a:schemeClr val="tx1"/>
-            </a:solidFill>
-            <a:prstDash val="lgDash"/>
-          </a:ln>
-        </p:spPr>
-        <p:style>
-          <a:lnRef idx="2">
-            <a:schemeClr val="accent1"/>
-          </a:lnRef>
-          <a:fillRef idx="0">
-            <a:schemeClr val="accent1"/>
-          </a:fillRef>
-          <a:effectRef idx="1">
-            <a:schemeClr val="accent1"/>
-          </a:effectRef>
-          <a:fontRef idx="minor">
-            <a:schemeClr val="tx1"/>
-          </a:fontRef>
-        </p:style>
-      </p:cxnSp>
-      <p:sp>
-        <p:nvSpPr>
-          <p:cNvPr id="29" name="TextBox 28"/>
-          <p:cNvSpPr txBox="1"/>
-          <p:nvPr/>
-        </p:nvSpPr>
-        <p:spPr>
-          <a:xfrm>
-            <a:off x="823153" y="5298593"/>
-            <a:ext cx="1726615" cy="276999"/>
-          </a:xfrm>
-          <a:prstGeom prst="rect">
-            <a:avLst/>
-          </a:prstGeom>
-          <a:noFill/>
-        </p:spPr>
-        <p:txBody>
-          <a:bodyPr wrap="square" rtlCol="0">
-            <a:spAutoFit/>
-          </a:bodyPr>
-          <a:lstStyle/>
-          <a:p>
-            <a:r>
-              <a:rPr lang="en-US" sz="1200" dirty="0" err="1" smtClean="0"/>
-              <a:t>prov:wasAttributedWith</a:t>
-            </a:r>
-            <a:endParaRPr lang="en-US" sz="1200" dirty="0"/>
+      <p:sp>
+        <p:nvSpPr>
+          <p:cNvPr id="7" name="Slide Number Placeholder 6"/>
+          <p:cNvSpPr>
+            <a:spLocks noGrp="1"/>
+          </p:cNvSpPr>
+          <p:nvPr>
+            <p:ph type="sldNum" sz="quarter" idx="12"/>
+          </p:nvPr>
+        </p:nvSpPr>
+        <p:spPr/>
+        <p:txBody>
+          <a:bodyPr/>
+          <a:lstStyle/>
+          <a:p>
+            <a:fld id="{75A0D047-D3AC-D340-95A6-F602764FB084}" type="slidenum">
+              <a:rPr lang="en-US" smtClean="0"/>
+              <a:t>7</a:t>
+            </a:fld>
+            <a:endParaRPr lang="en-US"/>
           </a:p>
         </p:txBody>
       </p:sp>
     </p:spTree>
     <p:extLst>
       <p:ext uri="{BB962C8B-B14F-4D97-AF65-F5344CB8AC3E}">
-        <p14:creationId xmlns:p14="http://schemas.microsoft.com/office/powerpoint/2010/main" val="3189256786"/>
+        <p14:creationId xmlns:p14="http://schemas.microsoft.com/office/powerpoint/2010/main" val="665048687"/>
+      </p:ext>
+    </p:extLst>
+  </p:cSld>
+  <p:clrMapOvr>
+    <a:masterClrMapping/>
+  </p:clrMapOvr>
+</p:sld>
+</file>
+
+<file path=ppt/slides/slide8.xml><?xml version="1.0" encoding="utf-8"?>
+<p:sld xmlns:a="http://schemas.openxmlformats.org/drawingml/2006/main" xmlns:r="http://schemas.openxmlformats.org/officeDocument/2006/relationships" xmlns:p="http://schemas.openxmlformats.org/presentationml/2006/main">
+  <p:cSld>
+    <p:spTree>
+      <p:nvGrpSpPr>
+        <p:cNvPr id="1" name=""/>
+        <p:cNvGrpSpPr/>
+        <p:nvPr/>
+      </p:nvGrpSpPr>
+      <p:grpSpPr>
+        <a:xfrm>
+          <a:off x="0" y="0"/>
+          <a:ext cx="0" cy="0"/>
+          <a:chOff x="0" y="0"/>
+          <a:chExt cx="0" cy="0"/>
+        </a:xfrm>
+      </p:grpSpPr>
+      <p:sp>
+        <p:nvSpPr>
+          <p:cNvPr id="2" name="Title 1"/>
+          <p:cNvSpPr>
+            <a:spLocks noGrp="1"/>
+          </p:cNvSpPr>
+          <p:nvPr>
+            <p:ph type="title"/>
+          </p:nvPr>
+        </p:nvSpPr>
+        <p:spPr/>
+        <p:txBody>
+          <a:bodyPr/>
+          <a:lstStyle/>
+          <a:p>
+            <a:r>
+              <a:rPr lang="en-US" dirty="0" smtClean="0"/>
+              <a:t>PROV-Ontology (PROV-O)</a:t>
+            </a:r>
+            <a:endParaRPr lang="en-US" dirty="0"/>
+          </a:p>
+        </p:txBody>
+      </p:sp>
+      <p:sp>
+        <p:nvSpPr>
+          <p:cNvPr id="3" name="Content Placeholder 2"/>
+          <p:cNvSpPr>
+            <a:spLocks noGrp="1"/>
+          </p:cNvSpPr>
+          <p:nvPr>
+            <p:ph idx="1"/>
+          </p:nvPr>
+        </p:nvSpPr>
+        <p:spPr/>
+        <p:txBody>
+          <a:bodyPr>
+            <a:normAutofit/>
+          </a:bodyPr>
+          <a:lstStyle/>
+          <a:p>
+            <a:r>
+              <a:rPr lang="en-US" sz="2200" dirty="0" smtClean="0"/>
+              <a:t>The </a:t>
+            </a:r>
+            <a:r>
+              <a:rPr lang="en-US" sz="2200" dirty="0"/>
+              <a:t>PROV Ontology (PROV-O) expresses the PROV Data Model using the OWL2 Web Ontology Language (OWL2)</a:t>
+            </a:r>
+            <a:r>
+              <a:rPr lang="en-US" sz="2200" dirty="0" smtClean="0"/>
+              <a:t>.</a:t>
+            </a:r>
+            <a:endParaRPr lang="en-US" sz="2200" dirty="0"/>
+          </a:p>
+          <a:p>
+            <a:pPr lvl="1"/>
+            <a:r>
+              <a:rPr lang="en-US" sz="2000" dirty="0"/>
+              <a:t>PROV-O conforms to the OWL-RL profile and is lightweight so that it can be adopted in the widest range of applications</a:t>
+            </a:r>
+          </a:p>
+          <a:p>
+            <a:pPr lvl="2"/>
+            <a:r>
+              <a:rPr lang="en-US" sz="1900" dirty="0"/>
+              <a:t>Where </a:t>
+            </a:r>
+            <a:r>
+              <a:rPr lang="en-US" sz="1900" dirty="0" smtClean="0"/>
+              <a:t>OWL </a:t>
+            </a:r>
+            <a:r>
+              <a:rPr lang="en-US" sz="1900" dirty="0"/>
+              <a:t>2 RL is a syntactic subset of  OWL 2 DL.</a:t>
+            </a:r>
+          </a:p>
+          <a:p>
+            <a:r>
+              <a:rPr lang="en-US" sz="2400" dirty="0"/>
+              <a:t>PROV-</a:t>
+            </a:r>
+            <a:r>
+              <a:rPr lang="en-US" sz="2400" dirty="0" smtClean="0"/>
+              <a:t>O</a:t>
+            </a:r>
+          </a:p>
+          <a:p>
+            <a:pPr lvl="1"/>
+            <a:r>
+              <a:rPr lang="en-US" sz="2000" dirty="0" smtClean="0"/>
+              <a:t>provides a set of classes, properties, and restrictions </a:t>
+            </a:r>
+          </a:p>
+          <a:p>
+            <a:pPr lvl="2"/>
+            <a:r>
+              <a:rPr lang="en-US" sz="2000" dirty="0" smtClean="0"/>
+              <a:t>used </a:t>
+            </a:r>
+            <a:r>
+              <a:rPr lang="en-US" sz="2000" dirty="0"/>
+              <a:t>to represent and interchange provenance information generated in different systems and under different contexts</a:t>
+            </a:r>
+          </a:p>
+          <a:p>
+            <a:pPr lvl="2"/>
+            <a:r>
+              <a:rPr lang="en-US" sz="2000" dirty="0"/>
+              <a:t>can also be specialized to create new classes and properties to model provenance information specific to different domain applications</a:t>
+            </a:r>
+          </a:p>
+          <a:p>
+            <a:endParaRPr lang="en-US" dirty="0"/>
+          </a:p>
+        </p:txBody>
+      </p:sp>
+      <p:sp>
+        <p:nvSpPr>
+          <p:cNvPr id="4" name="Slide Number Placeholder 3"/>
+          <p:cNvSpPr>
+            <a:spLocks noGrp="1"/>
+          </p:cNvSpPr>
+          <p:nvPr>
+            <p:ph type="sldNum" sz="quarter" idx="12"/>
+          </p:nvPr>
+        </p:nvSpPr>
+        <p:spPr/>
+        <p:txBody>
+          <a:bodyPr/>
+          <a:lstStyle/>
+          <a:p>
+            <a:fld id="{75A0D047-D3AC-D340-95A6-F602764FB084}" type="slidenum">
+              <a:rPr lang="en-US" smtClean="0"/>
+              <a:t>8</a:t>
+            </a:fld>
+            <a:endParaRPr lang="en-US"/>
+          </a:p>
+        </p:txBody>
+      </p:sp>
+    </p:spTree>
+    <p:extLst>
+      <p:ext uri="{BB962C8B-B14F-4D97-AF65-F5344CB8AC3E}">
+        <p14:creationId xmlns:p14="http://schemas.microsoft.com/office/powerpoint/2010/main" val="4145133439"/>
+      </p:ext>
+    </p:extLst>
+  </p:cSld>
+  <p:clrMapOvr>
+    <a:masterClrMapping/>
+  </p:clrMapOvr>
+</p:sld>
+</file>
+
+<file path=ppt/slides/slide9.xml><?xml version="1.0" encoding="utf-8"?>
+<p:sld xmlns:a="http://schemas.openxmlformats.org/drawingml/2006/main" xmlns:r="http://schemas.openxmlformats.org/officeDocument/2006/relationships" xmlns:p="http://schemas.openxmlformats.org/presentationml/2006/main">
+  <p:cSld>
+    <p:spTree>
+      <p:nvGrpSpPr>
+        <p:cNvPr id="1" name=""/>
+        <p:cNvGrpSpPr/>
+        <p:nvPr/>
+      </p:nvGrpSpPr>
+      <p:grpSpPr>
+        <a:xfrm>
+          <a:off x="0" y="0"/>
+          <a:ext cx="0" cy="0"/>
+          <a:chOff x="0" y="0"/>
+          <a:chExt cx="0" cy="0"/>
+        </a:xfrm>
+      </p:grpSpPr>
+      <p:sp>
+        <p:nvSpPr>
+          <p:cNvPr id="2" name="Title 1"/>
+          <p:cNvSpPr>
+            <a:spLocks noGrp="1"/>
+          </p:cNvSpPr>
+          <p:nvPr>
+            <p:ph type="title"/>
+          </p:nvPr>
+        </p:nvSpPr>
+        <p:spPr/>
+        <p:txBody>
+          <a:bodyPr/>
+          <a:lstStyle/>
+          <a:p>
+            <a:r>
+              <a:rPr lang="en-US" dirty="0" smtClean="0"/>
+              <a:t>PROV-O Starting Point</a:t>
+            </a:r>
+            <a:endParaRPr lang="en-US" dirty="0"/>
+          </a:p>
+        </p:txBody>
+      </p:sp>
+      <p:sp>
+        <p:nvSpPr>
+          <p:cNvPr id="4" name="Content Placeholder 2"/>
+          <p:cNvSpPr>
+            <a:spLocks noGrp="1"/>
+          </p:cNvSpPr>
+          <p:nvPr>
+            <p:ph idx="1"/>
+          </p:nvPr>
+        </p:nvSpPr>
+        <p:spPr/>
+        <p:txBody>
+          <a:bodyPr>
+            <a:normAutofit fontScale="92500" lnSpcReduction="20000"/>
+          </a:bodyPr>
+          <a:lstStyle/>
+          <a:p>
+            <a:pPr eaLnBrk="1" hangingPunct="1"/>
+            <a:r>
+              <a:rPr lang="en-US" sz="3000" dirty="0"/>
+              <a:t>Core classes for Starting Point includes</a:t>
+            </a:r>
+          </a:p>
+          <a:p>
+            <a:pPr lvl="1" eaLnBrk="1" hangingPunct="1"/>
+            <a:r>
+              <a:rPr lang="en-US" sz="2600" dirty="0"/>
+              <a:t> </a:t>
+            </a:r>
+            <a:r>
+              <a:rPr lang="en-US" sz="2600" b="1" dirty="0" err="1"/>
+              <a:t>prov:Entity</a:t>
+            </a:r>
+            <a:r>
+              <a:rPr lang="en-US" sz="2600" b="1" dirty="0"/>
+              <a:t> </a:t>
+            </a:r>
+            <a:r>
+              <a:rPr lang="en-US" sz="2600" dirty="0"/>
+              <a:t>, </a:t>
+            </a:r>
+            <a:r>
+              <a:rPr lang="en-US" sz="2600" b="1" dirty="0" err="1"/>
+              <a:t>prov:Activity</a:t>
+            </a:r>
+            <a:r>
+              <a:rPr lang="en-US" sz="2600" dirty="0"/>
+              <a:t> and </a:t>
+            </a:r>
+            <a:r>
+              <a:rPr lang="en-US" sz="2600" b="1" dirty="0" err="1"/>
+              <a:t>prov:Agent</a:t>
+            </a:r>
+            <a:r>
+              <a:rPr lang="en-US" sz="2600" b="1" dirty="0"/>
+              <a:t> </a:t>
+            </a:r>
+            <a:r>
+              <a:rPr lang="en-US" sz="2600" b="1" u="sng" dirty="0"/>
+              <a:t> </a:t>
+            </a:r>
+            <a:endParaRPr lang="en-US" sz="2600" b="1" u="sng" dirty="0" smtClean="0"/>
+          </a:p>
+          <a:p>
+            <a:pPr lvl="1" eaLnBrk="1" hangingPunct="1"/>
+            <a:endParaRPr lang="en-US" sz="2600" b="1" u="sng" dirty="0"/>
+          </a:p>
+          <a:p>
+            <a:pPr eaLnBrk="1" hangingPunct="1"/>
+            <a:r>
+              <a:rPr lang="en-US" sz="3000" b="1" dirty="0" err="1"/>
+              <a:t>prov:Entity</a:t>
+            </a:r>
+            <a:r>
+              <a:rPr lang="en-US" sz="3000" dirty="0"/>
+              <a:t> --  is a physical, digital, conceptual, or other kind thing real or imaginary; an entity should have some fixed aspects in order to state some provenance information</a:t>
+            </a:r>
+          </a:p>
+          <a:p>
+            <a:pPr eaLnBrk="1" hangingPunct="1"/>
+            <a:r>
+              <a:rPr lang="en-US" sz="3000" b="1" dirty="0" err="1"/>
+              <a:t>prov:Activity</a:t>
+            </a:r>
+            <a:r>
+              <a:rPr lang="en-US" sz="3000" b="1" dirty="0"/>
+              <a:t> </a:t>
+            </a:r>
+            <a:r>
+              <a:rPr lang="en-US" sz="3000" dirty="0"/>
+              <a:t> --  is something that actually occurred over a period of time</a:t>
+            </a:r>
+          </a:p>
+          <a:p>
+            <a:pPr eaLnBrk="1" hangingPunct="1"/>
+            <a:r>
+              <a:rPr lang="en-US" sz="3000" b="1" dirty="0" err="1"/>
+              <a:t>prov:Agent</a:t>
+            </a:r>
+            <a:r>
+              <a:rPr lang="en-US" sz="3000" dirty="0"/>
+              <a:t>– is something or someone which was responsible for or otherwise associated with what happened in an activity   (takes on a role) </a:t>
+            </a:r>
+          </a:p>
+          <a:p>
+            <a:pPr eaLnBrk="1" hangingPunct="1"/>
+            <a:endParaRPr lang="en-US" u="sng" dirty="0">
+              <a:latin typeface="Constantia" charset="0"/>
+            </a:endParaRPr>
+          </a:p>
+        </p:txBody>
+      </p:sp>
+      <p:sp>
+        <p:nvSpPr>
+          <p:cNvPr id="5" name="Slide Number Placeholder 4"/>
+          <p:cNvSpPr>
+            <a:spLocks noGrp="1"/>
+          </p:cNvSpPr>
+          <p:nvPr>
+            <p:ph type="sldNum" sz="quarter" idx="12"/>
+          </p:nvPr>
+        </p:nvSpPr>
+        <p:spPr/>
+        <p:txBody>
+          <a:bodyPr/>
+          <a:lstStyle/>
+          <a:p>
+            <a:fld id="{75A0D047-D3AC-D340-95A6-F602764FB084}" type="slidenum">
+              <a:rPr lang="en-US" smtClean="0"/>
+              <a:t>9</a:t>
+            </a:fld>
+            <a:endParaRPr lang="en-US"/>
+          </a:p>
+        </p:txBody>
+      </p:sp>
+    </p:spTree>
+    <p:extLst>
+      <p:ext uri="{BB962C8B-B14F-4D97-AF65-F5344CB8AC3E}">
+        <p14:creationId xmlns:p14="http://schemas.microsoft.com/office/powerpoint/2010/main" val="2265945195"/>
       </p:ext>
     </p:extLst>
   </p:cSld>
@@ -6205,4 +8745,324 @@
   </a:objectDefaults>
   <a:extraClrSchemeLst/>
 </a:theme>
+</file>
+
+<file path=ppt/theme/theme3.xml><?xml version="1.0" encoding="utf-8"?>
+<a:theme xmlns:a="http://schemas.openxmlformats.org/drawingml/2006/main" name="Office Theme">
+  <a:themeElements>
+    <a:clrScheme name="Office">
+      <a:dk1>
+        <a:sysClr val="windowText" lastClr="000000"/>
+      </a:dk1>
+      <a:lt1>
+        <a:sysClr val="window" lastClr="FFFFFF"/>
+      </a:lt1>
+      <a:dk2>
+        <a:srgbClr val="1F497D"/>
+      </a:dk2>
+      <a:lt2>
+        <a:srgbClr val="EEECE1"/>
+      </a:lt2>
+      <a:accent1>
+        <a:srgbClr val="4F81BD"/>
+      </a:accent1>
+      <a:accent2>
+        <a:srgbClr val="C0504D"/>
+      </a:accent2>
+      <a:accent3>
+        <a:srgbClr val="9BBB59"/>
+      </a:accent3>
+      <a:accent4>
+        <a:srgbClr val="8064A2"/>
+      </a:accent4>
+      <a:accent5>
+        <a:srgbClr val="4BACC6"/>
+      </a:accent5>
+      <a:accent6>
+        <a:srgbClr val="F79646"/>
+      </a:accent6>
+      <a:hlink>
+        <a:srgbClr val="0000FF"/>
+      </a:hlink>
+      <a:folHlink>
+        <a:srgbClr val="800080"/>
+      </a:folHlink>
+    </a:clrScheme>
+    <a:fontScheme name="Office">
+      <a:majorFont>
+        <a:latin typeface="Calibri"/>
+        <a:ea typeface=""/>
+        <a:cs typeface=""/>
+        <a:font script="Jpan" typeface="ＭＳ Ｐゴシック"/>
+        <a:font script="Hang" typeface="맑은 고딕"/>
+        <a:font script="Hans" typeface="宋体"/>
+        <a:font script="Hant" typeface="新細明體"/>
+        <a:font script="Arab" typeface="Times New Roman"/>
+        <a:font script="Hebr" typeface="Times New Roman"/>
+        <a:font script="Thai" typeface="Angsana New"/>
+        <a:font script="Ethi" typeface="Nyala"/>
+        <a:font script="Beng" typeface="Vrinda"/>
+        <a:font script="Gujr" typeface="Shruti"/>
+        <a:font script="Khmr" typeface="MoolBoran"/>
+        <a:font script="Knda" typeface="Tunga"/>
+        <a:font script="Guru" typeface="Raavi"/>
+        <a:font script="Cans" typeface="Euphemia"/>
+        <a:font script="Cher" typeface="Plantagenet Cherokee"/>
+        <a:font script="Yiii" typeface="Microsoft Yi Baiti"/>
+        <a:font script="Tibt" typeface="Microsoft Himalaya"/>
+        <a:font script="Thaa" typeface="MV Boli"/>
+        <a:font script="Deva" typeface="Mangal"/>
+        <a:font script="Telu" typeface="Gautami"/>
+        <a:font script="Taml" typeface="Latha"/>
+        <a:font script="Syrc" typeface="Estrangelo Edessa"/>
+        <a:font script="Orya" typeface="Kalinga"/>
+        <a:font script="Mlym" typeface="Kartika"/>
+        <a:font script="Laoo" typeface="DokChampa"/>
+        <a:font script="Sinh" typeface="Iskoola Pota"/>
+        <a:font script="Mong" typeface="Mongolian Baiti"/>
+        <a:font script="Viet" typeface="Times New Roman"/>
+        <a:font script="Uigh" typeface="Microsoft Uighur"/>
+        <a:font script="Geor" typeface="Sylfaen"/>
+      </a:majorFont>
+      <a:minorFont>
+        <a:latin typeface="Calibri"/>
+        <a:ea typeface=""/>
+        <a:cs typeface=""/>
+        <a:font script="Jpan" typeface="ＭＳ Ｐゴシック"/>
+        <a:font script="Hang" typeface="맑은 고딕"/>
+        <a:font script="Hans" typeface="宋体"/>
+        <a:font script="Hant" typeface="新細明體"/>
+        <a:font script="Arab" typeface="Arial"/>
+        <a:font script="Hebr" typeface="Arial"/>
+        <a:font script="Thai" typeface="Cordia New"/>
+        <a:font script="Ethi" typeface="Nyala"/>
+        <a:font script="Beng" typeface="Vrinda"/>
+        <a:font script="Gujr" typeface="Shruti"/>
+        <a:font script="Khmr" typeface="DaunPenh"/>
+        <a:font script="Knda" typeface="Tunga"/>
+        <a:font script="Guru" typeface="Raavi"/>
+        <a:font script="Cans" typeface="Euphemia"/>
+        <a:font script="Cher" typeface="Plantagenet Cherokee"/>
+        <a:font script="Yiii" typeface="Microsoft Yi Baiti"/>
+        <a:font script="Tibt" typeface="Microsoft Himalaya"/>
+        <a:font script="Thaa" typeface="MV Boli"/>
+        <a:font script="Deva" typeface="Mangal"/>
+        <a:font script="Telu" typeface="Gautami"/>
+        <a:font script="Taml" typeface="Latha"/>
+        <a:font script="Syrc" typeface="Estrangelo Edessa"/>
+        <a:font script="Orya" typeface="Kalinga"/>
+        <a:font script="Mlym" typeface="Kartika"/>
+        <a:font script="Laoo" typeface="DokChampa"/>
+        <a:font script="Sinh" typeface="Iskoola Pota"/>
+        <a:font script="Mong" typeface="Mongolian Baiti"/>
+        <a:font script="Viet" typeface="Arial"/>
+        <a:font script="Uigh" typeface="Microsoft Uighur"/>
+        <a:font script="Geor" typeface="Sylfaen"/>
+      </a:minorFont>
+    </a:fontScheme>
+    <a:fmtScheme name="Office">
+      <a:fillStyleLst>
+        <a:solidFill>
+          <a:schemeClr val="phClr"/>
+        </a:solidFill>
+        <a:gradFill rotWithShape="1">
+          <a:gsLst>
+            <a:gs pos="0">
+              <a:schemeClr val="phClr">
+                <a:tint val="50000"/>
+                <a:satMod val="300000"/>
+              </a:schemeClr>
+            </a:gs>
+            <a:gs pos="35000">
+              <a:schemeClr val="phClr">
+                <a:tint val="37000"/>
+                <a:satMod val="300000"/>
+              </a:schemeClr>
+            </a:gs>
+            <a:gs pos="100000">
+              <a:schemeClr val="phClr">
+                <a:tint val="15000"/>
+                <a:satMod val="350000"/>
+              </a:schemeClr>
+            </a:gs>
+          </a:gsLst>
+          <a:lin ang="16200000" scaled="1"/>
+        </a:gradFill>
+        <a:gradFill rotWithShape="1">
+          <a:gsLst>
+            <a:gs pos="0">
+              <a:schemeClr val="phClr">
+                <a:tint val="100000"/>
+                <a:shade val="100000"/>
+                <a:satMod val="130000"/>
+              </a:schemeClr>
+            </a:gs>
+            <a:gs pos="100000">
+              <a:schemeClr val="phClr">
+                <a:tint val="50000"/>
+                <a:shade val="100000"/>
+                <a:satMod val="350000"/>
+              </a:schemeClr>
+            </a:gs>
+          </a:gsLst>
+          <a:lin ang="16200000" scaled="0"/>
+        </a:gradFill>
+      </a:fillStyleLst>
+      <a:lnStyleLst>
+        <a:ln w="9525" cap="flat" cmpd="sng" algn="ctr">
+          <a:solidFill>
+            <a:schemeClr val="phClr">
+              <a:shade val="95000"/>
+              <a:satMod val="105000"/>
+            </a:schemeClr>
+          </a:solidFill>
+          <a:prstDash val="solid"/>
+        </a:ln>
+        <a:ln w="25400" cap="flat" cmpd="sng" algn="ctr">
+          <a:solidFill>
+            <a:schemeClr val="phClr"/>
+          </a:solidFill>
+          <a:prstDash val="solid"/>
+        </a:ln>
+        <a:ln w="38100" cap="flat" cmpd="sng" algn="ctr">
+          <a:solidFill>
+            <a:schemeClr val="phClr"/>
+          </a:solidFill>
+          <a:prstDash val="solid"/>
+        </a:ln>
+      </a:lnStyleLst>
+      <a:effectStyleLst>
+        <a:effectStyle>
+          <a:effectLst>
+            <a:outerShdw blurRad="40000" dist="20000" dir="5400000" rotWithShape="0">
+              <a:srgbClr val="000000">
+                <a:alpha val="38000"/>
+              </a:srgbClr>
+            </a:outerShdw>
+          </a:effectLst>
+        </a:effectStyle>
+        <a:effectStyle>
+          <a:effectLst>
+            <a:outerShdw blurRad="40000" dist="23000" dir="5400000" rotWithShape="0">
+              <a:srgbClr val="000000">
+                <a:alpha val="35000"/>
+              </a:srgbClr>
+            </a:outerShdw>
+          </a:effectLst>
+        </a:effectStyle>
+        <a:effectStyle>
+          <a:effectLst>
+            <a:outerShdw blurRad="40000" dist="23000" dir="5400000" rotWithShape="0">
+              <a:srgbClr val="000000">
+                <a:alpha val="35000"/>
+              </a:srgbClr>
+            </a:outerShdw>
+          </a:effectLst>
+          <a:scene3d>
+            <a:camera prst="orthographicFront">
+              <a:rot lat="0" lon="0" rev="0"/>
+            </a:camera>
+            <a:lightRig rig="threePt" dir="t">
+              <a:rot lat="0" lon="0" rev="1200000"/>
+            </a:lightRig>
+          </a:scene3d>
+          <a:sp3d>
+            <a:bevelT w="63500" h="25400"/>
+          </a:sp3d>
+        </a:effectStyle>
+      </a:effectStyleLst>
+      <a:bgFillStyleLst>
+        <a:solidFill>
+          <a:schemeClr val="phClr"/>
+        </a:solidFill>
+        <a:gradFill rotWithShape="1">
+          <a:gsLst>
+            <a:gs pos="0">
+              <a:schemeClr val="phClr">
+                <a:tint val="40000"/>
+                <a:satMod val="350000"/>
+              </a:schemeClr>
+            </a:gs>
+            <a:gs pos="40000">
+              <a:schemeClr val="phClr">
+                <a:tint val="45000"/>
+                <a:shade val="99000"/>
+                <a:satMod val="350000"/>
+              </a:schemeClr>
+            </a:gs>
+            <a:gs pos="100000">
+              <a:schemeClr val="phClr">
+                <a:shade val="20000"/>
+                <a:satMod val="255000"/>
+              </a:schemeClr>
+            </a:gs>
+          </a:gsLst>
+          <a:path path="circle">
+            <a:fillToRect l="50000" t="-80000" r="50000" b="180000"/>
+          </a:path>
+        </a:gradFill>
+        <a:gradFill rotWithShape="1">
+          <a:gsLst>
+            <a:gs pos="0">
+              <a:schemeClr val="phClr">
+                <a:tint val="80000"/>
+                <a:satMod val="300000"/>
+              </a:schemeClr>
+            </a:gs>
+            <a:gs pos="100000">
+              <a:schemeClr val="phClr">
+                <a:shade val="30000"/>
+                <a:satMod val="200000"/>
+              </a:schemeClr>
+            </a:gs>
+          </a:gsLst>
+          <a:path path="circle">
+            <a:fillToRect l="50000" t="50000" r="50000" b="50000"/>
+          </a:path>
+        </a:gradFill>
+      </a:bgFillStyleLst>
+    </a:fmtScheme>
+  </a:themeElements>
+  <a:objectDefaults>
+    <a:spDef>
+      <a:spPr/>
+      <a:bodyPr/>
+      <a:lstStyle/>
+      <a:style>
+        <a:lnRef idx="1">
+          <a:schemeClr val="accent1"/>
+        </a:lnRef>
+        <a:fillRef idx="3">
+          <a:schemeClr val="accent1"/>
+        </a:fillRef>
+        <a:effectRef idx="2">
+          <a:schemeClr val="accent1"/>
+        </a:effectRef>
+        <a:fontRef idx="minor">
+          <a:schemeClr val="lt1"/>
+        </a:fontRef>
+      </a:style>
+    </a:spDef>
+    <a:lnDef>
+      <a:spPr/>
+      <a:bodyPr/>
+      <a:lstStyle/>
+      <a:style>
+        <a:lnRef idx="2">
+          <a:schemeClr val="accent1"/>
+        </a:lnRef>
+        <a:fillRef idx="0">
+          <a:schemeClr val="accent1"/>
+        </a:fillRef>
+        <a:effectRef idx="1">
+          <a:schemeClr val="accent1"/>
+        </a:effectRef>
+        <a:fontRef idx="minor">
+          <a:schemeClr val="tx1"/>
+        </a:fontRef>
+      </a:style>
+    </a:lnDef>
+  </a:objectDefaults>
+  <a:extraClrSchemeLst/>
+</a:theme>
 </file>
--- a/documents/presentations/2013/ELSEweb-EDAC-PROV.pptx
+++ b/documents/presentations/2013/ELSEweb-EDAC-PROV.pptx
@@ -5,10 +5,10 @@
     <p:sldMasterId id="2147483648" r:id="rId1"/>
   </p:sldMasterIdLst>
   <p:notesMasterIdLst>
-    <p:notesMasterId r:id="rId22"/>
+    <p:notesMasterId r:id="rId23"/>
   </p:notesMasterIdLst>
   <p:handoutMasterIdLst>
-    <p:handoutMasterId r:id="rId23"/>
+    <p:handoutMasterId r:id="rId24"/>
   </p:handoutMasterIdLst>
   <p:sldIdLst>
     <p:sldId id="256" r:id="rId2"/>
@@ -31,6 +31,7 @@
     <p:sldId id="278" r:id="rId19"/>
     <p:sldId id="279" r:id="rId20"/>
     <p:sldId id="271" r:id="rId21"/>
+    <p:sldId id="280" r:id="rId22"/>
   </p:sldIdLst>
   <p:sldSz cx="9144000" cy="6858000" type="screen4x3"/>
   <p:notesSz cx="6858000" cy="9144000"/>
@@ -3846,6 +3847,13 @@
   <p:clrMapOvr>
     <a:masterClrMapping/>
   </p:clrMapOvr>
+  <p:timing>
+    <p:tnLst>
+      <p:par>
+        <p:cTn xmlns:p14="http://schemas.microsoft.com/office/powerpoint/2010/main" id="1" dur="indefinite" restart="never" nodeType="tmRoot"/>
+      </p:par>
+    </p:tnLst>
+  </p:timing>
 </p:sld>
 </file>
 
@@ -4088,9 +4096,6 @@
               </a:rPr>
               <a:t>&gt;</a:t>
             </a:r>
-            <a:endParaRPr lang="en-US" b="1" dirty="0">
-              <a:latin typeface="Constantia" charset="0"/>
-            </a:endParaRPr>
           </a:p>
         </p:txBody>
       </p:sp>
@@ -4329,9 +4334,6 @@
               </a:rPr>
               <a:t>&gt;</a:t>
             </a:r>
-            <a:endParaRPr lang="en-US" dirty="0">
-              <a:latin typeface="Constantia" charset="0"/>
-            </a:endParaRPr>
           </a:p>
         </p:txBody>
       </p:sp>
@@ -4368,6 +4370,13 @@
   <p:clrMapOvr>
     <a:masterClrMapping/>
   </p:clrMapOvr>
+  <p:timing>
+    <p:tnLst>
+      <p:par>
+        <p:cTn xmlns:p14="http://schemas.microsoft.com/office/powerpoint/2010/main" id="1" dur="indefinite" restart="never" nodeType="tmRoot"/>
+      </p:par>
+    </p:tnLst>
+  </p:timing>
 </p:sld>
 </file>
 
@@ -4886,9 +4895,6 @@
               </a:rPr>
               <a:t>&gt;</a:t>
             </a:r>
-            <a:endParaRPr lang="en-US" dirty="0">
-              <a:latin typeface="Constantia" charset="0"/>
-            </a:endParaRPr>
           </a:p>
         </p:txBody>
       </p:sp>
@@ -4925,6 +4931,13 @@
   <p:clrMapOvr>
     <a:masterClrMapping/>
   </p:clrMapOvr>
+  <p:timing>
+    <p:tnLst>
+      <p:par>
+        <p:cTn xmlns:p14="http://schemas.microsoft.com/office/powerpoint/2010/main" id="1" dur="indefinite" restart="never" nodeType="tmRoot"/>
+      </p:par>
+    </p:tnLst>
+  </p:timing>
 </p:sld>
 </file>
 
@@ -5005,8 +5018,8 @@
               <a:t>Currently, 65 </a:t>
             </a:r>
             <a:r>
-              <a:rPr lang="en-US" sz="2800" dirty="0" err="1" smtClean="0"/>
-              <a:t>impementations</a:t>
+              <a:rPr lang="en-US" sz="2800" dirty="0" smtClean="0"/>
+              <a:t>implementations</a:t>
             </a:r>
             <a:endParaRPr lang="en-US" sz="2800" dirty="0" smtClean="0"/>
           </a:p>
@@ -5300,6 +5313,13 @@
   <p:clrMapOvr>
     <a:masterClrMapping/>
   </p:clrMapOvr>
+  <p:timing>
+    <p:tnLst>
+      <p:par>
+        <p:cTn xmlns:p14="http://schemas.microsoft.com/office/powerpoint/2010/main" id="1" dur="indefinite" restart="never" nodeType="tmRoot"/>
+      </p:par>
+    </p:tnLst>
+  </p:timing>
 </p:sld>
 </file>
 
@@ -5368,8 +5388,13 @@
             </a:r>
             <a:r>
               <a:rPr lang="en-US" dirty="0" smtClean="0"/>
-              <a:t>observation concerns</a:t>
-            </a:r>
+              <a:t>observation </a:t>
+            </a:r>
+            <a:r>
+              <a:rPr lang="en-US" dirty="0" smtClean="0"/>
+              <a:t>concerns (OBOE)</a:t>
+            </a:r>
+            <a:endParaRPr lang="en-US" dirty="0" smtClean="0"/>
           </a:p>
           <a:p>
             <a:pPr lvl="1"/>
@@ -5393,8 +5418,13 @@
           <a:p>
             <a:r>
               <a:rPr lang="en-US" dirty="0" smtClean="0"/>
-              <a:t>MUST support acquisition concerns</a:t>
-            </a:r>
+              <a:t>MUST support acquisition </a:t>
+            </a:r>
+            <a:r>
+              <a:rPr lang="en-US" dirty="0" smtClean="0"/>
+              <a:t>concerns (DCAT)</a:t>
+            </a:r>
+            <a:endParaRPr lang="en-US" dirty="0" smtClean="0"/>
           </a:p>
           <a:p>
             <a:pPr lvl="1"/>
@@ -5410,8 +5440,13 @@
           <a:p>
             <a:r>
               <a:rPr lang="en-US" dirty="0" smtClean="0"/>
-              <a:t>MUST support provenance concerns</a:t>
-            </a:r>
+              <a:t>MUST support provenance </a:t>
+            </a:r>
+            <a:r>
+              <a:rPr lang="en-US" dirty="0" smtClean="0"/>
+              <a:t>concerns (PROV-O)</a:t>
+            </a:r>
+            <a:endParaRPr lang="en-US" dirty="0" smtClean="0"/>
           </a:p>
           <a:p>
             <a:r>
@@ -5458,6 +5493,13 @@
   <p:clrMapOvr>
     <a:masterClrMapping/>
   </p:clrMapOvr>
+  <p:timing>
+    <p:tnLst>
+      <p:par>
+        <p:cTn xmlns:p14="http://schemas.microsoft.com/office/powerpoint/2010/main" id="1" dur="indefinite" restart="never" nodeType="tmRoot"/>
+      </p:par>
+    </p:tnLst>
+  </p:timing>
 </p:sld>
 </file>
 
@@ -5592,6 +5634,13 @@
   <p:clrMapOvr>
     <a:masterClrMapping/>
   </p:clrMapOvr>
+  <p:timing>
+    <p:tnLst>
+      <p:par>
+        <p:cTn xmlns:p14="http://schemas.microsoft.com/office/powerpoint/2010/main" id="1" dur="indefinite" restart="never" nodeType="tmRoot"/>
+      </p:par>
+    </p:tnLst>
+  </p:timing>
 </p:sld>
 </file>
 
@@ -5831,6 +5880,13 @@
   <p:clrMapOvr>
     <a:masterClrMapping/>
   </p:clrMapOvr>
+  <p:timing>
+    <p:tnLst>
+      <p:par>
+        <p:cTn xmlns:p14="http://schemas.microsoft.com/office/powerpoint/2010/main" id="1" dur="indefinite" restart="never" nodeType="tmRoot"/>
+      </p:par>
+    </p:tnLst>
+  </p:timing>
 </p:sld>
 </file>
 
@@ -5931,6 +5987,13 @@
   <p:clrMapOvr>
     <a:masterClrMapping/>
   </p:clrMapOvr>
+  <p:timing>
+    <p:tnLst>
+      <p:par>
+        <p:cTn xmlns:p14="http://schemas.microsoft.com/office/powerpoint/2010/main" id="1" dur="indefinite" restart="never" nodeType="tmRoot"/>
+      </p:par>
+    </p:tnLst>
+  </p:timing>
 </p:sld>
 </file>
 
@@ -6031,6 +6094,13 @@
   <p:clrMapOvr>
     <a:masterClrMapping/>
   </p:clrMapOvr>
+  <p:timing>
+    <p:tnLst>
+      <p:par>
+        <p:cTn xmlns:p14="http://schemas.microsoft.com/office/powerpoint/2010/main" id="1" dur="indefinite" restart="never" nodeType="tmRoot"/>
+      </p:par>
+    </p:tnLst>
+  </p:timing>
 </p:sld>
 </file>
 
@@ -6099,7 +6169,7 @@
       </p:sp>
       <p:pic>
         <p:nvPicPr>
-          <p:cNvPr id="5" name="Picture 4"/>
+          <p:cNvPr id="3" name="Picture 2"/>
           <p:cNvPicPr>
             <a:picLocks noChangeAspect="1"/>
           </p:cNvPicPr>
@@ -6113,7 +6183,7 @@
         </p:blipFill>
         <p:spPr>
           <a:xfrm>
-            <a:off x="0" y="1270000"/>
+            <a:off x="0" y="1613975"/>
             <a:ext cx="9144000" cy="4295198"/>
           </a:xfrm>
           <a:prstGeom prst="rect">
@@ -6131,6 +6201,13 @@
   <p:clrMapOvr>
     <a:masterClrMapping/>
   </p:clrMapOvr>
+  <p:timing>
+    <p:tnLst>
+      <p:par>
+        <p:cTn xmlns:p14="http://schemas.microsoft.com/office/powerpoint/2010/main" id="1" dur="indefinite" restart="never" nodeType="tmRoot"/>
+      </p:par>
+    </p:tnLst>
+  </p:timing>
 </p:sld>
 </file>
 
@@ -6401,10 +6478,9 @@
               <a:buChar char="•"/>
             </a:pPr>
             <a:r>
-              <a:rPr lang="en-US" smtClean="0"/>
+              <a:rPr lang="en-US" dirty="0" smtClean="0"/>
               <a:t>If dynamic:</a:t>
             </a:r>
-            <a:endParaRPr lang="en-US" dirty="0" smtClean="0"/>
           </a:p>
           <a:p>
             <a:pPr lvl="2">
@@ -6435,8 +6511,12 @@
               <a:t>Alternative: leave in database and use </a:t>
             </a:r>
             <a:r>
-              <a:rPr lang="en-US" dirty="0" err="1"/>
-              <a:t>dbowlizer</a:t>
+              <a:rPr lang="en-US" dirty="0" err="1" smtClean="0"/>
+              <a:t>DBOWL</a:t>
+            </a:r>
+            <a:r>
+              <a:rPr lang="en-US" dirty="0" err="1" smtClean="0"/>
+              <a:t>izer</a:t>
             </a:r>
             <a:endParaRPr lang="en-US" dirty="0"/>
           </a:p>
@@ -6472,6 +6552,157 @@
     <p:extLst>
       <p:ext uri="{BB962C8B-B14F-4D97-AF65-F5344CB8AC3E}">
         <p14:creationId xmlns:p14="http://schemas.microsoft.com/office/powerpoint/2010/main" val="1458930608"/>
+      </p:ext>
+    </p:extLst>
+  </p:cSld>
+  <p:clrMapOvr>
+    <a:masterClrMapping/>
+  </p:clrMapOvr>
+  <p:timing>
+    <p:tnLst>
+      <p:par>
+        <p:cTn xmlns:p14="http://schemas.microsoft.com/office/powerpoint/2010/main" id="1" dur="indefinite" restart="never" nodeType="tmRoot"/>
+      </p:par>
+    </p:tnLst>
+  </p:timing>
+</p:sld>
+</file>
+
+<file path=ppt/slides/slide21.xml><?xml version="1.0" encoding="utf-8"?>
+<p:sld xmlns:a="http://schemas.openxmlformats.org/drawingml/2006/main" xmlns:r="http://schemas.openxmlformats.org/officeDocument/2006/relationships" xmlns:p="http://schemas.openxmlformats.org/presentationml/2006/main">
+  <p:cSld>
+    <p:spTree>
+      <p:nvGrpSpPr>
+        <p:cNvPr id="1" name=""/>
+        <p:cNvGrpSpPr/>
+        <p:nvPr/>
+      </p:nvGrpSpPr>
+      <p:grpSpPr>
+        <a:xfrm>
+          <a:off x="0" y="0"/>
+          <a:ext cx="0" cy="0"/>
+          <a:chOff x="0" y="0"/>
+          <a:chExt cx="0" cy="0"/>
+        </a:xfrm>
+      </p:grpSpPr>
+      <p:sp>
+        <p:nvSpPr>
+          <p:cNvPr id="2" name="Title 1"/>
+          <p:cNvSpPr>
+            <a:spLocks noGrp="1"/>
+          </p:cNvSpPr>
+          <p:nvPr>
+            <p:ph type="title"/>
+          </p:nvPr>
+        </p:nvSpPr>
+        <p:spPr/>
+        <p:txBody>
+          <a:bodyPr/>
+          <a:lstStyle/>
+          <a:p>
+            <a:r>
+              <a:rPr lang="en-US" dirty="0" smtClean="0"/>
+              <a:t>Resources</a:t>
+            </a:r>
+            <a:endParaRPr lang="en-US" dirty="0"/>
+          </a:p>
+        </p:txBody>
+      </p:sp>
+      <p:sp>
+        <p:nvSpPr>
+          <p:cNvPr id="3" name="Content Placeholder 2"/>
+          <p:cNvSpPr>
+            <a:spLocks noGrp="1"/>
+          </p:cNvSpPr>
+          <p:nvPr>
+            <p:ph idx="1"/>
+          </p:nvPr>
+        </p:nvSpPr>
+        <p:spPr/>
+        <p:txBody>
+          <a:bodyPr/>
+          <a:lstStyle/>
+          <a:p>
+            <a:r>
+              <a:rPr lang="en-US" dirty="0" smtClean="0"/>
+              <a:t>Example EDAC PROV-O Trace:</a:t>
+            </a:r>
+          </a:p>
+          <a:p>
+            <a:pPr marL="0" indent="0">
+              <a:buNone/>
+            </a:pPr>
+            <a:r>
+              <a:rPr lang="en-US" sz="2000" dirty="0"/>
+              <a:t>https://</a:t>
+            </a:r>
+            <a:r>
+              <a:rPr lang="en-US" sz="2000" dirty="0" err="1"/>
+              <a:t>raw.github.com</a:t>
+            </a:r>
+            <a:r>
+              <a:rPr lang="en-US" sz="2000" dirty="0"/>
+              <a:t>/</a:t>
+            </a:r>
+            <a:r>
+              <a:rPr lang="en-US" sz="2000" dirty="0" err="1"/>
+              <a:t>nicholasdelrio</a:t>
+            </a:r>
+            <a:r>
+              <a:rPr lang="en-US" sz="2000" dirty="0"/>
+              <a:t>/</a:t>
+            </a:r>
+            <a:r>
+              <a:rPr lang="en-US" sz="2000" dirty="0" err="1"/>
+              <a:t>ELSeWeb</a:t>
+            </a:r>
+            <a:r>
+              <a:rPr lang="en-US" sz="2000" dirty="0"/>
+              <a:t>/master/documents/semantic-web/</a:t>
+            </a:r>
+            <a:r>
+              <a:rPr lang="en-US" sz="2000" dirty="0" err="1"/>
+              <a:t>rdf</a:t>
+            </a:r>
+            <a:r>
+              <a:rPr lang="en-US" sz="2000" dirty="0"/>
+              <a:t>/ontology/</a:t>
+            </a:r>
+            <a:r>
+              <a:rPr lang="en-US" sz="2000" dirty="0" err="1"/>
+              <a:t>edac-prov.owl</a:t>
+            </a:r>
+            <a:endParaRPr lang="en-US" sz="2000" dirty="0"/>
+          </a:p>
+        </p:txBody>
+      </p:sp>
+      <p:sp>
+        <p:nvSpPr>
+          <p:cNvPr id="4" name="Slide Number Placeholder 3"/>
+          <p:cNvSpPr>
+            <a:spLocks noGrp="1"/>
+          </p:cNvSpPr>
+          <p:nvPr>
+            <p:ph type="sldNum" sz="quarter" idx="12"/>
+          </p:nvPr>
+        </p:nvSpPr>
+        <p:spPr/>
+        <p:txBody>
+          <a:bodyPr/>
+          <a:lstStyle/>
+          <a:p>
+            <a:fld id="{75A0D047-D3AC-D340-95A6-F602764FB084}" type="slidenum">
+              <a:rPr lang="en-US" smtClean="0"/>
+              <a:t>21</a:t>
+            </a:fld>
+            <a:endParaRPr lang="en-US"/>
+          </a:p>
+        </p:txBody>
+      </p:sp>
+    </p:spTree>
+    <p:extLst>
+      <p:ext uri="{BB962C8B-B14F-4D97-AF65-F5344CB8AC3E}">
+        <p14:creationId xmlns:p14="http://schemas.microsoft.com/office/powerpoint/2010/main" val="3371759163"/>
       </p:ext>
     </p:extLst>
   </p:cSld>
@@ -6580,7 +6811,6 @@
               <a:rPr lang="en-US" dirty="0" smtClean="0"/>
               <a:t>Data Publishing Process Revisited</a:t>
             </a:r>
-            <a:endParaRPr lang="en-US" dirty="0" smtClean="0"/>
           </a:p>
           <a:p>
             <a:pPr marL="971550" lvl="1" indent="-514350">
@@ -6595,7 +6825,6 @@
               <a:rPr lang="en-US" dirty="0" smtClean="0"/>
               <a:t>ublishing Process Ontology</a:t>
             </a:r>
-            <a:endParaRPr lang="en-US" dirty="0" smtClean="0"/>
           </a:p>
           <a:p>
             <a:pPr marL="971550" lvl="1" indent="-514350">
@@ -6606,7 +6835,6 @@
               <a:rPr lang="en-US" dirty="0" smtClean="0"/>
               <a:t>Publishing Process PROV-O Trace</a:t>
             </a:r>
-            <a:endParaRPr lang="en-US" dirty="0" smtClean="0"/>
           </a:p>
           <a:p>
             <a:pPr marL="514350" indent="-514350">
@@ -7401,7 +7629,7 @@
         </p:blipFill>
         <p:spPr>
           <a:xfrm>
-            <a:off x="317341" y="2989019"/>
+            <a:off x="317341" y="2540202"/>
             <a:ext cx="8369459" cy="3162324"/>
           </a:xfrm>
           <a:prstGeom prst="rect">
@@ -7459,6 +7687,42 @@
               <a:t>5</a:t>
             </a:fld>
             <a:endParaRPr lang="en-US"/>
+          </a:p>
+        </p:txBody>
+      </p:sp>
+      <p:sp>
+        <p:nvSpPr>
+          <p:cNvPr id="3" name="Rectangle 2"/>
+          <p:cNvSpPr/>
+          <p:nvPr/>
+        </p:nvSpPr>
+        <p:spPr>
+          <a:xfrm>
+            <a:off x="2154947" y="6171684"/>
+            <a:ext cx="4146237" cy="369332"/>
+          </a:xfrm>
+          <a:prstGeom prst="rect">
+            <a:avLst/>
+          </a:prstGeom>
+        </p:spPr>
+        <p:txBody>
+          <a:bodyPr wrap="none">
+            <a:spAutoFit/>
+          </a:bodyPr>
+          <a:lstStyle/>
+          <a:p>
+            <a:r>
+              <a:rPr lang="en-US" dirty="0"/>
+              <a:t>https://</a:t>
+            </a:r>
+            <a:r>
+              <a:rPr lang="en-US" dirty="0" err="1"/>
+              <a:t>semtools.ecoinformatics.org</a:t>
+            </a:r>
+            <a:r>
+              <a:rPr lang="en-US" dirty="0"/>
+              <a:t>/oboe</a:t>
+            </a:r>
           </a:p>
         </p:txBody>
       </p:sp>
@@ -7538,7 +7802,7 @@
         </p:blipFill>
         <p:spPr>
           <a:xfrm>
-            <a:off x="1419460" y="2879152"/>
+            <a:off x="1419460" y="2588092"/>
             <a:ext cx="5989125" cy="3806421"/>
           </a:xfrm>
           <a:prstGeom prst="rect">
@@ -7609,6 +7873,13 @@
   <p:clrMapOvr>
     <a:masterClrMapping/>
   </p:clrMapOvr>
+  <p:timing>
+    <p:tnLst>
+      <p:par>
+        <p:cTn xmlns:p14="http://schemas.microsoft.com/office/powerpoint/2010/main" id="1" dur="indefinite" restart="never" nodeType="tmRoot"/>
+      </p:par>
+    </p:tnLst>
+  </p:timing>
 </p:sld>
 </file>
 
@@ -7668,7 +7939,7 @@
         </p:blipFill>
         <p:spPr>
           <a:xfrm>
-            <a:off x="0" y="2661356"/>
+            <a:off x="0" y="2264462"/>
             <a:ext cx="9144000" cy="3367283"/>
           </a:xfrm>
           <a:prstGeom prst="rect">
@@ -7737,6 +8008,35 @@
           </a:p>
         </p:txBody>
       </p:sp>
+      <p:sp>
+        <p:nvSpPr>
+          <p:cNvPr id="3" name="Rectangle 2"/>
+          <p:cNvSpPr/>
+          <p:nvPr/>
+        </p:nvSpPr>
+        <p:spPr>
+          <a:xfrm>
+            <a:off x="457200" y="5923783"/>
+            <a:ext cx="7347444" cy="369332"/>
+          </a:xfrm>
+          <a:prstGeom prst="rect">
+            <a:avLst/>
+          </a:prstGeom>
+        </p:spPr>
+        <p:txBody>
+          <a:bodyPr wrap="square">
+            <a:spAutoFit/>
+          </a:bodyPr>
+          <a:lstStyle/>
+          <a:p>
+            <a:r>
+              <a:rPr lang="pl-PL" dirty="0"/>
+              <a:t>http://www.w3.org/TR/2013/WD-vocab-dcat-20130801/</a:t>
+            </a:r>
+            <a:endParaRPr lang="en-US" dirty="0"/>
+          </a:p>
+        </p:txBody>
+      </p:sp>
     </p:spTree>
     <p:extLst>
       <p:ext uri="{BB962C8B-B14F-4D97-AF65-F5344CB8AC3E}">
@@ -7747,6 +8047,13 @@
   <p:clrMapOvr>
     <a:masterClrMapping/>
   </p:clrMapOvr>
+  <p:timing>
+    <p:tnLst>
+      <p:par>
+        <p:cTn xmlns:p14="http://schemas.microsoft.com/office/powerpoint/2010/main" id="1" dur="indefinite" restart="never" nodeType="tmRoot"/>
+      </p:par>
+    </p:tnLst>
+  </p:timing>
 </p:sld>
 </file>
 
@@ -7906,6 +8213,42 @@
           </a:p>
         </p:txBody>
       </p:sp>
+      <p:sp>
+        <p:nvSpPr>
+          <p:cNvPr id="5" name="Rectangle 4"/>
+          <p:cNvSpPr/>
+          <p:nvPr/>
+        </p:nvSpPr>
+        <p:spPr>
+          <a:xfrm>
+            <a:off x="2733928" y="6154552"/>
+            <a:ext cx="3147015" cy="369332"/>
+          </a:xfrm>
+          <a:prstGeom prst="rect">
+            <a:avLst/>
+          </a:prstGeom>
+        </p:spPr>
+        <p:txBody>
+          <a:bodyPr wrap="none">
+            <a:spAutoFit/>
+          </a:bodyPr>
+          <a:lstStyle/>
+          <a:p>
+            <a:r>
+              <a:rPr lang="en-US" dirty="0"/>
+              <a:t>http://www.w3.org/TR/</a:t>
+            </a:r>
+            <a:r>
+              <a:rPr lang="en-US" dirty="0" err="1"/>
+              <a:t>prov</a:t>
+            </a:r>
+            <a:r>
+              <a:rPr lang="en-US" dirty="0"/>
+              <a:t>-o/</a:t>
+            </a:r>
+          </a:p>
+        </p:txBody>
+      </p:sp>
     </p:spTree>
     <p:extLst>
       <p:ext uri="{BB962C8B-B14F-4D97-AF65-F5344CB8AC3E}">
@@ -7916,6 +8259,13 @@
   <p:clrMapOvr>
     <a:masterClrMapping/>
   </p:clrMapOvr>
+  <p:timing>
+    <p:tnLst>
+      <p:par>
+        <p:cTn xmlns:p14="http://schemas.microsoft.com/office/powerpoint/2010/main" id="1" dur="indefinite" restart="never" nodeType="tmRoot"/>
+      </p:par>
+    </p:tnLst>
+  </p:timing>
 </p:sld>
 </file>
 
@@ -8104,6 +8454,13 @@
   <p:clrMapOvr>
     <a:masterClrMapping/>
   </p:clrMapOvr>
+  <p:timing>
+    <p:tnLst>
+      <p:par>
+        <p:cTn xmlns:p14="http://schemas.microsoft.com/office/powerpoint/2010/main" id="1" dur="indefinite" restart="never" nodeType="tmRoot"/>
+      </p:par>
+    </p:tnLst>
+  </p:timing>
 </p:sld>
 </file>
 
